--- a/content/u18/cse331/media/slides/weighted_intervals.pptx
+++ b/content/u18/cse331/media/slides/weighted_intervals.pptx
@@ -11,11 +11,11 @@
     <p:sldId id="260" r:id="rId5"/>
     <p:sldId id="262" r:id="rId6"/>
     <p:sldId id="263" r:id="rId7"/>
-    <p:sldId id="264" r:id="rId8"/>
-    <p:sldId id="265" r:id="rId9"/>
-    <p:sldId id="266" r:id="rId10"/>
-    <p:sldId id="267" r:id="rId11"/>
-    <p:sldId id="268" r:id="rId12"/>
+    <p:sldId id="267" r:id="rId8"/>
+    <p:sldId id="268" r:id="rId9"/>
+    <p:sldId id="264" r:id="rId10"/>
+    <p:sldId id="265" r:id="rId11"/>
+    <p:sldId id="266" r:id="rId12"/>
     <p:sldId id="269" r:id="rId13"/>
     <p:sldId id="270" r:id="rId14"/>
     <p:sldId id="271" r:id="rId15"/>
@@ -303,7 +303,7 @@
           <a:lstStyle/>
           <a:p>
             <a:fld id="{FAB01A9D-F57C-4547-8FD3-A3844D0961BA}" type="datetimeFigureOut">
-              <a:t>6/4/18</a:t>
+              <a:t>6/14/18</a:t>
             </a:fld>
             <a:endParaRPr lang="en-US"/>
           </a:p>
@@ -469,7 +469,7 @@
           <a:lstStyle/>
           <a:p>
             <a:fld id="{FAB01A9D-F57C-4547-8FD3-A3844D0961BA}" type="datetimeFigureOut">
-              <a:t>6/4/18</a:t>
+              <a:t>6/14/18</a:t>
             </a:fld>
             <a:endParaRPr lang="en-US"/>
           </a:p>
@@ -645,7 +645,7 @@
           <a:lstStyle/>
           <a:p>
             <a:fld id="{FAB01A9D-F57C-4547-8FD3-A3844D0961BA}" type="datetimeFigureOut">
-              <a:t>6/4/18</a:t>
+              <a:t>6/14/18</a:t>
             </a:fld>
             <a:endParaRPr lang="en-US"/>
           </a:p>
@@ -811,7 +811,7 @@
           <a:lstStyle/>
           <a:p>
             <a:fld id="{FAB01A9D-F57C-4547-8FD3-A3844D0961BA}" type="datetimeFigureOut">
-              <a:t>6/4/18</a:t>
+              <a:t>6/14/18</a:t>
             </a:fld>
             <a:endParaRPr lang="en-US"/>
           </a:p>
@@ -1054,7 +1054,7 @@
           <a:lstStyle/>
           <a:p>
             <a:fld id="{FAB01A9D-F57C-4547-8FD3-A3844D0961BA}" type="datetimeFigureOut">
-              <a:t>6/4/18</a:t>
+              <a:t>6/14/18</a:t>
             </a:fld>
             <a:endParaRPr lang="en-US"/>
           </a:p>
@@ -1337,7 +1337,7 @@
           <a:lstStyle/>
           <a:p>
             <a:fld id="{FAB01A9D-F57C-4547-8FD3-A3844D0961BA}" type="datetimeFigureOut">
-              <a:t>6/4/18</a:t>
+              <a:t>6/14/18</a:t>
             </a:fld>
             <a:endParaRPr lang="en-US"/>
           </a:p>
@@ -1754,7 +1754,7 @@
           <a:lstStyle/>
           <a:p>
             <a:fld id="{FAB01A9D-F57C-4547-8FD3-A3844D0961BA}" type="datetimeFigureOut">
-              <a:t>6/4/18</a:t>
+              <a:t>6/14/18</a:t>
             </a:fld>
             <a:endParaRPr lang="en-US"/>
           </a:p>
@@ -1869,7 +1869,7 @@
           <a:lstStyle/>
           <a:p>
             <a:fld id="{FAB01A9D-F57C-4547-8FD3-A3844D0961BA}" type="datetimeFigureOut">
-              <a:t>6/4/18</a:t>
+              <a:t>6/14/18</a:t>
             </a:fld>
             <a:endParaRPr lang="en-US"/>
           </a:p>
@@ -1962,7 +1962,7 @@
           <a:lstStyle/>
           <a:p>
             <a:fld id="{FAB01A9D-F57C-4547-8FD3-A3844D0961BA}" type="datetimeFigureOut">
-              <a:t>6/4/18</a:t>
+              <a:t>6/14/18</a:t>
             </a:fld>
             <a:endParaRPr lang="en-US"/>
           </a:p>
@@ -2235,7 +2235,7 @@
           <a:lstStyle/>
           <a:p>
             <a:fld id="{FAB01A9D-F57C-4547-8FD3-A3844D0961BA}" type="datetimeFigureOut">
-              <a:t>6/4/18</a:t>
+              <a:t>6/14/18</a:t>
             </a:fld>
             <a:endParaRPr lang="en-US"/>
           </a:p>
@@ -2485,7 +2485,7 @@
           <a:lstStyle/>
           <a:p>
             <a:fld id="{FAB01A9D-F57C-4547-8FD3-A3844D0961BA}" type="datetimeFigureOut">
-              <a:t>6/4/18</a:t>
+              <a:t>6/14/18</a:t>
             </a:fld>
             <a:endParaRPr lang="en-US"/>
           </a:p>
@@ -2694,7 +2694,7 @@
           </a:lstStyle>
           <a:p>
             <a:fld id="{FAB01A9D-F57C-4547-8FD3-A3844D0961BA}" type="datetimeFigureOut">
-              <a:t>6/4/18</a:t>
+              <a:t>6/14/18</a:t>
             </a:fld>
             <a:endParaRPr lang="en-US"/>
           </a:p>
@@ -3122,6 +3122,13 @@
   <p:clrMapOvr>
     <a:masterClrMapping/>
   </p:clrMapOvr>
+  <p:timing>
+    <p:tnLst>
+      <p:par>
+        <p:cTn xmlns:p14="http://schemas.microsoft.com/office/powerpoint/2010/main" id="1" dur="indefinite" restart="never" nodeType="tmRoot"/>
+      </p:par>
+    </p:tnLst>
+  </p:timing>
 </p:sld>
 </file>
 
@@ -3144,7 +3151,7 @@
       </p:grpSpPr>
       <p:sp>
         <p:nvSpPr>
-          <p:cNvPr id="24577" name="Title 1"/>
+          <p:cNvPr id="22529" name="Title 1"/>
           <p:cNvSpPr>
             <a:spLocks noGrp="1"/>
           </p:cNvSpPr>
@@ -3164,23 +3171,36 @@
                 <a:ea typeface="ＭＳ Ｐゴシック" charset="0"/>
                 <a:cs typeface="ＭＳ Ｐゴシック" charset="0"/>
               </a:rPr>
-              <a:t>Weighted Interval Scheduling</a:t>
+              <a:t>New Greedy algorithm</a:t>
             </a:r>
           </a:p>
         </p:txBody>
       </p:sp>
-      <p:sp>
-        <p:nvSpPr>
-          <p:cNvPr id="24578" name="TextBox 2"/>
-          <p:cNvSpPr txBox="1">
-            <a:spLocks noChangeArrowheads="1"/>
-          </p:cNvSpPr>
+      <p:pic>
+        <p:nvPicPr>
+          <p:cNvPr id="22530" name="Picture 2"/>
+          <p:cNvPicPr>
+            <a:picLocks noChangeAspect="1"/>
+          </p:cNvPicPr>
           <p:nvPr/>
-        </p:nvSpPr>
+        </p:nvPicPr>
+        <p:blipFill>
+          <a:blip r:embed="rId2">
+            <a:extLst>
+              <a:ext uri="{28A0092B-C50C-407E-A947-70E740481C1C}">
+                <a14:useLocalDpi xmlns:a14="http://schemas.microsoft.com/office/drawing/2010/main" val="0"/>
+              </a:ext>
+            </a:extLst>
+          </a:blip>
+          <a:srcRect/>
+          <a:stretch>
+            <a:fillRect/>
+          </a:stretch>
+        </p:blipFill>
         <p:spPr bwMode="auto">
           <a:xfrm>
-            <a:off x="1389063" y="2344738"/>
-            <a:ext cx="2657475" cy="461962"/>
+            <a:off x="6786563" y="1417638"/>
+            <a:ext cx="1900237" cy="2000250"/>
           </a:xfrm>
           <a:prstGeom prst="rect">
             <a:avLst/>
@@ -3209,1423 +3229,2319 @@
             </a:ext>
           </a:extLst>
         </p:spPr>
-        <p:txBody>
-          <a:bodyPr wrap="none">
-            <a:spAutoFit/>
-          </a:bodyPr>
-          <a:lstStyle>
-            <a:lvl1pPr eaLnBrk="0" hangingPunct="0">
-              <a:defRPr sz="2400">
-                <a:solidFill>
-                  <a:schemeClr val="tx1"/>
-                </a:solidFill>
-                <a:latin typeface="Arial" charset="0"/>
-                <a:ea typeface="ＭＳ Ｐゴシック" charset="0"/>
-                <a:cs typeface="ＭＳ Ｐゴシック" charset="0"/>
-              </a:defRPr>
-            </a:lvl1pPr>
-            <a:lvl2pPr marL="742950" indent="-285750" eaLnBrk="0" hangingPunct="0">
-              <a:defRPr sz="2400">
-                <a:solidFill>
-                  <a:schemeClr val="tx1"/>
-                </a:solidFill>
-                <a:latin typeface="Arial" charset="0"/>
-                <a:ea typeface="ＭＳ Ｐゴシック" charset="0"/>
-              </a:defRPr>
-            </a:lvl2pPr>
-            <a:lvl3pPr marL="1143000" indent="-228600" eaLnBrk="0" hangingPunct="0">
-              <a:defRPr sz="2400">
-                <a:solidFill>
-                  <a:schemeClr val="tx1"/>
-                </a:solidFill>
-                <a:latin typeface="Arial" charset="0"/>
-                <a:ea typeface="ＭＳ Ｐゴシック" charset="0"/>
-              </a:defRPr>
-            </a:lvl3pPr>
-            <a:lvl4pPr marL="1600200" indent="-228600" eaLnBrk="0" hangingPunct="0">
-              <a:defRPr sz="2400">
-                <a:solidFill>
-                  <a:schemeClr val="tx1"/>
-                </a:solidFill>
-                <a:latin typeface="Arial" charset="0"/>
-                <a:ea typeface="ＭＳ Ｐゴシック" charset="0"/>
-              </a:defRPr>
-            </a:lvl4pPr>
-            <a:lvl5pPr marL="2057400" indent="-228600" eaLnBrk="0" hangingPunct="0">
-              <a:defRPr sz="2400">
-                <a:solidFill>
-                  <a:schemeClr val="tx1"/>
-                </a:solidFill>
-                <a:latin typeface="Arial" charset="0"/>
-                <a:ea typeface="ＭＳ Ｐゴシック" charset="0"/>
-              </a:defRPr>
-            </a:lvl5pPr>
-            <a:lvl6pPr marL="2514600" indent="-228600" eaLnBrk="0" fontAlgn="base" hangingPunct="0">
-              <a:spcBef>
-                <a:spcPct val="0"/>
-              </a:spcBef>
-              <a:spcAft>
-                <a:spcPct val="0"/>
-              </a:spcAft>
-              <a:defRPr sz="2400">
-                <a:solidFill>
-                  <a:schemeClr val="tx1"/>
-                </a:solidFill>
-                <a:latin typeface="Arial" charset="0"/>
-                <a:ea typeface="ＭＳ Ｐゴシック" charset="0"/>
-              </a:defRPr>
-            </a:lvl6pPr>
-            <a:lvl7pPr marL="2971800" indent="-228600" eaLnBrk="0" fontAlgn="base" hangingPunct="0">
-              <a:spcBef>
-                <a:spcPct val="0"/>
-              </a:spcBef>
-              <a:spcAft>
-                <a:spcPct val="0"/>
-              </a:spcAft>
-              <a:defRPr sz="2400">
-                <a:solidFill>
-                  <a:schemeClr val="tx1"/>
-                </a:solidFill>
-                <a:latin typeface="Arial" charset="0"/>
-                <a:ea typeface="ＭＳ Ｐゴシック" charset="0"/>
-              </a:defRPr>
-            </a:lvl7pPr>
-            <a:lvl8pPr marL="3429000" indent="-228600" eaLnBrk="0" fontAlgn="base" hangingPunct="0">
-              <a:spcBef>
-                <a:spcPct val="0"/>
-              </a:spcBef>
-              <a:spcAft>
-                <a:spcPct val="0"/>
-              </a:spcAft>
-              <a:defRPr sz="2400">
-                <a:solidFill>
-                  <a:schemeClr val="tx1"/>
-                </a:solidFill>
-                <a:latin typeface="Arial" charset="0"/>
-                <a:ea typeface="ＭＳ Ｐゴシック" charset="0"/>
-              </a:defRPr>
-            </a:lvl8pPr>
-            <a:lvl9pPr marL="3886200" indent="-228600" eaLnBrk="0" fontAlgn="base" hangingPunct="0">
-              <a:spcBef>
-                <a:spcPct val="0"/>
-              </a:spcBef>
-              <a:spcAft>
-                <a:spcPct val="0"/>
-              </a:spcAft>
-              <a:defRPr sz="2400">
-                <a:solidFill>
-                  <a:schemeClr val="tx1"/>
-                </a:solidFill>
-                <a:latin typeface="Arial" charset="0"/>
-                <a:ea typeface="ＭＳ Ｐゴシック" charset="0"/>
-              </a:defRPr>
-            </a:lvl9pPr>
-          </a:lstStyle>
-          <a:p>
-            <a:pPr eaLnBrk="1" hangingPunct="1"/>
-            <a:r>
-              <a:rPr lang="en-US">
-                <a:latin typeface="Calibri" charset="0"/>
-              </a:rPr>
-              <a:t>Input: </a:t>
-            </a:r>
-            <a:r>
-              <a:rPr lang="en-US">
-                <a:solidFill>
-                  <a:srgbClr val="B700B7"/>
-                </a:solidFill>
-                <a:latin typeface="Calibri" charset="0"/>
-              </a:rPr>
-              <a:t>n</a:t>
-            </a:r>
-            <a:r>
-              <a:rPr lang="en-US">
-                <a:latin typeface="Calibri" charset="0"/>
-              </a:rPr>
-              <a:t> jobs (</a:t>
-            </a:r>
-            <a:r>
-              <a:rPr lang="en-US">
-                <a:solidFill>
-                  <a:srgbClr val="B700B7"/>
-                </a:solidFill>
-                <a:latin typeface="Calibri" charset="0"/>
-              </a:rPr>
-              <a:t>s</a:t>
-            </a:r>
-            <a:r>
-              <a:rPr lang="en-US" baseline="-25000">
-                <a:solidFill>
-                  <a:srgbClr val="B700B7"/>
-                </a:solidFill>
-                <a:latin typeface="Calibri" charset="0"/>
-              </a:rPr>
-              <a:t>i</a:t>
-            </a:r>
-            <a:r>
-              <a:rPr lang="en-US">
-                <a:solidFill>
-                  <a:srgbClr val="B700B7"/>
-                </a:solidFill>
-                <a:latin typeface="Calibri" charset="0"/>
-              </a:rPr>
-              <a:t>,t</a:t>
-            </a:r>
-            <a:r>
-              <a:rPr lang="en-US" baseline="-25000">
-                <a:solidFill>
-                  <a:srgbClr val="B700B7"/>
-                </a:solidFill>
-                <a:latin typeface="Calibri" charset="0"/>
-              </a:rPr>
-              <a:t>i</a:t>
-            </a:r>
-            <a:r>
-              <a:rPr lang="en-US">
-                <a:solidFill>
-                  <a:srgbClr val="B700B7"/>
-                </a:solidFill>
-                <a:latin typeface="Calibri" charset="0"/>
-              </a:rPr>
-              <a:t>,v</a:t>
-            </a:r>
-            <a:r>
-              <a:rPr lang="en-US" baseline="-25000">
-                <a:solidFill>
-                  <a:srgbClr val="B700B7"/>
-                </a:solidFill>
-                <a:latin typeface="Calibri" charset="0"/>
-              </a:rPr>
-              <a:t>i</a:t>
-            </a:r>
-            <a:r>
-              <a:rPr lang="en-US">
-                <a:latin typeface="Calibri" charset="0"/>
-              </a:rPr>
-              <a:t>)</a:t>
-            </a:r>
-          </a:p>
-        </p:txBody>
-      </p:sp>
+      </p:pic>
+      <p:grpSp>
+        <p:nvGrpSpPr>
+          <p:cNvPr id="22531" name="Group 17"/>
+          <p:cNvGrpSpPr>
+            <a:grpSpLocks/>
+          </p:cNvGrpSpPr>
+          <p:nvPr/>
+        </p:nvGrpSpPr>
+        <p:grpSpPr bwMode="auto">
+          <a:xfrm>
+            <a:off x="173038" y="6078538"/>
+            <a:ext cx="7947025" cy="663575"/>
+            <a:chOff x="173558" y="6079117"/>
+            <a:chExt cx="7945999" cy="662307"/>
+          </a:xfrm>
+        </p:grpSpPr>
+        <p:cxnSp>
+          <p:nvCxnSpPr>
+            <p:cNvPr id="5" name="Straight Arrow Connector 4"/>
+            <p:cNvCxnSpPr/>
+            <p:nvPr/>
+          </p:nvCxnSpPr>
+          <p:spPr>
+            <a:xfrm>
+              <a:off x="457683" y="6209043"/>
+              <a:ext cx="7661874" cy="11091"/>
+            </a:xfrm>
+            <a:prstGeom prst="straightConnector1">
+              <a:avLst/>
+            </a:prstGeom>
+            <a:ln w="57150" cap="flat" cmpd="sng" algn="ctr">
+              <a:solidFill>
+                <a:schemeClr val="tx1"/>
+              </a:solidFill>
+              <a:prstDash val="solid"/>
+              <a:round/>
+              <a:headEnd type="none" w="med" len="med"/>
+              <a:tailEnd type="arrow" w="med" len="med"/>
+            </a:ln>
+          </p:spPr>
+          <p:style>
+            <a:lnRef idx="2">
+              <a:schemeClr val="accent1"/>
+            </a:lnRef>
+            <a:fillRef idx="0">
+              <a:schemeClr val="accent1"/>
+            </a:fillRef>
+            <a:effectRef idx="1">
+              <a:schemeClr val="accent1"/>
+            </a:effectRef>
+            <a:fontRef idx="minor">
+              <a:schemeClr val="tx1"/>
+            </a:fontRef>
+          </p:style>
+        </p:cxnSp>
+        <p:cxnSp>
+          <p:nvCxnSpPr>
+            <p:cNvPr id="7" name="Straight Connector 6"/>
+            <p:cNvCxnSpPr/>
+            <p:nvPr/>
+          </p:nvCxnSpPr>
+          <p:spPr>
+            <a:xfrm rot="5400000">
+              <a:off x="525367" y="6203496"/>
+              <a:ext cx="250346" cy="1587"/>
+            </a:xfrm>
+            <a:prstGeom prst="line">
+              <a:avLst/>
+            </a:prstGeom>
+            <a:ln w="57150" cap="flat" cmpd="sng" algn="ctr">
+              <a:solidFill>
+                <a:schemeClr val="accent1"/>
+              </a:solidFill>
+              <a:prstDash val="solid"/>
+              <a:round/>
+              <a:headEnd type="none" w="med" len="med"/>
+              <a:tailEnd type="none" w="med" len="med"/>
+            </a:ln>
+          </p:spPr>
+          <p:style>
+            <a:lnRef idx="2">
+              <a:schemeClr val="accent1"/>
+            </a:lnRef>
+            <a:fillRef idx="0">
+              <a:schemeClr val="accent1"/>
+            </a:fillRef>
+            <a:effectRef idx="1">
+              <a:schemeClr val="accent1"/>
+            </a:effectRef>
+            <a:fontRef idx="minor">
+              <a:schemeClr val="tx1"/>
+            </a:fontRef>
+          </p:style>
+        </p:cxnSp>
+        <p:cxnSp>
+          <p:nvCxnSpPr>
+            <p:cNvPr id="9" name="Straight Connector 8"/>
+            <p:cNvCxnSpPr/>
+            <p:nvPr/>
+          </p:nvCxnSpPr>
+          <p:spPr>
+            <a:xfrm rot="5400000">
+              <a:off x="2055519" y="6203496"/>
+              <a:ext cx="250346" cy="1587"/>
+            </a:xfrm>
+            <a:prstGeom prst="line">
+              <a:avLst/>
+            </a:prstGeom>
+            <a:ln w="57150" cap="flat" cmpd="sng" algn="ctr">
+              <a:solidFill>
+                <a:schemeClr val="accent1"/>
+              </a:solidFill>
+              <a:prstDash val="solid"/>
+              <a:round/>
+              <a:headEnd type="none" w="med" len="med"/>
+              <a:tailEnd type="none" w="med" len="med"/>
+            </a:ln>
+          </p:spPr>
+          <p:style>
+            <a:lnRef idx="2">
+              <a:schemeClr val="accent1"/>
+            </a:lnRef>
+            <a:fillRef idx="0">
+              <a:schemeClr val="accent1"/>
+            </a:fillRef>
+            <a:effectRef idx="1">
+              <a:schemeClr val="accent1"/>
+            </a:effectRef>
+            <a:fontRef idx="minor">
+              <a:schemeClr val="tx1"/>
+            </a:fontRef>
+          </p:style>
+        </p:cxnSp>
+        <p:cxnSp>
+          <p:nvCxnSpPr>
+            <p:cNvPr id="10" name="Straight Connector 9"/>
+            <p:cNvCxnSpPr/>
+            <p:nvPr/>
+          </p:nvCxnSpPr>
+          <p:spPr>
+            <a:xfrm rot="5400000">
+              <a:off x="3990432" y="6203496"/>
+              <a:ext cx="250346" cy="1588"/>
+            </a:xfrm>
+            <a:prstGeom prst="line">
+              <a:avLst/>
+            </a:prstGeom>
+            <a:ln w="57150" cap="flat" cmpd="sng" algn="ctr">
+              <a:solidFill>
+                <a:schemeClr val="accent1"/>
+              </a:solidFill>
+              <a:prstDash val="solid"/>
+              <a:round/>
+              <a:headEnd type="none" w="med" len="med"/>
+              <a:tailEnd type="none" w="med" len="med"/>
+            </a:ln>
+          </p:spPr>
+          <p:style>
+            <a:lnRef idx="2">
+              <a:schemeClr val="accent1"/>
+            </a:lnRef>
+            <a:fillRef idx="0">
+              <a:schemeClr val="accent1"/>
+            </a:fillRef>
+            <a:effectRef idx="1">
+              <a:schemeClr val="accent1"/>
+            </a:effectRef>
+            <a:fontRef idx="minor">
+              <a:schemeClr val="tx1"/>
+            </a:fontRef>
+          </p:style>
+        </p:cxnSp>
+        <p:cxnSp>
+          <p:nvCxnSpPr>
+            <p:cNvPr id="11" name="Straight Connector 10"/>
+            <p:cNvCxnSpPr/>
+            <p:nvPr/>
+          </p:nvCxnSpPr>
+          <p:spPr>
+            <a:xfrm rot="5400000">
+              <a:off x="5715822" y="6203496"/>
+              <a:ext cx="250346" cy="1587"/>
+            </a:xfrm>
+            <a:prstGeom prst="line">
+              <a:avLst/>
+            </a:prstGeom>
+            <a:ln w="57150" cap="flat" cmpd="sng" algn="ctr">
+              <a:solidFill>
+                <a:schemeClr val="accent1"/>
+              </a:solidFill>
+              <a:prstDash val="solid"/>
+              <a:round/>
+              <a:headEnd type="none" w="med" len="med"/>
+              <a:tailEnd type="none" w="med" len="med"/>
+            </a:ln>
+          </p:spPr>
+          <p:style>
+            <a:lnRef idx="2">
+              <a:schemeClr val="accent1"/>
+            </a:lnRef>
+            <a:fillRef idx="0">
+              <a:schemeClr val="accent1"/>
+            </a:fillRef>
+            <a:effectRef idx="1">
+              <a:schemeClr val="accent1"/>
+            </a:effectRef>
+            <a:fontRef idx="minor">
+              <a:schemeClr val="tx1"/>
+            </a:fontRef>
+          </p:style>
+        </p:cxnSp>
+        <p:cxnSp>
+          <p:nvCxnSpPr>
+            <p:cNvPr id="12" name="Straight Connector 11"/>
+            <p:cNvCxnSpPr/>
+            <p:nvPr/>
+          </p:nvCxnSpPr>
+          <p:spPr>
+            <a:xfrm rot="5400000">
+              <a:off x="7558671" y="6203496"/>
+              <a:ext cx="250346" cy="1588"/>
+            </a:xfrm>
+            <a:prstGeom prst="line">
+              <a:avLst/>
+            </a:prstGeom>
+            <a:ln w="57150" cap="flat" cmpd="sng" algn="ctr">
+              <a:solidFill>
+                <a:schemeClr val="accent1"/>
+              </a:solidFill>
+              <a:prstDash val="solid"/>
+              <a:round/>
+              <a:headEnd type="none" w="med" len="med"/>
+              <a:tailEnd type="none" w="med" len="med"/>
+            </a:ln>
+          </p:spPr>
+          <p:style>
+            <a:lnRef idx="2">
+              <a:schemeClr val="accent1"/>
+            </a:lnRef>
+            <a:fillRef idx="0">
+              <a:schemeClr val="accent1"/>
+            </a:fillRef>
+            <a:effectRef idx="1">
+              <a:schemeClr val="accent1"/>
+            </a:effectRef>
+            <a:fontRef idx="minor">
+              <a:schemeClr val="tx1"/>
+            </a:fontRef>
+          </p:style>
+        </p:cxnSp>
+        <p:sp>
+          <p:nvSpPr>
+            <p:cNvPr id="22556" name="TextBox 12"/>
+            <p:cNvSpPr txBox="1">
+              <a:spLocks noChangeArrowheads="1"/>
+            </p:cNvSpPr>
+            <p:nvPr/>
+          </p:nvSpPr>
+          <p:spPr bwMode="auto">
+            <a:xfrm>
+              <a:off x="173558" y="6372092"/>
+              <a:ext cx="957075" cy="369332"/>
+            </a:xfrm>
+            <a:prstGeom prst="rect">
+              <a:avLst/>
+            </a:prstGeom>
+            <a:noFill/>
+            <a:ln>
+              <a:noFill/>
+            </a:ln>
+            <a:extLst>
+              <a:ext uri="{909E8E84-426E-40dd-AFC4-6F175D3DCCD1}">
+                <a14:hiddenFill xmlns:a14="http://schemas.microsoft.com/office/drawing/2010/main">
+                  <a:solidFill>
+                    <a:srgbClr val="FFFFFF"/>
+                  </a:solidFill>
+                </a14:hiddenFill>
+              </a:ext>
+              <a:ext uri="{91240B29-F687-4f45-9708-019B960494DF}">
+                <a14:hiddenLine xmlns:a14="http://schemas.microsoft.com/office/drawing/2010/main" w="9525">
+                  <a:solidFill>
+                    <a:srgbClr val="000000"/>
+                  </a:solidFill>
+                  <a:miter lim="800000"/>
+                  <a:headEnd/>
+                  <a:tailEnd/>
+                </a14:hiddenLine>
+              </a:ext>
+            </a:extLst>
+          </p:spPr>
+          <p:txBody>
+            <a:bodyPr wrap="none">
+              <a:spAutoFit/>
+            </a:bodyPr>
+            <a:lstStyle>
+              <a:lvl1pPr eaLnBrk="0" hangingPunct="0">
+                <a:defRPr sz="2400">
+                  <a:solidFill>
+                    <a:schemeClr val="tx1"/>
+                  </a:solidFill>
+                  <a:latin typeface="Arial" charset="0"/>
+                  <a:ea typeface="ＭＳ Ｐゴシック" charset="0"/>
+                  <a:cs typeface="ＭＳ Ｐゴシック" charset="0"/>
+                </a:defRPr>
+              </a:lvl1pPr>
+              <a:lvl2pPr marL="742950" indent="-285750" eaLnBrk="0" hangingPunct="0">
+                <a:defRPr sz="2400">
+                  <a:solidFill>
+                    <a:schemeClr val="tx1"/>
+                  </a:solidFill>
+                  <a:latin typeface="Arial" charset="0"/>
+                  <a:ea typeface="ＭＳ Ｐゴシック" charset="0"/>
+                </a:defRPr>
+              </a:lvl2pPr>
+              <a:lvl3pPr marL="1143000" indent="-228600" eaLnBrk="0" hangingPunct="0">
+                <a:defRPr sz="2400">
+                  <a:solidFill>
+                    <a:schemeClr val="tx1"/>
+                  </a:solidFill>
+                  <a:latin typeface="Arial" charset="0"/>
+                  <a:ea typeface="ＭＳ Ｐゴシック" charset="0"/>
+                </a:defRPr>
+              </a:lvl3pPr>
+              <a:lvl4pPr marL="1600200" indent="-228600" eaLnBrk="0" hangingPunct="0">
+                <a:defRPr sz="2400">
+                  <a:solidFill>
+                    <a:schemeClr val="tx1"/>
+                  </a:solidFill>
+                  <a:latin typeface="Arial" charset="0"/>
+                  <a:ea typeface="ＭＳ Ｐゴシック" charset="0"/>
+                </a:defRPr>
+              </a:lvl4pPr>
+              <a:lvl5pPr marL="2057400" indent="-228600" eaLnBrk="0" hangingPunct="0">
+                <a:defRPr sz="2400">
+                  <a:solidFill>
+                    <a:schemeClr val="tx1"/>
+                  </a:solidFill>
+                  <a:latin typeface="Arial" charset="0"/>
+                  <a:ea typeface="ＭＳ Ｐゴシック" charset="0"/>
+                </a:defRPr>
+              </a:lvl5pPr>
+              <a:lvl6pPr marL="2514600" indent="-228600" eaLnBrk="0" fontAlgn="base" hangingPunct="0">
+                <a:spcBef>
+                  <a:spcPct val="0"/>
+                </a:spcBef>
+                <a:spcAft>
+                  <a:spcPct val="0"/>
+                </a:spcAft>
+                <a:defRPr sz="2400">
+                  <a:solidFill>
+                    <a:schemeClr val="tx1"/>
+                  </a:solidFill>
+                  <a:latin typeface="Arial" charset="0"/>
+                  <a:ea typeface="ＭＳ Ｐゴシック" charset="0"/>
+                </a:defRPr>
+              </a:lvl6pPr>
+              <a:lvl7pPr marL="2971800" indent="-228600" eaLnBrk="0" fontAlgn="base" hangingPunct="0">
+                <a:spcBef>
+                  <a:spcPct val="0"/>
+                </a:spcBef>
+                <a:spcAft>
+                  <a:spcPct val="0"/>
+                </a:spcAft>
+                <a:defRPr sz="2400">
+                  <a:solidFill>
+                    <a:schemeClr val="tx1"/>
+                  </a:solidFill>
+                  <a:latin typeface="Arial" charset="0"/>
+                  <a:ea typeface="ＭＳ Ｐゴシック" charset="0"/>
+                </a:defRPr>
+              </a:lvl7pPr>
+              <a:lvl8pPr marL="3429000" indent="-228600" eaLnBrk="0" fontAlgn="base" hangingPunct="0">
+                <a:spcBef>
+                  <a:spcPct val="0"/>
+                </a:spcBef>
+                <a:spcAft>
+                  <a:spcPct val="0"/>
+                </a:spcAft>
+                <a:defRPr sz="2400">
+                  <a:solidFill>
+                    <a:schemeClr val="tx1"/>
+                  </a:solidFill>
+                  <a:latin typeface="Arial" charset="0"/>
+                  <a:ea typeface="ＭＳ Ｐゴシック" charset="0"/>
+                </a:defRPr>
+              </a:lvl8pPr>
+              <a:lvl9pPr marL="3886200" indent="-228600" eaLnBrk="0" fontAlgn="base" hangingPunct="0">
+                <a:spcBef>
+                  <a:spcPct val="0"/>
+                </a:spcBef>
+                <a:spcAft>
+                  <a:spcPct val="0"/>
+                </a:spcAft>
+                <a:defRPr sz="2400">
+                  <a:solidFill>
+                    <a:schemeClr val="tx1"/>
+                  </a:solidFill>
+                  <a:latin typeface="Arial" charset="0"/>
+                  <a:ea typeface="ＭＳ Ｐゴシック" charset="0"/>
+                </a:defRPr>
+              </a:lvl9pPr>
+            </a:lstStyle>
+            <a:p>
+              <a:pPr eaLnBrk="1" hangingPunct="1"/>
+              <a:r>
+                <a:rPr lang="en-US" sz="1800">
+                  <a:latin typeface="Calibri" charset="0"/>
+                </a:rPr>
+                <a:t>Monday</a:t>
+              </a:r>
+            </a:p>
+          </p:txBody>
+        </p:sp>
+        <p:sp>
+          <p:nvSpPr>
+            <p:cNvPr id="22557" name="TextBox 13"/>
+            <p:cNvSpPr txBox="1">
+              <a:spLocks noChangeArrowheads="1"/>
+            </p:cNvSpPr>
+            <p:nvPr/>
+          </p:nvSpPr>
+          <p:spPr bwMode="auto">
+            <a:xfrm>
+              <a:off x="1701733" y="6372092"/>
+              <a:ext cx="941296" cy="369332"/>
+            </a:xfrm>
+            <a:prstGeom prst="rect">
+              <a:avLst/>
+            </a:prstGeom>
+            <a:noFill/>
+            <a:ln>
+              <a:noFill/>
+            </a:ln>
+            <a:extLst>
+              <a:ext uri="{909E8E84-426E-40dd-AFC4-6F175D3DCCD1}">
+                <a14:hiddenFill xmlns:a14="http://schemas.microsoft.com/office/drawing/2010/main">
+                  <a:solidFill>
+                    <a:srgbClr val="FFFFFF"/>
+                  </a:solidFill>
+                </a14:hiddenFill>
+              </a:ext>
+              <a:ext uri="{91240B29-F687-4f45-9708-019B960494DF}">
+                <a14:hiddenLine xmlns:a14="http://schemas.microsoft.com/office/drawing/2010/main" w="9525">
+                  <a:solidFill>
+                    <a:srgbClr val="000000"/>
+                  </a:solidFill>
+                  <a:miter lim="800000"/>
+                  <a:headEnd/>
+                  <a:tailEnd/>
+                </a14:hiddenLine>
+              </a:ext>
+            </a:extLst>
+          </p:spPr>
+          <p:txBody>
+            <a:bodyPr wrap="none">
+              <a:spAutoFit/>
+            </a:bodyPr>
+            <a:lstStyle>
+              <a:lvl1pPr eaLnBrk="0" hangingPunct="0">
+                <a:defRPr sz="2400">
+                  <a:solidFill>
+                    <a:schemeClr val="tx1"/>
+                  </a:solidFill>
+                  <a:latin typeface="Arial" charset="0"/>
+                  <a:ea typeface="ＭＳ Ｐゴシック" charset="0"/>
+                  <a:cs typeface="ＭＳ Ｐゴシック" charset="0"/>
+                </a:defRPr>
+              </a:lvl1pPr>
+              <a:lvl2pPr marL="742950" indent="-285750" eaLnBrk="0" hangingPunct="0">
+                <a:defRPr sz="2400">
+                  <a:solidFill>
+                    <a:schemeClr val="tx1"/>
+                  </a:solidFill>
+                  <a:latin typeface="Arial" charset="0"/>
+                  <a:ea typeface="ＭＳ Ｐゴシック" charset="0"/>
+                </a:defRPr>
+              </a:lvl2pPr>
+              <a:lvl3pPr marL="1143000" indent="-228600" eaLnBrk="0" hangingPunct="0">
+                <a:defRPr sz="2400">
+                  <a:solidFill>
+                    <a:schemeClr val="tx1"/>
+                  </a:solidFill>
+                  <a:latin typeface="Arial" charset="0"/>
+                  <a:ea typeface="ＭＳ Ｐゴシック" charset="0"/>
+                </a:defRPr>
+              </a:lvl3pPr>
+              <a:lvl4pPr marL="1600200" indent="-228600" eaLnBrk="0" hangingPunct="0">
+                <a:defRPr sz="2400">
+                  <a:solidFill>
+                    <a:schemeClr val="tx1"/>
+                  </a:solidFill>
+                  <a:latin typeface="Arial" charset="0"/>
+                  <a:ea typeface="ＭＳ Ｐゴシック" charset="0"/>
+                </a:defRPr>
+              </a:lvl4pPr>
+              <a:lvl5pPr marL="2057400" indent="-228600" eaLnBrk="0" hangingPunct="0">
+                <a:defRPr sz="2400">
+                  <a:solidFill>
+                    <a:schemeClr val="tx1"/>
+                  </a:solidFill>
+                  <a:latin typeface="Arial" charset="0"/>
+                  <a:ea typeface="ＭＳ Ｐゴシック" charset="0"/>
+                </a:defRPr>
+              </a:lvl5pPr>
+              <a:lvl6pPr marL="2514600" indent="-228600" eaLnBrk="0" fontAlgn="base" hangingPunct="0">
+                <a:spcBef>
+                  <a:spcPct val="0"/>
+                </a:spcBef>
+                <a:spcAft>
+                  <a:spcPct val="0"/>
+                </a:spcAft>
+                <a:defRPr sz="2400">
+                  <a:solidFill>
+                    <a:schemeClr val="tx1"/>
+                  </a:solidFill>
+                  <a:latin typeface="Arial" charset="0"/>
+                  <a:ea typeface="ＭＳ Ｐゴシック" charset="0"/>
+                </a:defRPr>
+              </a:lvl6pPr>
+              <a:lvl7pPr marL="2971800" indent="-228600" eaLnBrk="0" fontAlgn="base" hangingPunct="0">
+                <a:spcBef>
+                  <a:spcPct val="0"/>
+                </a:spcBef>
+                <a:spcAft>
+                  <a:spcPct val="0"/>
+                </a:spcAft>
+                <a:defRPr sz="2400">
+                  <a:solidFill>
+                    <a:schemeClr val="tx1"/>
+                  </a:solidFill>
+                  <a:latin typeface="Arial" charset="0"/>
+                  <a:ea typeface="ＭＳ Ｐゴシック" charset="0"/>
+                </a:defRPr>
+              </a:lvl7pPr>
+              <a:lvl8pPr marL="3429000" indent="-228600" eaLnBrk="0" fontAlgn="base" hangingPunct="0">
+                <a:spcBef>
+                  <a:spcPct val="0"/>
+                </a:spcBef>
+                <a:spcAft>
+                  <a:spcPct val="0"/>
+                </a:spcAft>
+                <a:defRPr sz="2400">
+                  <a:solidFill>
+                    <a:schemeClr val="tx1"/>
+                  </a:solidFill>
+                  <a:latin typeface="Arial" charset="0"/>
+                  <a:ea typeface="ＭＳ Ｐゴシック" charset="0"/>
+                </a:defRPr>
+              </a:lvl8pPr>
+              <a:lvl9pPr marL="3886200" indent="-228600" eaLnBrk="0" fontAlgn="base" hangingPunct="0">
+                <a:spcBef>
+                  <a:spcPct val="0"/>
+                </a:spcBef>
+                <a:spcAft>
+                  <a:spcPct val="0"/>
+                </a:spcAft>
+                <a:defRPr sz="2400">
+                  <a:solidFill>
+                    <a:schemeClr val="tx1"/>
+                  </a:solidFill>
+                  <a:latin typeface="Arial" charset="0"/>
+                  <a:ea typeface="ＭＳ Ｐゴシック" charset="0"/>
+                </a:defRPr>
+              </a:lvl9pPr>
+            </a:lstStyle>
+            <a:p>
+              <a:pPr eaLnBrk="1" hangingPunct="1"/>
+              <a:r>
+                <a:rPr lang="en-US" sz="1800">
+                  <a:latin typeface="Calibri" charset="0"/>
+                </a:rPr>
+                <a:t>Tuesday</a:t>
+              </a:r>
+            </a:p>
+          </p:txBody>
+        </p:sp>
+        <p:sp>
+          <p:nvSpPr>
+            <p:cNvPr id="22558" name="TextBox 14"/>
+            <p:cNvSpPr txBox="1">
+              <a:spLocks noChangeArrowheads="1"/>
+            </p:cNvSpPr>
+            <p:nvPr/>
+          </p:nvSpPr>
+          <p:spPr bwMode="auto">
+            <a:xfrm>
+              <a:off x="3637105" y="6372092"/>
+              <a:ext cx="1276161" cy="369332"/>
+            </a:xfrm>
+            <a:prstGeom prst="rect">
+              <a:avLst/>
+            </a:prstGeom>
+            <a:noFill/>
+            <a:ln>
+              <a:noFill/>
+            </a:ln>
+            <a:extLst>
+              <a:ext uri="{909E8E84-426E-40dd-AFC4-6F175D3DCCD1}">
+                <a14:hiddenFill xmlns:a14="http://schemas.microsoft.com/office/drawing/2010/main">
+                  <a:solidFill>
+                    <a:srgbClr val="FFFFFF"/>
+                  </a:solidFill>
+                </a14:hiddenFill>
+              </a:ext>
+              <a:ext uri="{91240B29-F687-4f45-9708-019B960494DF}">
+                <a14:hiddenLine xmlns:a14="http://schemas.microsoft.com/office/drawing/2010/main" w="9525">
+                  <a:solidFill>
+                    <a:srgbClr val="000000"/>
+                  </a:solidFill>
+                  <a:miter lim="800000"/>
+                  <a:headEnd/>
+                  <a:tailEnd/>
+                </a14:hiddenLine>
+              </a:ext>
+            </a:extLst>
+          </p:spPr>
+          <p:txBody>
+            <a:bodyPr wrap="none">
+              <a:spAutoFit/>
+            </a:bodyPr>
+            <a:lstStyle>
+              <a:lvl1pPr eaLnBrk="0" hangingPunct="0">
+                <a:defRPr sz="2400">
+                  <a:solidFill>
+                    <a:schemeClr val="tx1"/>
+                  </a:solidFill>
+                  <a:latin typeface="Arial" charset="0"/>
+                  <a:ea typeface="ＭＳ Ｐゴシック" charset="0"/>
+                  <a:cs typeface="ＭＳ Ｐゴシック" charset="0"/>
+                </a:defRPr>
+              </a:lvl1pPr>
+              <a:lvl2pPr marL="742950" indent="-285750" eaLnBrk="0" hangingPunct="0">
+                <a:defRPr sz="2400">
+                  <a:solidFill>
+                    <a:schemeClr val="tx1"/>
+                  </a:solidFill>
+                  <a:latin typeface="Arial" charset="0"/>
+                  <a:ea typeface="ＭＳ Ｐゴシック" charset="0"/>
+                </a:defRPr>
+              </a:lvl2pPr>
+              <a:lvl3pPr marL="1143000" indent="-228600" eaLnBrk="0" hangingPunct="0">
+                <a:defRPr sz="2400">
+                  <a:solidFill>
+                    <a:schemeClr val="tx1"/>
+                  </a:solidFill>
+                  <a:latin typeface="Arial" charset="0"/>
+                  <a:ea typeface="ＭＳ Ｐゴシック" charset="0"/>
+                </a:defRPr>
+              </a:lvl3pPr>
+              <a:lvl4pPr marL="1600200" indent="-228600" eaLnBrk="0" hangingPunct="0">
+                <a:defRPr sz="2400">
+                  <a:solidFill>
+                    <a:schemeClr val="tx1"/>
+                  </a:solidFill>
+                  <a:latin typeface="Arial" charset="0"/>
+                  <a:ea typeface="ＭＳ Ｐゴシック" charset="0"/>
+                </a:defRPr>
+              </a:lvl4pPr>
+              <a:lvl5pPr marL="2057400" indent="-228600" eaLnBrk="0" hangingPunct="0">
+                <a:defRPr sz="2400">
+                  <a:solidFill>
+                    <a:schemeClr val="tx1"/>
+                  </a:solidFill>
+                  <a:latin typeface="Arial" charset="0"/>
+                  <a:ea typeface="ＭＳ Ｐゴシック" charset="0"/>
+                </a:defRPr>
+              </a:lvl5pPr>
+              <a:lvl6pPr marL="2514600" indent="-228600" eaLnBrk="0" fontAlgn="base" hangingPunct="0">
+                <a:spcBef>
+                  <a:spcPct val="0"/>
+                </a:spcBef>
+                <a:spcAft>
+                  <a:spcPct val="0"/>
+                </a:spcAft>
+                <a:defRPr sz="2400">
+                  <a:solidFill>
+                    <a:schemeClr val="tx1"/>
+                  </a:solidFill>
+                  <a:latin typeface="Arial" charset="0"/>
+                  <a:ea typeface="ＭＳ Ｐゴシック" charset="0"/>
+                </a:defRPr>
+              </a:lvl6pPr>
+              <a:lvl7pPr marL="2971800" indent="-228600" eaLnBrk="0" fontAlgn="base" hangingPunct="0">
+                <a:spcBef>
+                  <a:spcPct val="0"/>
+                </a:spcBef>
+                <a:spcAft>
+                  <a:spcPct val="0"/>
+                </a:spcAft>
+                <a:defRPr sz="2400">
+                  <a:solidFill>
+                    <a:schemeClr val="tx1"/>
+                  </a:solidFill>
+                  <a:latin typeface="Arial" charset="0"/>
+                  <a:ea typeface="ＭＳ Ｐゴシック" charset="0"/>
+                </a:defRPr>
+              </a:lvl7pPr>
+              <a:lvl8pPr marL="3429000" indent="-228600" eaLnBrk="0" fontAlgn="base" hangingPunct="0">
+                <a:spcBef>
+                  <a:spcPct val="0"/>
+                </a:spcBef>
+                <a:spcAft>
+                  <a:spcPct val="0"/>
+                </a:spcAft>
+                <a:defRPr sz="2400">
+                  <a:solidFill>
+                    <a:schemeClr val="tx1"/>
+                  </a:solidFill>
+                  <a:latin typeface="Arial" charset="0"/>
+                  <a:ea typeface="ＭＳ Ｐゴシック" charset="0"/>
+                </a:defRPr>
+              </a:lvl8pPr>
+              <a:lvl9pPr marL="3886200" indent="-228600" eaLnBrk="0" fontAlgn="base" hangingPunct="0">
+                <a:spcBef>
+                  <a:spcPct val="0"/>
+                </a:spcBef>
+                <a:spcAft>
+                  <a:spcPct val="0"/>
+                </a:spcAft>
+                <a:defRPr sz="2400">
+                  <a:solidFill>
+                    <a:schemeClr val="tx1"/>
+                  </a:solidFill>
+                  <a:latin typeface="Arial" charset="0"/>
+                  <a:ea typeface="ＭＳ Ｐゴシック" charset="0"/>
+                </a:defRPr>
+              </a:lvl9pPr>
+            </a:lstStyle>
+            <a:p>
+              <a:pPr eaLnBrk="1" hangingPunct="1"/>
+              <a:r>
+                <a:rPr lang="en-US" sz="1800">
+                  <a:latin typeface="Calibri" charset="0"/>
+                </a:rPr>
+                <a:t>Wednesday</a:t>
+              </a:r>
+            </a:p>
+          </p:txBody>
+        </p:sp>
+        <p:sp>
+          <p:nvSpPr>
+            <p:cNvPr id="22559" name="TextBox 15"/>
+            <p:cNvSpPr txBox="1">
+              <a:spLocks noChangeArrowheads="1"/>
+            </p:cNvSpPr>
+            <p:nvPr/>
+          </p:nvSpPr>
+          <p:spPr bwMode="auto">
+            <a:xfrm>
+              <a:off x="5361464" y="6372092"/>
+              <a:ext cx="1038566" cy="369332"/>
+            </a:xfrm>
+            <a:prstGeom prst="rect">
+              <a:avLst/>
+            </a:prstGeom>
+            <a:noFill/>
+            <a:ln>
+              <a:noFill/>
+            </a:ln>
+            <a:extLst>
+              <a:ext uri="{909E8E84-426E-40dd-AFC4-6F175D3DCCD1}">
+                <a14:hiddenFill xmlns:a14="http://schemas.microsoft.com/office/drawing/2010/main">
+                  <a:solidFill>
+                    <a:srgbClr val="FFFFFF"/>
+                  </a:solidFill>
+                </a14:hiddenFill>
+              </a:ext>
+              <a:ext uri="{91240B29-F687-4f45-9708-019B960494DF}">
+                <a14:hiddenLine xmlns:a14="http://schemas.microsoft.com/office/drawing/2010/main" w="9525">
+                  <a:solidFill>
+                    <a:srgbClr val="000000"/>
+                  </a:solidFill>
+                  <a:miter lim="800000"/>
+                  <a:headEnd/>
+                  <a:tailEnd/>
+                </a14:hiddenLine>
+              </a:ext>
+            </a:extLst>
+          </p:spPr>
+          <p:txBody>
+            <a:bodyPr wrap="none">
+              <a:spAutoFit/>
+            </a:bodyPr>
+            <a:lstStyle>
+              <a:lvl1pPr eaLnBrk="0" hangingPunct="0">
+                <a:defRPr sz="2400">
+                  <a:solidFill>
+                    <a:schemeClr val="tx1"/>
+                  </a:solidFill>
+                  <a:latin typeface="Arial" charset="0"/>
+                  <a:ea typeface="ＭＳ Ｐゴシック" charset="0"/>
+                  <a:cs typeface="ＭＳ Ｐゴシック" charset="0"/>
+                </a:defRPr>
+              </a:lvl1pPr>
+              <a:lvl2pPr marL="742950" indent="-285750" eaLnBrk="0" hangingPunct="0">
+                <a:defRPr sz="2400">
+                  <a:solidFill>
+                    <a:schemeClr val="tx1"/>
+                  </a:solidFill>
+                  <a:latin typeface="Arial" charset="0"/>
+                  <a:ea typeface="ＭＳ Ｐゴシック" charset="0"/>
+                </a:defRPr>
+              </a:lvl2pPr>
+              <a:lvl3pPr marL="1143000" indent="-228600" eaLnBrk="0" hangingPunct="0">
+                <a:defRPr sz="2400">
+                  <a:solidFill>
+                    <a:schemeClr val="tx1"/>
+                  </a:solidFill>
+                  <a:latin typeface="Arial" charset="0"/>
+                  <a:ea typeface="ＭＳ Ｐゴシック" charset="0"/>
+                </a:defRPr>
+              </a:lvl3pPr>
+              <a:lvl4pPr marL="1600200" indent="-228600" eaLnBrk="0" hangingPunct="0">
+                <a:defRPr sz="2400">
+                  <a:solidFill>
+                    <a:schemeClr val="tx1"/>
+                  </a:solidFill>
+                  <a:latin typeface="Arial" charset="0"/>
+                  <a:ea typeface="ＭＳ Ｐゴシック" charset="0"/>
+                </a:defRPr>
+              </a:lvl4pPr>
+              <a:lvl5pPr marL="2057400" indent="-228600" eaLnBrk="0" hangingPunct="0">
+                <a:defRPr sz="2400">
+                  <a:solidFill>
+                    <a:schemeClr val="tx1"/>
+                  </a:solidFill>
+                  <a:latin typeface="Arial" charset="0"/>
+                  <a:ea typeface="ＭＳ Ｐゴシック" charset="0"/>
+                </a:defRPr>
+              </a:lvl5pPr>
+              <a:lvl6pPr marL="2514600" indent="-228600" eaLnBrk="0" fontAlgn="base" hangingPunct="0">
+                <a:spcBef>
+                  <a:spcPct val="0"/>
+                </a:spcBef>
+                <a:spcAft>
+                  <a:spcPct val="0"/>
+                </a:spcAft>
+                <a:defRPr sz="2400">
+                  <a:solidFill>
+                    <a:schemeClr val="tx1"/>
+                  </a:solidFill>
+                  <a:latin typeface="Arial" charset="0"/>
+                  <a:ea typeface="ＭＳ Ｐゴシック" charset="0"/>
+                </a:defRPr>
+              </a:lvl6pPr>
+              <a:lvl7pPr marL="2971800" indent="-228600" eaLnBrk="0" fontAlgn="base" hangingPunct="0">
+                <a:spcBef>
+                  <a:spcPct val="0"/>
+                </a:spcBef>
+                <a:spcAft>
+                  <a:spcPct val="0"/>
+                </a:spcAft>
+                <a:defRPr sz="2400">
+                  <a:solidFill>
+                    <a:schemeClr val="tx1"/>
+                  </a:solidFill>
+                  <a:latin typeface="Arial" charset="0"/>
+                  <a:ea typeface="ＭＳ Ｐゴシック" charset="0"/>
+                </a:defRPr>
+              </a:lvl7pPr>
+              <a:lvl8pPr marL="3429000" indent="-228600" eaLnBrk="0" fontAlgn="base" hangingPunct="0">
+                <a:spcBef>
+                  <a:spcPct val="0"/>
+                </a:spcBef>
+                <a:spcAft>
+                  <a:spcPct val="0"/>
+                </a:spcAft>
+                <a:defRPr sz="2400">
+                  <a:solidFill>
+                    <a:schemeClr val="tx1"/>
+                  </a:solidFill>
+                  <a:latin typeface="Arial" charset="0"/>
+                  <a:ea typeface="ＭＳ Ｐゴシック" charset="0"/>
+                </a:defRPr>
+              </a:lvl8pPr>
+              <a:lvl9pPr marL="3886200" indent="-228600" eaLnBrk="0" fontAlgn="base" hangingPunct="0">
+                <a:spcBef>
+                  <a:spcPct val="0"/>
+                </a:spcBef>
+                <a:spcAft>
+                  <a:spcPct val="0"/>
+                </a:spcAft>
+                <a:defRPr sz="2400">
+                  <a:solidFill>
+                    <a:schemeClr val="tx1"/>
+                  </a:solidFill>
+                  <a:latin typeface="Arial" charset="0"/>
+                  <a:ea typeface="ＭＳ Ｐゴシック" charset="0"/>
+                </a:defRPr>
+              </a:lvl9pPr>
+            </a:lstStyle>
+            <a:p>
+              <a:pPr eaLnBrk="1" hangingPunct="1"/>
+              <a:r>
+                <a:rPr lang="en-US" sz="1800">
+                  <a:latin typeface="Calibri" charset="0"/>
+                </a:rPr>
+                <a:t>Thursday</a:t>
+              </a:r>
+            </a:p>
+          </p:txBody>
+        </p:sp>
+        <p:sp>
+          <p:nvSpPr>
+            <p:cNvPr id="22560" name="TextBox 16"/>
+            <p:cNvSpPr txBox="1">
+              <a:spLocks noChangeArrowheads="1"/>
+            </p:cNvSpPr>
+            <p:nvPr/>
+          </p:nvSpPr>
+          <p:spPr bwMode="auto">
+            <a:xfrm>
+              <a:off x="7206818" y="6372092"/>
+              <a:ext cx="756224" cy="369332"/>
+            </a:xfrm>
+            <a:prstGeom prst="rect">
+              <a:avLst/>
+            </a:prstGeom>
+            <a:noFill/>
+            <a:ln>
+              <a:noFill/>
+            </a:ln>
+            <a:extLst>
+              <a:ext uri="{909E8E84-426E-40dd-AFC4-6F175D3DCCD1}">
+                <a14:hiddenFill xmlns:a14="http://schemas.microsoft.com/office/drawing/2010/main">
+                  <a:solidFill>
+                    <a:srgbClr val="FFFFFF"/>
+                  </a:solidFill>
+                </a14:hiddenFill>
+              </a:ext>
+              <a:ext uri="{91240B29-F687-4f45-9708-019B960494DF}">
+                <a14:hiddenLine xmlns:a14="http://schemas.microsoft.com/office/drawing/2010/main" w="9525">
+                  <a:solidFill>
+                    <a:srgbClr val="000000"/>
+                  </a:solidFill>
+                  <a:miter lim="800000"/>
+                  <a:headEnd/>
+                  <a:tailEnd/>
+                </a14:hiddenLine>
+              </a:ext>
+            </a:extLst>
+          </p:spPr>
+          <p:txBody>
+            <a:bodyPr wrap="none">
+              <a:spAutoFit/>
+            </a:bodyPr>
+            <a:lstStyle>
+              <a:lvl1pPr eaLnBrk="0" hangingPunct="0">
+                <a:defRPr sz="2400">
+                  <a:solidFill>
+                    <a:schemeClr val="tx1"/>
+                  </a:solidFill>
+                  <a:latin typeface="Arial" charset="0"/>
+                  <a:ea typeface="ＭＳ Ｐゴシック" charset="0"/>
+                  <a:cs typeface="ＭＳ Ｐゴシック" charset="0"/>
+                </a:defRPr>
+              </a:lvl1pPr>
+              <a:lvl2pPr marL="742950" indent="-285750" eaLnBrk="0" hangingPunct="0">
+                <a:defRPr sz="2400">
+                  <a:solidFill>
+                    <a:schemeClr val="tx1"/>
+                  </a:solidFill>
+                  <a:latin typeface="Arial" charset="0"/>
+                  <a:ea typeface="ＭＳ Ｐゴシック" charset="0"/>
+                </a:defRPr>
+              </a:lvl2pPr>
+              <a:lvl3pPr marL="1143000" indent="-228600" eaLnBrk="0" hangingPunct="0">
+                <a:defRPr sz="2400">
+                  <a:solidFill>
+                    <a:schemeClr val="tx1"/>
+                  </a:solidFill>
+                  <a:latin typeface="Arial" charset="0"/>
+                  <a:ea typeface="ＭＳ Ｐゴシック" charset="0"/>
+                </a:defRPr>
+              </a:lvl3pPr>
+              <a:lvl4pPr marL="1600200" indent="-228600" eaLnBrk="0" hangingPunct="0">
+                <a:defRPr sz="2400">
+                  <a:solidFill>
+                    <a:schemeClr val="tx1"/>
+                  </a:solidFill>
+                  <a:latin typeface="Arial" charset="0"/>
+                  <a:ea typeface="ＭＳ Ｐゴシック" charset="0"/>
+                </a:defRPr>
+              </a:lvl4pPr>
+              <a:lvl5pPr marL="2057400" indent="-228600" eaLnBrk="0" hangingPunct="0">
+                <a:defRPr sz="2400">
+                  <a:solidFill>
+                    <a:schemeClr val="tx1"/>
+                  </a:solidFill>
+                  <a:latin typeface="Arial" charset="0"/>
+                  <a:ea typeface="ＭＳ Ｐゴシック" charset="0"/>
+                </a:defRPr>
+              </a:lvl5pPr>
+              <a:lvl6pPr marL="2514600" indent="-228600" eaLnBrk="0" fontAlgn="base" hangingPunct="0">
+                <a:spcBef>
+                  <a:spcPct val="0"/>
+                </a:spcBef>
+                <a:spcAft>
+                  <a:spcPct val="0"/>
+                </a:spcAft>
+                <a:defRPr sz="2400">
+                  <a:solidFill>
+                    <a:schemeClr val="tx1"/>
+                  </a:solidFill>
+                  <a:latin typeface="Arial" charset="0"/>
+                  <a:ea typeface="ＭＳ Ｐゴシック" charset="0"/>
+                </a:defRPr>
+              </a:lvl6pPr>
+              <a:lvl7pPr marL="2971800" indent="-228600" eaLnBrk="0" fontAlgn="base" hangingPunct="0">
+                <a:spcBef>
+                  <a:spcPct val="0"/>
+                </a:spcBef>
+                <a:spcAft>
+                  <a:spcPct val="0"/>
+                </a:spcAft>
+                <a:defRPr sz="2400">
+                  <a:solidFill>
+                    <a:schemeClr val="tx1"/>
+                  </a:solidFill>
+                  <a:latin typeface="Arial" charset="0"/>
+                  <a:ea typeface="ＭＳ Ｐゴシック" charset="0"/>
+                </a:defRPr>
+              </a:lvl7pPr>
+              <a:lvl8pPr marL="3429000" indent="-228600" eaLnBrk="0" fontAlgn="base" hangingPunct="0">
+                <a:spcBef>
+                  <a:spcPct val="0"/>
+                </a:spcBef>
+                <a:spcAft>
+                  <a:spcPct val="0"/>
+                </a:spcAft>
+                <a:defRPr sz="2400">
+                  <a:solidFill>
+                    <a:schemeClr val="tx1"/>
+                  </a:solidFill>
+                  <a:latin typeface="Arial" charset="0"/>
+                  <a:ea typeface="ＭＳ Ｐゴシック" charset="0"/>
+                </a:defRPr>
+              </a:lvl8pPr>
+              <a:lvl9pPr marL="3886200" indent="-228600" eaLnBrk="0" fontAlgn="base" hangingPunct="0">
+                <a:spcBef>
+                  <a:spcPct val="0"/>
+                </a:spcBef>
+                <a:spcAft>
+                  <a:spcPct val="0"/>
+                </a:spcAft>
+                <a:defRPr sz="2400">
+                  <a:solidFill>
+                    <a:schemeClr val="tx1"/>
+                  </a:solidFill>
+                  <a:latin typeface="Arial" charset="0"/>
+                  <a:ea typeface="ＭＳ Ｐゴシック" charset="0"/>
+                </a:defRPr>
+              </a:lvl9pPr>
+            </a:lstStyle>
+            <a:p>
+              <a:pPr eaLnBrk="1" hangingPunct="1"/>
+              <a:r>
+                <a:rPr lang="en-US" sz="1800">
+                  <a:latin typeface="Calibri" charset="0"/>
+                </a:rPr>
+                <a:t>Friday</a:t>
+              </a:r>
+            </a:p>
+          </p:txBody>
+        </p:sp>
+      </p:grpSp>
       <p:sp>
         <p:nvSpPr>
-          <p:cNvPr id="24579" name="TextBox 3"/>
-          <p:cNvSpPr txBox="1">
-            <a:spLocks noChangeArrowheads="1"/>
-          </p:cNvSpPr>
-          <p:nvPr/>
-        </p:nvSpPr>
-        <p:spPr bwMode="auto">
-          <a:xfrm>
-            <a:off x="1389063" y="3429000"/>
-            <a:ext cx="7156450" cy="461963"/>
-          </a:xfrm>
-          <a:prstGeom prst="rect">
-            <a:avLst/>
-          </a:prstGeom>
-          <a:noFill/>
-          <a:ln>
-            <a:noFill/>
-          </a:ln>
-          <a:extLst>
-            <a:ext uri="{909E8E84-426E-40dd-AFC4-6F175D3DCCD1}">
-              <a14:hiddenFill xmlns:a14="http://schemas.microsoft.com/office/drawing/2010/main">
-                <a:solidFill>
-                  <a:srgbClr val="FFFFFF"/>
-                </a:solidFill>
-              </a14:hiddenFill>
-            </a:ext>
-            <a:ext uri="{91240B29-F687-4f45-9708-019B960494DF}">
-              <a14:hiddenLine xmlns:a14="http://schemas.microsoft.com/office/drawing/2010/main" w="9525">
-                <a:solidFill>
-                  <a:srgbClr val="000000"/>
-                </a:solidFill>
-                <a:miter lim="800000"/>
-                <a:headEnd/>
-                <a:tailEnd/>
-              </a14:hiddenLine>
-            </a:ext>
-          </a:extLst>
-        </p:spPr>
-        <p:txBody>
-          <a:bodyPr wrap="none">
-            <a:spAutoFit/>
-          </a:bodyPr>
-          <a:lstStyle>
-            <a:lvl1pPr eaLnBrk="0" hangingPunct="0">
-              <a:defRPr sz="2400">
-                <a:solidFill>
-                  <a:schemeClr val="tx1"/>
-                </a:solidFill>
-                <a:latin typeface="Arial" charset="0"/>
-                <a:ea typeface="ＭＳ Ｐゴシック" charset="0"/>
-                <a:cs typeface="ＭＳ Ｐゴシック" charset="0"/>
-              </a:defRPr>
-            </a:lvl1pPr>
-            <a:lvl2pPr marL="742950" indent="-285750" eaLnBrk="0" hangingPunct="0">
-              <a:defRPr sz="2400">
-                <a:solidFill>
-                  <a:schemeClr val="tx1"/>
-                </a:solidFill>
-                <a:latin typeface="Arial" charset="0"/>
-                <a:ea typeface="ＭＳ Ｐゴシック" charset="0"/>
-              </a:defRPr>
-            </a:lvl2pPr>
-            <a:lvl3pPr marL="1143000" indent="-228600" eaLnBrk="0" hangingPunct="0">
-              <a:defRPr sz="2400">
-                <a:solidFill>
-                  <a:schemeClr val="tx1"/>
-                </a:solidFill>
-                <a:latin typeface="Arial" charset="0"/>
-                <a:ea typeface="ＭＳ Ｐゴシック" charset="0"/>
-              </a:defRPr>
-            </a:lvl3pPr>
-            <a:lvl4pPr marL="1600200" indent="-228600" eaLnBrk="0" hangingPunct="0">
-              <a:defRPr sz="2400">
-                <a:solidFill>
-                  <a:schemeClr val="tx1"/>
-                </a:solidFill>
-                <a:latin typeface="Arial" charset="0"/>
-                <a:ea typeface="ＭＳ Ｐゴシック" charset="0"/>
-              </a:defRPr>
-            </a:lvl4pPr>
-            <a:lvl5pPr marL="2057400" indent="-228600" eaLnBrk="0" hangingPunct="0">
-              <a:defRPr sz="2400">
-                <a:solidFill>
-                  <a:schemeClr val="tx1"/>
-                </a:solidFill>
-                <a:latin typeface="Arial" charset="0"/>
-                <a:ea typeface="ＭＳ Ｐゴシック" charset="0"/>
-              </a:defRPr>
-            </a:lvl5pPr>
-            <a:lvl6pPr marL="2514600" indent="-228600" eaLnBrk="0" fontAlgn="base" hangingPunct="0">
-              <a:spcBef>
-                <a:spcPct val="0"/>
-              </a:spcBef>
-              <a:spcAft>
-                <a:spcPct val="0"/>
-              </a:spcAft>
-              <a:defRPr sz="2400">
-                <a:solidFill>
-                  <a:schemeClr val="tx1"/>
-                </a:solidFill>
-                <a:latin typeface="Arial" charset="0"/>
-                <a:ea typeface="ＭＳ Ｐゴシック" charset="0"/>
-              </a:defRPr>
-            </a:lvl6pPr>
-            <a:lvl7pPr marL="2971800" indent="-228600" eaLnBrk="0" fontAlgn="base" hangingPunct="0">
-              <a:spcBef>
-                <a:spcPct val="0"/>
-              </a:spcBef>
-              <a:spcAft>
-                <a:spcPct val="0"/>
-              </a:spcAft>
-              <a:defRPr sz="2400">
-                <a:solidFill>
-                  <a:schemeClr val="tx1"/>
-                </a:solidFill>
-                <a:latin typeface="Arial" charset="0"/>
-                <a:ea typeface="ＭＳ Ｐゴシック" charset="0"/>
-              </a:defRPr>
-            </a:lvl7pPr>
-            <a:lvl8pPr marL="3429000" indent="-228600" eaLnBrk="0" fontAlgn="base" hangingPunct="0">
-              <a:spcBef>
-                <a:spcPct val="0"/>
-              </a:spcBef>
-              <a:spcAft>
-                <a:spcPct val="0"/>
-              </a:spcAft>
-              <a:defRPr sz="2400">
-                <a:solidFill>
-                  <a:schemeClr val="tx1"/>
-                </a:solidFill>
-                <a:latin typeface="Arial" charset="0"/>
-                <a:ea typeface="ＭＳ Ｐゴシック" charset="0"/>
-              </a:defRPr>
-            </a:lvl8pPr>
-            <a:lvl9pPr marL="3886200" indent="-228600" eaLnBrk="0" fontAlgn="base" hangingPunct="0">
-              <a:spcBef>
-                <a:spcPct val="0"/>
-              </a:spcBef>
-              <a:spcAft>
-                <a:spcPct val="0"/>
-              </a:spcAft>
-              <a:defRPr sz="2400">
-                <a:solidFill>
-                  <a:schemeClr val="tx1"/>
-                </a:solidFill>
-                <a:latin typeface="Arial" charset="0"/>
-                <a:ea typeface="ＭＳ Ｐゴシック" charset="0"/>
-              </a:defRPr>
-            </a:lvl9pPr>
-          </a:lstStyle>
-          <a:p>
-            <a:pPr eaLnBrk="1" hangingPunct="1"/>
-            <a:r>
-              <a:rPr lang="en-US">
-                <a:latin typeface="Calibri" charset="0"/>
-              </a:rPr>
-              <a:t>Output: A schedule </a:t>
-            </a:r>
-            <a:r>
-              <a:rPr lang="en-US">
-                <a:solidFill>
-                  <a:srgbClr val="B700B7"/>
-                </a:solidFill>
-                <a:latin typeface="Calibri" charset="0"/>
-              </a:rPr>
-              <a:t>S</a:t>
-            </a:r>
-            <a:r>
-              <a:rPr lang="en-US">
-                <a:latin typeface="Calibri" charset="0"/>
-              </a:rPr>
-              <a:t> s.t. no two jobs in </a:t>
-            </a:r>
-            <a:r>
-              <a:rPr lang="en-US">
-                <a:solidFill>
-                  <a:srgbClr val="B700B7"/>
-                </a:solidFill>
-                <a:latin typeface="Calibri" charset="0"/>
-              </a:rPr>
-              <a:t>S</a:t>
-            </a:r>
-            <a:r>
-              <a:rPr lang="en-US">
-                <a:latin typeface="Calibri" charset="0"/>
-              </a:rPr>
-              <a:t> have a conflict</a:t>
-            </a:r>
-          </a:p>
-        </p:txBody>
-      </p:sp>
-      <p:sp>
-        <p:nvSpPr>
-          <p:cNvPr id="24580" name="TextBox 4"/>
-          <p:cNvSpPr txBox="1">
-            <a:spLocks noChangeArrowheads="1"/>
-          </p:cNvSpPr>
-          <p:nvPr/>
-        </p:nvSpPr>
-        <p:spPr bwMode="auto">
-          <a:xfrm>
-            <a:off x="2192338" y="4200525"/>
-            <a:ext cx="2270125" cy="461963"/>
-          </a:xfrm>
-          <a:prstGeom prst="rect">
-            <a:avLst/>
-          </a:prstGeom>
-          <a:noFill/>
-          <a:ln>
-            <a:noFill/>
-          </a:ln>
-          <a:extLst>
-            <a:ext uri="{909E8E84-426E-40dd-AFC4-6F175D3DCCD1}">
-              <a14:hiddenFill xmlns:a14="http://schemas.microsoft.com/office/drawing/2010/main">
-                <a:solidFill>
-                  <a:srgbClr val="FFFFFF"/>
-                </a:solidFill>
-              </a14:hiddenFill>
-            </a:ext>
-            <a:ext uri="{91240B29-F687-4f45-9708-019B960494DF}">
-              <a14:hiddenLine xmlns:a14="http://schemas.microsoft.com/office/drawing/2010/main" w="9525">
-                <a:solidFill>
-                  <a:srgbClr val="000000"/>
-                </a:solidFill>
-                <a:miter lim="800000"/>
-                <a:headEnd/>
-                <a:tailEnd/>
-              </a14:hiddenLine>
-            </a:ext>
-          </a:extLst>
-        </p:spPr>
-        <p:txBody>
-          <a:bodyPr wrap="none">
-            <a:spAutoFit/>
-          </a:bodyPr>
-          <a:lstStyle>
-            <a:lvl1pPr eaLnBrk="0" hangingPunct="0">
-              <a:defRPr sz="2400">
-                <a:solidFill>
-                  <a:schemeClr val="tx1"/>
-                </a:solidFill>
-                <a:latin typeface="Arial" charset="0"/>
-                <a:ea typeface="ＭＳ Ｐゴシック" charset="0"/>
-                <a:cs typeface="ＭＳ Ｐゴシック" charset="0"/>
-              </a:defRPr>
-            </a:lvl1pPr>
-            <a:lvl2pPr marL="742950" indent="-285750" eaLnBrk="0" hangingPunct="0">
-              <a:defRPr sz="2400">
-                <a:solidFill>
-                  <a:schemeClr val="tx1"/>
-                </a:solidFill>
-                <a:latin typeface="Arial" charset="0"/>
-                <a:ea typeface="ＭＳ Ｐゴシック" charset="0"/>
-              </a:defRPr>
-            </a:lvl2pPr>
-            <a:lvl3pPr marL="1143000" indent="-228600" eaLnBrk="0" hangingPunct="0">
-              <a:defRPr sz="2400">
-                <a:solidFill>
-                  <a:schemeClr val="tx1"/>
-                </a:solidFill>
-                <a:latin typeface="Arial" charset="0"/>
-                <a:ea typeface="ＭＳ Ｐゴシック" charset="0"/>
-              </a:defRPr>
-            </a:lvl3pPr>
-            <a:lvl4pPr marL="1600200" indent="-228600" eaLnBrk="0" hangingPunct="0">
-              <a:defRPr sz="2400">
-                <a:solidFill>
-                  <a:schemeClr val="tx1"/>
-                </a:solidFill>
-                <a:latin typeface="Arial" charset="0"/>
-                <a:ea typeface="ＭＳ Ｐゴシック" charset="0"/>
-              </a:defRPr>
-            </a:lvl4pPr>
-            <a:lvl5pPr marL="2057400" indent="-228600" eaLnBrk="0" hangingPunct="0">
-              <a:defRPr sz="2400">
-                <a:solidFill>
-                  <a:schemeClr val="tx1"/>
-                </a:solidFill>
-                <a:latin typeface="Arial" charset="0"/>
-                <a:ea typeface="ＭＳ Ｐゴシック" charset="0"/>
-              </a:defRPr>
-            </a:lvl5pPr>
-            <a:lvl6pPr marL="2514600" indent="-228600" eaLnBrk="0" fontAlgn="base" hangingPunct="0">
-              <a:spcBef>
-                <a:spcPct val="0"/>
-              </a:spcBef>
-              <a:spcAft>
-                <a:spcPct val="0"/>
-              </a:spcAft>
-              <a:defRPr sz="2400">
-                <a:solidFill>
-                  <a:schemeClr val="tx1"/>
-                </a:solidFill>
-                <a:latin typeface="Arial" charset="0"/>
-                <a:ea typeface="ＭＳ Ｐゴシック" charset="0"/>
-              </a:defRPr>
-            </a:lvl6pPr>
-            <a:lvl7pPr marL="2971800" indent="-228600" eaLnBrk="0" fontAlgn="base" hangingPunct="0">
-              <a:spcBef>
-                <a:spcPct val="0"/>
-              </a:spcBef>
-              <a:spcAft>
-                <a:spcPct val="0"/>
-              </a:spcAft>
-              <a:defRPr sz="2400">
-                <a:solidFill>
-                  <a:schemeClr val="tx1"/>
-                </a:solidFill>
-                <a:latin typeface="Arial" charset="0"/>
-                <a:ea typeface="ＭＳ Ｐゴシック" charset="0"/>
-              </a:defRPr>
-            </a:lvl7pPr>
-            <a:lvl8pPr marL="3429000" indent="-228600" eaLnBrk="0" fontAlgn="base" hangingPunct="0">
-              <a:spcBef>
-                <a:spcPct val="0"/>
-              </a:spcBef>
-              <a:spcAft>
-                <a:spcPct val="0"/>
-              </a:spcAft>
-              <a:defRPr sz="2400">
-                <a:solidFill>
-                  <a:schemeClr val="tx1"/>
-                </a:solidFill>
-                <a:latin typeface="Arial" charset="0"/>
-                <a:ea typeface="ＭＳ Ｐゴシック" charset="0"/>
-              </a:defRPr>
-            </a:lvl8pPr>
-            <a:lvl9pPr marL="3886200" indent="-228600" eaLnBrk="0" fontAlgn="base" hangingPunct="0">
-              <a:spcBef>
-                <a:spcPct val="0"/>
-              </a:spcBef>
-              <a:spcAft>
-                <a:spcPct val="0"/>
-              </a:spcAft>
-              <a:defRPr sz="2400">
-                <a:solidFill>
-                  <a:schemeClr val="tx1"/>
-                </a:solidFill>
-                <a:latin typeface="Arial" charset="0"/>
-                <a:ea typeface="ＭＳ Ｐゴシック" charset="0"/>
-              </a:defRPr>
-            </a:lvl9pPr>
-          </a:lstStyle>
-          <a:p>
-            <a:pPr eaLnBrk="1" hangingPunct="1"/>
-            <a:r>
-              <a:rPr lang="en-US">
-                <a:latin typeface="Calibri" charset="0"/>
-              </a:rPr>
-              <a:t>Goal: max </a:t>
-            </a:r>
-            <a:r>
-              <a:rPr lang="en-US">
-                <a:solidFill>
-                  <a:srgbClr val="B700B7"/>
-                </a:solidFill>
-                <a:latin typeface="Calibri" charset="0"/>
-              </a:rPr>
-              <a:t>Σ</a:t>
-            </a:r>
-            <a:r>
-              <a:rPr lang="en-US" baseline="-25000">
-                <a:solidFill>
-                  <a:srgbClr val="B700B7"/>
-                </a:solidFill>
-                <a:latin typeface="Calibri" charset="0"/>
-              </a:rPr>
-              <a:t>i in S </a:t>
-            </a:r>
-            <a:r>
-              <a:rPr lang="en-US">
-                <a:solidFill>
-                  <a:srgbClr val="B700B7"/>
-                </a:solidFill>
-                <a:latin typeface="Calibri" charset="0"/>
-              </a:rPr>
-              <a:t>v</a:t>
-            </a:r>
-            <a:r>
-              <a:rPr lang="en-US" baseline="-25000">
-                <a:solidFill>
-                  <a:srgbClr val="B700B7"/>
-                </a:solidFill>
-                <a:latin typeface="Calibri" charset="0"/>
-              </a:rPr>
-              <a:t>j</a:t>
-            </a:r>
-          </a:p>
-        </p:txBody>
-      </p:sp>
-      <p:sp>
-        <p:nvSpPr>
-          <p:cNvPr id="24581" name="TextBox 5"/>
-          <p:cNvSpPr txBox="1">
-            <a:spLocks noChangeArrowheads="1"/>
-          </p:cNvSpPr>
-          <p:nvPr/>
-        </p:nvSpPr>
-        <p:spPr bwMode="auto">
-          <a:xfrm>
-            <a:off x="1389063" y="5265738"/>
-            <a:ext cx="4248150" cy="368300"/>
-          </a:xfrm>
-          <a:prstGeom prst="rect">
-            <a:avLst/>
-          </a:prstGeom>
-          <a:noFill/>
-          <a:ln>
-            <a:noFill/>
-          </a:ln>
-          <a:extLst>
-            <a:ext uri="{909E8E84-426E-40dd-AFC4-6F175D3DCCD1}">
-              <a14:hiddenFill xmlns:a14="http://schemas.microsoft.com/office/drawing/2010/main">
-                <a:solidFill>
-                  <a:srgbClr val="FFFFFF"/>
-                </a:solidFill>
-              </a14:hiddenFill>
-            </a:ext>
-            <a:ext uri="{91240B29-F687-4f45-9708-019B960494DF}">
-              <a14:hiddenLine xmlns:a14="http://schemas.microsoft.com/office/drawing/2010/main" w="9525">
-                <a:solidFill>
-                  <a:srgbClr val="000000"/>
-                </a:solidFill>
-                <a:miter lim="800000"/>
-                <a:headEnd/>
-                <a:tailEnd/>
-              </a14:hiddenLine>
-            </a:ext>
-          </a:extLst>
-        </p:spPr>
-        <p:txBody>
-          <a:bodyPr wrap="none">
-            <a:spAutoFit/>
-          </a:bodyPr>
-          <a:lstStyle>
-            <a:lvl1pPr eaLnBrk="0" hangingPunct="0">
-              <a:defRPr sz="2400">
-                <a:solidFill>
-                  <a:schemeClr val="tx1"/>
-                </a:solidFill>
-                <a:latin typeface="Arial" charset="0"/>
-                <a:ea typeface="ＭＳ Ｐゴシック" charset="0"/>
-                <a:cs typeface="ＭＳ Ｐゴシック" charset="0"/>
-              </a:defRPr>
-            </a:lvl1pPr>
-            <a:lvl2pPr marL="742950" indent="-285750" eaLnBrk="0" hangingPunct="0">
-              <a:defRPr sz="2400">
-                <a:solidFill>
-                  <a:schemeClr val="tx1"/>
-                </a:solidFill>
-                <a:latin typeface="Arial" charset="0"/>
-                <a:ea typeface="ＭＳ Ｐゴシック" charset="0"/>
-              </a:defRPr>
-            </a:lvl2pPr>
-            <a:lvl3pPr marL="1143000" indent="-228600" eaLnBrk="0" hangingPunct="0">
-              <a:defRPr sz="2400">
-                <a:solidFill>
-                  <a:schemeClr val="tx1"/>
-                </a:solidFill>
-                <a:latin typeface="Arial" charset="0"/>
-                <a:ea typeface="ＭＳ Ｐゴシック" charset="0"/>
-              </a:defRPr>
-            </a:lvl3pPr>
-            <a:lvl4pPr marL="1600200" indent="-228600" eaLnBrk="0" hangingPunct="0">
-              <a:defRPr sz="2400">
-                <a:solidFill>
-                  <a:schemeClr val="tx1"/>
-                </a:solidFill>
-                <a:latin typeface="Arial" charset="0"/>
-                <a:ea typeface="ＭＳ Ｐゴシック" charset="0"/>
-              </a:defRPr>
-            </a:lvl4pPr>
-            <a:lvl5pPr marL="2057400" indent="-228600" eaLnBrk="0" hangingPunct="0">
-              <a:defRPr sz="2400">
-                <a:solidFill>
-                  <a:schemeClr val="tx1"/>
-                </a:solidFill>
-                <a:latin typeface="Arial" charset="0"/>
-                <a:ea typeface="ＭＳ Ｐゴシック" charset="0"/>
-              </a:defRPr>
-            </a:lvl5pPr>
-            <a:lvl6pPr marL="2514600" indent="-228600" eaLnBrk="0" fontAlgn="base" hangingPunct="0">
-              <a:spcBef>
-                <a:spcPct val="0"/>
-              </a:spcBef>
-              <a:spcAft>
-                <a:spcPct val="0"/>
-              </a:spcAft>
-              <a:defRPr sz="2400">
-                <a:solidFill>
-                  <a:schemeClr val="tx1"/>
-                </a:solidFill>
-                <a:latin typeface="Arial" charset="0"/>
-                <a:ea typeface="ＭＳ Ｐゴシック" charset="0"/>
-              </a:defRPr>
-            </a:lvl6pPr>
-            <a:lvl7pPr marL="2971800" indent="-228600" eaLnBrk="0" fontAlgn="base" hangingPunct="0">
-              <a:spcBef>
-                <a:spcPct val="0"/>
-              </a:spcBef>
-              <a:spcAft>
-                <a:spcPct val="0"/>
-              </a:spcAft>
-              <a:defRPr sz="2400">
-                <a:solidFill>
-                  <a:schemeClr val="tx1"/>
-                </a:solidFill>
-                <a:latin typeface="Arial" charset="0"/>
-                <a:ea typeface="ＭＳ Ｐゴシック" charset="0"/>
-              </a:defRPr>
-            </a:lvl7pPr>
-            <a:lvl8pPr marL="3429000" indent="-228600" eaLnBrk="0" fontAlgn="base" hangingPunct="0">
-              <a:spcBef>
-                <a:spcPct val="0"/>
-              </a:spcBef>
-              <a:spcAft>
-                <a:spcPct val="0"/>
-              </a:spcAft>
-              <a:defRPr sz="2400">
-                <a:solidFill>
-                  <a:schemeClr val="tx1"/>
-                </a:solidFill>
-                <a:latin typeface="Arial" charset="0"/>
-                <a:ea typeface="ＭＳ Ｐゴシック" charset="0"/>
-              </a:defRPr>
-            </a:lvl8pPr>
-            <a:lvl9pPr marL="3886200" indent="-228600" eaLnBrk="0" fontAlgn="base" hangingPunct="0">
-              <a:spcBef>
-                <a:spcPct val="0"/>
-              </a:spcBef>
-              <a:spcAft>
-                <a:spcPct val="0"/>
-              </a:spcAft>
-              <a:defRPr sz="2400">
-                <a:solidFill>
-                  <a:schemeClr val="tx1"/>
-                </a:solidFill>
-                <a:latin typeface="Arial" charset="0"/>
-                <a:ea typeface="ＭＳ Ｐゴシック" charset="0"/>
-              </a:defRPr>
-            </a:lvl9pPr>
-          </a:lstStyle>
-          <a:p>
-            <a:pPr eaLnBrk="1" hangingPunct="1"/>
-            <a:r>
-              <a:rPr lang="en-US" sz="1800">
-                <a:latin typeface="Calibri" charset="0"/>
-              </a:rPr>
-              <a:t>Assume: jobs are sorted by their finish time</a:t>
-            </a:r>
-          </a:p>
-        </p:txBody>
-      </p:sp>
-    </p:spTree>
-    <p:extLst>
-      <p:ext uri="{BB962C8B-B14F-4D97-AF65-F5344CB8AC3E}">
-        <p14:creationId xmlns:p14="http://schemas.microsoft.com/office/powerpoint/2010/main" val="1536970294"/>
-      </p:ext>
-    </p:extLst>
-  </p:cSld>
-  <p:clrMapOvr>
-    <a:masterClrMapping/>
-  </p:clrMapOvr>
-  <p:timing>
-    <p:tnLst>
-      <p:par>
-        <p:cTn xmlns:p14="http://schemas.microsoft.com/office/powerpoint/2010/main" id="1" dur="indefinite" restart="never" nodeType="tmRoot"/>
-      </p:par>
-    </p:tnLst>
-  </p:timing>
-</p:sld>
-</file>
-
-<file path=ppt/slides/slide11.xml><?xml version="1.0" encoding="utf-8"?>
-<p:sld xmlns:a="http://schemas.openxmlformats.org/drawingml/2006/main" xmlns:r="http://schemas.openxmlformats.org/officeDocument/2006/relationships" xmlns:p="http://schemas.openxmlformats.org/presentationml/2006/main">
-  <p:cSld>
-    <p:spTree>
-      <p:nvGrpSpPr>
-        <p:cNvPr id="1" name=""/>
-        <p:cNvGrpSpPr/>
-        <p:nvPr/>
-      </p:nvGrpSpPr>
-      <p:grpSpPr>
-        <a:xfrm>
-          <a:off x="0" y="0"/>
-          <a:ext cx="0" cy="0"/>
-          <a:chOff x="0" y="0"/>
-          <a:chExt cx="0" cy="0"/>
-        </a:xfrm>
-      </p:grpSpPr>
-      <p:sp>
-        <p:nvSpPr>
-          <p:cNvPr id="25601" name="Title 1"/>
-          <p:cNvSpPr>
-            <a:spLocks noGrp="1"/>
-          </p:cNvSpPr>
-          <p:nvPr>
-            <p:ph type="title"/>
-          </p:nvPr>
-        </p:nvSpPr>
-        <p:spPr/>
-        <p:txBody>
-          <a:bodyPr/>
-          <a:lstStyle/>
-          <a:p>
-            <a:pPr eaLnBrk="1" hangingPunct="1"/>
-            <a:r>
-              <a:rPr lang="en-US">
-                <a:latin typeface="Calibri" charset="0"/>
-                <a:ea typeface="ＭＳ Ｐゴシック" charset="0"/>
-                <a:cs typeface="ＭＳ Ｐゴシック" charset="0"/>
-              </a:rPr>
-              <a:t>Couple more definitions</a:t>
-            </a:r>
-          </a:p>
-        </p:txBody>
-      </p:sp>
-      <p:sp>
-        <p:nvSpPr>
-          <p:cNvPr id="25602" name="TextBox 2"/>
-          <p:cNvSpPr txBox="1">
-            <a:spLocks noChangeArrowheads="1"/>
-          </p:cNvSpPr>
-          <p:nvPr/>
-        </p:nvSpPr>
-        <p:spPr bwMode="auto">
-          <a:xfrm>
-            <a:off x="1182688" y="2019300"/>
-            <a:ext cx="5160962" cy="430213"/>
-          </a:xfrm>
-          <a:prstGeom prst="rect">
-            <a:avLst/>
-          </a:prstGeom>
-          <a:noFill/>
-          <a:ln>
-            <a:noFill/>
-          </a:ln>
-          <a:extLst>
-            <a:ext uri="{909E8E84-426E-40dd-AFC4-6F175D3DCCD1}">
-              <a14:hiddenFill xmlns:a14="http://schemas.microsoft.com/office/drawing/2010/main">
-                <a:solidFill>
-                  <a:srgbClr val="FFFFFF"/>
-                </a:solidFill>
-              </a14:hiddenFill>
-            </a:ext>
-            <a:ext uri="{91240B29-F687-4f45-9708-019B960494DF}">
-              <a14:hiddenLine xmlns:a14="http://schemas.microsoft.com/office/drawing/2010/main" w="9525">
-                <a:solidFill>
-                  <a:srgbClr val="000000"/>
-                </a:solidFill>
-                <a:miter lim="800000"/>
-                <a:headEnd/>
-                <a:tailEnd/>
-              </a14:hiddenLine>
-            </a:ext>
-          </a:extLst>
-        </p:spPr>
-        <p:txBody>
-          <a:bodyPr wrap="none">
-            <a:spAutoFit/>
-          </a:bodyPr>
-          <a:lstStyle>
-            <a:lvl1pPr eaLnBrk="0" hangingPunct="0">
-              <a:defRPr sz="2400">
-                <a:solidFill>
-                  <a:schemeClr val="tx1"/>
-                </a:solidFill>
-                <a:latin typeface="Arial" charset="0"/>
-                <a:ea typeface="ＭＳ Ｐゴシック" charset="0"/>
-                <a:cs typeface="ＭＳ Ｐゴシック" charset="0"/>
-              </a:defRPr>
-            </a:lvl1pPr>
-            <a:lvl2pPr marL="742950" indent="-285750" eaLnBrk="0" hangingPunct="0">
-              <a:defRPr sz="2400">
-                <a:solidFill>
-                  <a:schemeClr val="tx1"/>
-                </a:solidFill>
-                <a:latin typeface="Arial" charset="0"/>
-                <a:ea typeface="ＭＳ Ｐゴシック" charset="0"/>
-              </a:defRPr>
-            </a:lvl2pPr>
-            <a:lvl3pPr marL="1143000" indent="-228600" eaLnBrk="0" hangingPunct="0">
-              <a:defRPr sz="2400">
-                <a:solidFill>
-                  <a:schemeClr val="tx1"/>
-                </a:solidFill>
-                <a:latin typeface="Arial" charset="0"/>
-                <a:ea typeface="ＭＳ Ｐゴシック" charset="0"/>
-              </a:defRPr>
-            </a:lvl3pPr>
-            <a:lvl4pPr marL="1600200" indent="-228600" eaLnBrk="0" hangingPunct="0">
-              <a:defRPr sz="2400">
-                <a:solidFill>
-                  <a:schemeClr val="tx1"/>
-                </a:solidFill>
-                <a:latin typeface="Arial" charset="0"/>
-                <a:ea typeface="ＭＳ Ｐゴシック" charset="0"/>
-              </a:defRPr>
-            </a:lvl4pPr>
-            <a:lvl5pPr marL="2057400" indent="-228600" eaLnBrk="0" hangingPunct="0">
-              <a:defRPr sz="2400">
-                <a:solidFill>
-                  <a:schemeClr val="tx1"/>
-                </a:solidFill>
-                <a:latin typeface="Arial" charset="0"/>
-                <a:ea typeface="ＭＳ Ｐゴシック" charset="0"/>
-              </a:defRPr>
-            </a:lvl5pPr>
-            <a:lvl6pPr marL="2514600" indent="-228600" eaLnBrk="0" fontAlgn="base" hangingPunct="0">
-              <a:spcBef>
-                <a:spcPct val="0"/>
-              </a:spcBef>
-              <a:spcAft>
-                <a:spcPct val="0"/>
-              </a:spcAft>
-              <a:defRPr sz="2400">
-                <a:solidFill>
-                  <a:schemeClr val="tx1"/>
-                </a:solidFill>
-                <a:latin typeface="Arial" charset="0"/>
-                <a:ea typeface="ＭＳ Ｐゴシック" charset="0"/>
-              </a:defRPr>
-            </a:lvl6pPr>
-            <a:lvl7pPr marL="2971800" indent="-228600" eaLnBrk="0" fontAlgn="base" hangingPunct="0">
-              <a:spcBef>
-                <a:spcPct val="0"/>
-              </a:spcBef>
-              <a:spcAft>
-                <a:spcPct val="0"/>
-              </a:spcAft>
-              <a:defRPr sz="2400">
-                <a:solidFill>
-                  <a:schemeClr val="tx1"/>
-                </a:solidFill>
-                <a:latin typeface="Arial" charset="0"/>
-                <a:ea typeface="ＭＳ Ｐゴシック" charset="0"/>
-              </a:defRPr>
-            </a:lvl7pPr>
-            <a:lvl8pPr marL="3429000" indent="-228600" eaLnBrk="0" fontAlgn="base" hangingPunct="0">
-              <a:spcBef>
-                <a:spcPct val="0"/>
-              </a:spcBef>
-              <a:spcAft>
-                <a:spcPct val="0"/>
-              </a:spcAft>
-              <a:defRPr sz="2400">
-                <a:solidFill>
-                  <a:schemeClr val="tx1"/>
-                </a:solidFill>
-                <a:latin typeface="Arial" charset="0"/>
-                <a:ea typeface="ＭＳ Ｐゴシック" charset="0"/>
-              </a:defRPr>
-            </a:lvl8pPr>
-            <a:lvl9pPr marL="3886200" indent="-228600" eaLnBrk="0" fontAlgn="base" hangingPunct="0">
-              <a:spcBef>
-                <a:spcPct val="0"/>
-              </a:spcBef>
-              <a:spcAft>
-                <a:spcPct val="0"/>
-              </a:spcAft>
-              <a:defRPr sz="2400">
-                <a:solidFill>
-                  <a:schemeClr val="tx1"/>
-                </a:solidFill>
-                <a:latin typeface="Arial" charset="0"/>
-                <a:ea typeface="ＭＳ Ｐゴシック" charset="0"/>
-              </a:defRPr>
-            </a:lvl9pPr>
-          </a:lstStyle>
-          <a:p>
-            <a:pPr eaLnBrk="1" hangingPunct="1"/>
-            <a:r>
-              <a:rPr lang="en-US" sz="2200">
-                <a:solidFill>
-                  <a:srgbClr val="B700B7"/>
-                </a:solidFill>
-                <a:latin typeface="Calibri" charset="0"/>
-              </a:rPr>
-              <a:t>p(j) </a:t>
-            </a:r>
-            <a:r>
-              <a:rPr lang="en-US" sz="2200">
-                <a:latin typeface="Calibri" charset="0"/>
-              </a:rPr>
-              <a:t>= largest </a:t>
-            </a:r>
-            <a:r>
-              <a:rPr lang="en-US" sz="2200">
-                <a:solidFill>
-                  <a:srgbClr val="B700B7"/>
-                </a:solidFill>
-                <a:latin typeface="Calibri" charset="0"/>
-              </a:rPr>
-              <a:t>i&lt;j</a:t>
-            </a:r>
-            <a:r>
-              <a:rPr lang="en-US" sz="2200">
-                <a:latin typeface="Calibri" charset="0"/>
-              </a:rPr>
-              <a:t> s.t. </a:t>
-            </a:r>
-            <a:r>
-              <a:rPr lang="en-US" sz="2200">
-                <a:solidFill>
-                  <a:srgbClr val="B700B7"/>
-                </a:solidFill>
-                <a:latin typeface="Calibri" charset="0"/>
-              </a:rPr>
-              <a:t>i</a:t>
-            </a:r>
-            <a:r>
-              <a:rPr lang="en-US" sz="2200">
-                <a:latin typeface="Calibri" charset="0"/>
-              </a:rPr>
-              <a:t> does not conflict with </a:t>
-            </a:r>
-            <a:r>
-              <a:rPr lang="en-US" sz="2200">
-                <a:solidFill>
-                  <a:srgbClr val="B700B7"/>
-                </a:solidFill>
-                <a:latin typeface="Calibri" charset="0"/>
-              </a:rPr>
-              <a:t>j</a:t>
-            </a:r>
-          </a:p>
-        </p:txBody>
-      </p:sp>
-      <p:sp>
-        <p:nvSpPr>
-          <p:cNvPr id="25603" name="TextBox 3"/>
-          <p:cNvSpPr txBox="1">
-            <a:spLocks noChangeArrowheads="1"/>
-          </p:cNvSpPr>
-          <p:nvPr/>
-        </p:nvSpPr>
-        <p:spPr bwMode="auto">
-          <a:xfrm>
-            <a:off x="1660525" y="2711450"/>
-            <a:ext cx="2524125" cy="431800"/>
-          </a:xfrm>
-          <a:prstGeom prst="rect">
-            <a:avLst/>
-          </a:prstGeom>
-          <a:noFill/>
-          <a:ln>
-            <a:noFill/>
-          </a:ln>
-          <a:extLst>
-            <a:ext uri="{909E8E84-426E-40dd-AFC4-6F175D3DCCD1}">
-              <a14:hiddenFill xmlns:a14="http://schemas.microsoft.com/office/drawing/2010/main">
-                <a:solidFill>
-                  <a:srgbClr val="FFFFFF"/>
-                </a:solidFill>
-              </a14:hiddenFill>
-            </a:ext>
-            <a:ext uri="{91240B29-F687-4f45-9708-019B960494DF}">
-              <a14:hiddenLine xmlns:a14="http://schemas.microsoft.com/office/drawing/2010/main" w="9525">
-                <a:solidFill>
-                  <a:srgbClr val="000000"/>
-                </a:solidFill>
-                <a:miter lim="800000"/>
-                <a:headEnd/>
-                <a:tailEnd/>
-              </a14:hiddenLine>
-            </a:ext>
-          </a:extLst>
-        </p:spPr>
-        <p:txBody>
-          <a:bodyPr wrap="none">
-            <a:spAutoFit/>
-          </a:bodyPr>
-          <a:lstStyle>
-            <a:lvl1pPr eaLnBrk="0" hangingPunct="0">
-              <a:defRPr sz="2400">
-                <a:solidFill>
-                  <a:schemeClr val="tx1"/>
-                </a:solidFill>
-                <a:latin typeface="Arial" charset="0"/>
-                <a:ea typeface="ＭＳ Ｐゴシック" charset="0"/>
-                <a:cs typeface="ＭＳ Ｐゴシック" charset="0"/>
-              </a:defRPr>
-            </a:lvl1pPr>
-            <a:lvl2pPr marL="742950" indent="-285750" eaLnBrk="0" hangingPunct="0">
-              <a:defRPr sz="2400">
-                <a:solidFill>
-                  <a:schemeClr val="tx1"/>
-                </a:solidFill>
-                <a:latin typeface="Arial" charset="0"/>
-                <a:ea typeface="ＭＳ Ｐゴシック" charset="0"/>
-              </a:defRPr>
-            </a:lvl2pPr>
-            <a:lvl3pPr marL="1143000" indent="-228600" eaLnBrk="0" hangingPunct="0">
-              <a:defRPr sz="2400">
-                <a:solidFill>
-                  <a:schemeClr val="tx1"/>
-                </a:solidFill>
-                <a:latin typeface="Arial" charset="0"/>
-                <a:ea typeface="ＭＳ Ｐゴシック" charset="0"/>
-              </a:defRPr>
-            </a:lvl3pPr>
-            <a:lvl4pPr marL="1600200" indent="-228600" eaLnBrk="0" hangingPunct="0">
-              <a:defRPr sz="2400">
-                <a:solidFill>
-                  <a:schemeClr val="tx1"/>
-                </a:solidFill>
-                <a:latin typeface="Arial" charset="0"/>
-                <a:ea typeface="ＭＳ Ｐゴシック" charset="0"/>
-              </a:defRPr>
-            </a:lvl4pPr>
-            <a:lvl5pPr marL="2057400" indent="-228600" eaLnBrk="0" hangingPunct="0">
-              <a:defRPr sz="2400">
-                <a:solidFill>
-                  <a:schemeClr val="tx1"/>
-                </a:solidFill>
-                <a:latin typeface="Arial" charset="0"/>
-                <a:ea typeface="ＭＳ Ｐゴシック" charset="0"/>
-              </a:defRPr>
-            </a:lvl5pPr>
-            <a:lvl6pPr marL="2514600" indent="-228600" eaLnBrk="0" fontAlgn="base" hangingPunct="0">
-              <a:spcBef>
-                <a:spcPct val="0"/>
-              </a:spcBef>
-              <a:spcAft>
-                <a:spcPct val="0"/>
-              </a:spcAft>
-              <a:defRPr sz="2400">
-                <a:solidFill>
-                  <a:schemeClr val="tx1"/>
-                </a:solidFill>
-                <a:latin typeface="Arial" charset="0"/>
-                <a:ea typeface="ＭＳ Ｐゴシック" charset="0"/>
-              </a:defRPr>
-            </a:lvl6pPr>
-            <a:lvl7pPr marL="2971800" indent="-228600" eaLnBrk="0" fontAlgn="base" hangingPunct="0">
-              <a:spcBef>
-                <a:spcPct val="0"/>
-              </a:spcBef>
-              <a:spcAft>
-                <a:spcPct val="0"/>
-              </a:spcAft>
-              <a:defRPr sz="2400">
-                <a:solidFill>
-                  <a:schemeClr val="tx1"/>
-                </a:solidFill>
-                <a:latin typeface="Arial" charset="0"/>
-                <a:ea typeface="ＭＳ Ｐゴシック" charset="0"/>
-              </a:defRPr>
-            </a:lvl7pPr>
-            <a:lvl8pPr marL="3429000" indent="-228600" eaLnBrk="0" fontAlgn="base" hangingPunct="0">
-              <a:spcBef>
-                <a:spcPct val="0"/>
-              </a:spcBef>
-              <a:spcAft>
-                <a:spcPct val="0"/>
-              </a:spcAft>
-              <a:defRPr sz="2400">
-                <a:solidFill>
-                  <a:schemeClr val="tx1"/>
-                </a:solidFill>
-                <a:latin typeface="Arial" charset="0"/>
-                <a:ea typeface="ＭＳ Ｐゴシック" charset="0"/>
-              </a:defRPr>
-            </a:lvl8pPr>
-            <a:lvl9pPr marL="3886200" indent="-228600" eaLnBrk="0" fontAlgn="base" hangingPunct="0">
-              <a:spcBef>
-                <a:spcPct val="0"/>
-              </a:spcBef>
-              <a:spcAft>
-                <a:spcPct val="0"/>
-              </a:spcAft>
-              <a:defRPr sz="2400">
-                <a:solidFill>
-                  <a:schemeClr val="tx1"/>
-                </a:solidFill>
-                <a:latin typeface="Arial" charset="0"/>
-                <a:ea typeface="ＭＳ Ｐゴシック" charset="0"/>
-              </a:defRPr>
-            </a:lvl9pPr>
-          </a:lstStyle>
-          <a:p>
-            <a:pPr eaLnBrk="1" hangingPunct="1"/>
-            <a:r>
-              <a:rPr lang="en-US" sz="2200">
-                <a:latin typeface="Calibri" charset="0"/>
-              </a:rPr>
-              <a:t>= </a:t>
-            </a:r>
-            <a:r>
-              <a:rPr lang="en-US" sz="2200">
-                <a:solidFill>
-                  <a:srgbClr val="B700B7"/>
-                </a:solidFill>
-                <a:latin typeface="Calibri" charset="0"/>
-              </a:rPr>
-              <a:t>0</a:t>
-            </a:r>
-            <a:r>
-              <a:rPr lang="en-US" sz="2200">
-                <a:latin typeface="Calibri" charset="0"/>
-              </a:rPr>
-              <a:t> if no such</a:t>
-            </a:r>
-            <a:r>
-              <a:rPr lang="en-US" sz="2200">
-                <a:solidFill>
-                  <a:srgbClr val="B700B7"/>
-                </a:solidFill>
-                <a:latin typeface="Calibri" charset="0"/>
-              </a:rPr>
-              <a:t> i </a:t>
-            </a:r>
-            <a:r>
-              <a:rPr lang="en-US" sz="2200">
-                <a:latin typeface="Calibri" charset="0"/>
-              </a:rPr>
-              <a:t>exists</a:t>
-            </a:r>
-          </a:p>
-        </p:txBody>
-      </p:sp>
-      <p:sp>
-        <p:nvSpPr>
-          <p:cNvPr id="25604" name="TextBox 4"/>
-          <p:cNvSpPr txBox="1">
-            <a:spLocks noChangeArrowheads="1"/>
-          </p:cNvSpPr>
-          <p:nvPr/>
-        </p:nvSpPr>
-        <p:spPr bwMode="auto">
-          <a:xfrm>
-            <a:off x="1182688" y="3994150"/>
-            <a:ext cx="5067300" cy="461963"/>
-          </a:xfrm>
-          <a:prstGeom prst="rect">
-            <a:avLst/>
-          </a:prstGeom>
-          <a:noFill/>
-          <a:ln>
-            <a:noFill/>
-          </a:ln>
-          <a:extLst>
-            <a:ext uri="{909E8E84-426E-40dd-AFC4-6F175D3DCCD1}">
-              <a14:hiddenFill xmlns:a14="http://schemas.microsoft.com/office/drawing/2010/main">
-                <a:solidFill>
-                  <a:srgbClr val="FFFFFF"/>
-                </a:solidFill>
-              </a14:hiddenFill>
-            </a:ext>
-            <a:ext uri="{91240B29-F687-4f45-9708-019B960494DF}">
-              <a14:hiddenLine xmlns:a14="http://schemas.microsoft.com/office/drawing/2010/main" w="9525">
-                <a:solidFill>
-                  <a:srgbClr val="000000"/>
-                </a:solidFill>
-                <a:miter lim="800000"/>
-                <a:headEnd/>
-                <a:tailEnd/>
-              </a14:hiddenLine>
-            </a:ext>
-          </a:extLst>
-        </p:spPr>
-        <p:txBody>
-          <a:bodyPr wrap="none">
-            <a:spAutoFit/>
-          </a:bodyPr>
-          <a:lstStyle>
-            <a:lvl1pPr eaLnBrk="0" hangingPunct="0">
-              <a:defRPr sz="2400">
-                <a:solidFill>
-                  <a:schemeClr val="tx1"/>
-                </a:solidFill>
-                <a:latin typeface="Arial" charset="0"/>
-                <a:ea typeface="ＭＳ Ｐゴシック" charset="0"/>
-                <a:cs typeface="ＭＳ Ｐゴシック" charset="0"/>
-              </a:defRPr>
-            </a:lvl1pPr>
-            <a:lvl2pPr marL="742950" indent="-285750" eaLnBrk="0" hangingPunct="0">
-              <a:defRPr sz="2400">
-                <a:solidFill>
-                  <a:schemeClr val="tx1"/>
-                </a:solidFill>
-                <a:latin typeface="Arial" charset="0"/>
-                <a:ea typeface="ＭＳ Ｐゴシック" charset="0"/>
-              </a:defRPr>
-            </a:lvl2pPr>
-            <a:lvl3pPr marL="1143000" indent="-228600" eaLnBrk="0" hangingPunct="0">
-              <a:defRPr sz="2400">
-                <a:solidFill>
-                  <a:schemeClr val="tx1"/>
-                </a:solidFill>
-                <a:latin typeface="Arial" charset="0"/>
-                <a:ea typeface="ＭＳ Ｐゴシック" charset="0"/>
-              </a:defRPr>
-            </a:lvl3pPr>
-            <a:lvl4pPr marL="1600200" indent="-228600" eaLnBrk="0" hangingPunct="0">
-              <a:defRPr sz="2400">
-                <a:solidFill>
-                  <a:schemeClr val="tx1"/>
-                </a:solidFill>
-                <a:latin typeface="Arial" charset="0"/>
-                <a:ea typeface="ＭＳ Ｐゴシック" charset="0"/>
-              </a:defRPr>
-            </a:lvl4pPr>
-            <a:lvl5pPr marL="2057400" indent="-228600" eaLnBrk="0" hangingPunct="0">
-              <a:defRPr sz="2400">
-                <a:solidFill>
-                  <a:schemeClr val="tx1"/>
-                </a:solidFill>
-                <a:latin typeface="Arial" charset="0"/>
-                <a:ea typeface="ＭＳ Ｐゴシック" charset="0"/>
-              </a:defRPr>
-            </a:lvl5pPr>
-            <a:lvl6pPr marL="2514600" indent="-228600" eaLnBrk="0" fontAlgn="base" hangingPunct="0">
-              <a:spcBef>
-                <a:spcPct val="0"/>
-              </a:spcBef>
-              <a:spcAft>
-                <a:spcPct val="0"/>
-              </a:spcAft>
-              <a:defRPr sz="2400">
-                <a:solidFill>
-                  <a:schemeClr val="tx1"/>
-                </a:solidFill>
-                <a:latin typeface="Arial" charset="0"/>
-                <a:ea typeface="ＭＳ Ｐゴシック" charset="0"/>
-              </a:defRPr>
-            </a:lvl6pPr>
-            <a:lvl7pPr marL="2971800" indent="-228600" eaLnBrk="0" fontAlgn="base" hangingPunct="0">
-              <a:spcBef>
-                <a:spcPct val="0"/>
-              </a:spcBef>
-              <a:spcAft>
-                <a:spcPct val="0"/>
-              </a:spcAft>
-              <a:defRPr sz="2400">
-                <a:solidFill>
-                  <a:schemeClr val="tx1"/>
-                </a:solidFill>
-                <a:latin typeface="Arial" charset="0"/>
-                <a:ea typeface="ＭＳ Ｐゴシック" charset="0"/>
-              </a:defRPr>
-            </a:lvl7pPr>
-            <a:lvl8pPr marL="3429000" indent="-228600" eaLnBrk="0" fontAlgn="base" hangingPunct="0">
-              <a:spcBef>
-                <a:spcPct val="0"/>
-              </a:spcBef>
-              <a:spcAft>
-                <a:spcPct val="0"/>
-              </a:spcAft>
-              <a:defRPr sz="2400">
-                <a:solidFill>
-                  <a:schemeClr val="tx1"/>
-                </a:solidFill>
-                <a:latin typeface="Arial" charset="0"/>
-                <a:ea typeface="ＭＳ Ｐゴシック" charset="0"/>
-              </a:defRPr>
-            </a:lvl8pPr>
-            <a:lvl9pPr marL="3886200" indent="-228600" eaLnBrk="0" fontAlgn="base" hangingPunct="0">
-              <a:spcBef>
-                <a:spcPct val="0"/>
-              </a:spcBef>
-              <a:spcAft>
-                <a:spcPct val="0"/>
-              </a:spcAft>
-              <a:defRPr sz="2400">
-                <a:solidFill>
-                  <a:schemeClr val="tx1"/>
-                </a:solidFill>
-                <a:latin typeface="Arial" charset="0"/>
-                <a:ea typeface="ＭＳ Ｐゴシック" charset="0"/>
-              </a:defRPr>
-            </a:lvl9pPr>
-          </a:lstStyle>
-          <a:p>
-            <a:pPr eaLnBrk="1" hangingPunct="1"/>
-            <a:r>
-              <a:rPr lang="en-US">
-                <a:solidFill>
-                  <a:srgbClr val="B700B7"/>
-                </a:solidFill>
-                <a:latin typeface="Calibri" charset="0"/>
-              </a:rPr>
-              <a:t>OPT(j) </a:t>
-            </a:r>
-            <a:r>
-              <a:rPr lang="en-US">
-                <a:latin typeface="Calibri" charset="0"/>
-              </a:rPr>
-              <a:t>= optimal value on instance </a:t>
-            </a:r>
-            <a:r>
-              <a:rPr lang="en-US">
-                <a:solidFill>
-                  <a:srgbClr val="B700B7"/>
-                </a:solidFill>
-                <a:latin typeface="Calibri" charset="0"/>
-              </a:rPr>
-              <a:t>1,..,j</a:t>
-            </a:r>
-          </a:p>
-        </p:txBody>
-      </p:sp>
-      <p:sp>
-        <p:nvSpPr>
-          <p:cNvPr id="6" name="Cloud Callout 5"/>
+          <p:cNvPr id="25" name="Rounded Rectangle 24"/>
           <p:cNvSpPr/>
           <p:nvPr/>
         </p:nvSpPr>
         <p:spPr>
           <a:xfrm>
-            <a:off x="6135688" y="2449513"/>
-            <a:ext cx="2238375" cy="1282700"/>
+            <a:off x="652463" y="1417638"/>
+            <a:ext cx="5394325" cy="808037"/>
+          </a:xfrm>
+          <a:prstGeom prst="roundRect">
+            <a:avLst/>
+          </a:prstGeom>
+          <a:solidFill>
+            <a:schemeClr val="accent6"/>
+          </a:solidFill>
+        </p:spPr>
+        <p:style>
+          <a:lnRef idx="1">
+            <a:schemeClr val="accent1"/>
+          </a:lnRef>
+          <a:fillRef idx="3">
+            <a:schemeClr val="accent1"/>
+          </a:fillRef>
+          <a:effectRef idx="2">
+            <a:schemeClr val="accent1"/>
+          </a:effectRef>
+          <a:fontRef idx="minor">
+            <a:schemeClr val="lt1"/>
+          </a:fontRef>
+        </p:style>
+        <p:txBody>
+          <a:bodyPr anchor="ctr"/>
+          <a:lstStyle/>
+          <a:p>
+            <a:pPr algn="ctr" fontAlgn="auto">
+              <a:spcBef>
+                <a:spcPts val="0"/>
+              </a:spcBef>
+              <a:spcAft>
+                <a:spcPts val="0"/>
+              </a:spcAft>
+              <a:defRPr/>
+            </a:pPr>
+            <a:r>
+              <a:rPr lang="en-US" sz="2100" dirty="0"/>
+              <a:t>Order by decreasing weight</a:t>
+            </a:r>
+          </a:p>
+        </p:txBody>
+      </p:sp>
+      <p:grpSp>
+        <p:nvGrpSpPr>
+          <p:cNvPr id="3" name="Group 34"/>
+          <p:cNvGrpSpPr>
+            <a:grpSpLocks/>
+          </p:cNvGrpSpPr>
+          <p:nvPr/>
+        </p:nvGrpSpPr>
+        <p:grpSpPr bwMode="auto">
+          <a:xfrm>
+            <a:off x="652463" y="5600700"/>
+            <a:ext cx="7031037" cy="401638"/>
+            <a:chOff x="652463" y="5600700"/>
+            <a:chExt cx="7031037" cy="401638"/>
+          </a:xfrm>
+        </p:grpSpPr>
+        <p:sp>
+          <p:nvSpPr>
+            <p:cNvPr id="19" name="Rectangle 18"/>
+            <p:cNvSpPr/>
+            <p:nvPr/>
+          </p:nvSpPr>
+          <p:spPr>
+            <a:xfrm>
+              <a:off x="652463" y="5600700"/>
+              <a:ext cx="7031037" cy="401638"/>
+            </a:xfrm>
+            <a:prstGeom prst="rect">
+              <a:avLst/>
+            </a:prstGeom>
+            <a:solidFill>
+              <a:srgbClr val="FF0000"/>
+            </a:solidFill>
+          </p:spPr>
+          <p:style>
+            <a:lnRef idx="1">
+              <a:schemeClr val="accent1"/>
+            </a:lnRef>
+            <a:fillRef idx="3">
+              <a:schemeClr val="accent1"/>
+            </a:fillRef>
+            <a:effectRef idx="2">
+              <a:schemeClr val="accent1"/>
+            </a:effectRef>
+            <a:fontRef idx="minor">
+              <a:schemeClr val="lt1"/>
+            </a:fontRef>
+          </p:style>
+          <p:txBody>
+            <a:bodyPr anchor="ctr"/>
+            <a:lstStyle/>
+            <a:p>
+              <a:pPr algn="ctr" fontAlgn="auto">
+                <a:spcBef>
+                  <a:spcPts val="0"/>
+                </a:spcBef>
+                <a:spcAft>
+                  <a:spcPts val="0"/>
+                </a:spcAft>
+                <a:defRPr/>
+              </a:pPr>
+              <a:r>
+                <a:rPr lang="en-US" dirty="0"/>
+                <a:t>Project</a:t>
+              </a:r>
+            </a:p>
+          </p:txBody>
+        </p:sp>
+        <p:sp>
+          <p:nvSpPr>
+            <p:cNvPr id="22549" name="TextBox 25"/>
+            <p:cNvSpPr txBox="1">
+              <a:spLocks noChangeArrowheads="1"/>
+            </p:cNvSpPr>
+            <p:nvPr/>
+          </p:nvSpPr>
+          <p:spPr bwMode="auto">
+            <a:xfrm>
+              <a:off x="5632673" y="5633006"/>
+              <a:ext cx="558642" cy="369332"/>
+            </a:xfrm>
+            <a:prstGeom prst="rect">
+              <a:avLst/>
+            </a:prstGeom>
+            <a:noFill/>
+            <a:ln>
+              <a:noFill/>
+            </a:ln>
+            <a:extLst>
+              <a:ext uri="{909E8E84-426E-40dd-AFC4-6F175D3DCCD1}">
+                <a14:hiddenFill xmlns:a14="http://schemas.microsoft.com/office/drawing/2010/main">
+                  <a:solidFill>
+                    <a:srgbClr val="FFFFFF"/>
+                  </a:solidFill>
+                </a14:hiddenFill>
+              </a:ext>
+              <a:ext uri="{91240B29-F687-4f45-9708-019B960494DF}">
+                <a14:hiddenLine xmlns:a14="http://schemas.microsoft.com/office/drawing/2010/main" w="9525">
+                  <a:solidFill>
+                    <a:srgbClr val="000000"/>
+                  </a:solidFill>
+                  <a:miter lim="800000"/>
+                  <a:headEnd/>
+                  <a:tailEnd/>
+                </a14:hiddenLine>
+              </a:ext>
+            </a:extLst>
+          </p:spPr>
+          <p:txBody>
+            <a:bodyPr wrap="none">
+              <a:spAutoFit/>
+            </a:bodyPr>
+            <a:lstStyle>
+              <a:lvl1pPr eaLnBrk="0" hangingPunct="0">
+                <a:defRPr sz="2400">
+                  <a:solidFill>
+                    <a:schemeClr val="tx1"/>
+                  </a:solidFill>
+                  <a:latin typeface="Arial" charset="0"/>
+                  <a:ea typeface="ＭＳ Ｐゴシック" charset="0"/>
+                  <a:cs typeface="ＭＳ Ｐゴシック" charset="0"/>
+                </a:defRPr>
+              </a:lvl1pPr>
+              <a:lvl2pPr marL="742950" indent="-285750" eaLnBrk="0" hangingPunct="0">
+                <a:defRPr sz="2400">
+                  <a:solidFill>
+                    <a:schemeClr val="tx1"/>
+                  </a:solidFill>
+                  <a:latin typeface="Arial" charset="0"/>
+                  <a:ea typeface="ＭＳ Ｐゴシック" charset="0"/>
+                </a:defRPr>
+              </a:lvl2pPr>
+              <a:lvl3pPr marL="1143000" indent="-228600" eaLnBrk="0" hangingPunct="0">
+                <a:defRPr sz="2400">
+                  <a:solidFill>
+                    <a:schemeClr val="tx1"/>
+                  </a:solidFill>
+                  <a:latin typeface="Arial" charset="0"/>
+                  <a:ea typeface="ＭＳ Ｐゴシック" charset="0"/>
+                </a:defRPr>
+              </a:lvl3pPr>
+              <a:lvl4pPr marL="1600200" indent="-228600" eaLnBrk="0" hangingPunct="0">
+                <a:defRPr sz="2400">
+                  <a:solidFill>
+                    <a:schemeClr val="tx1"/>
+                  </a:solidFill>
+                  <a:latin typeface="Arial" charset="0"/>
+                  <a:ea typeface="ＭＳ Ｐゴシック" charset="0"/>
+                </a:defRPr>
+              </a:lvl4pPr>
+              <a:lvl5pPr marL="2057400" indent="-228600" eaLnBrk="0" hangingPunct="0">
+                <a:defRPr sz="2400">
+                  <a:solidFill>
+                    <a:schemeClr val="tx1"/>
+                  </a:solidFill>
+                  <a:latin typeface="Arial" charset="0"/>
+                  <a:ea typeface="ＭＳ Ｐゴシック" charset="0"/>
+                </a:defRPr>
+              </a:lvl5pPr>
+              <a:lvl6pPr marL="2514600" indent="-228600" eaLnBrk="0" fontAlgn="base" hangingPunct="0">
+                <a:spcBef>
+                  <a:spcPct val="0"/>
+                </a:spcBef>
+                <a:spcAft>
+                  <a:spcPct val="0"/>
+                </a:spcAft>
+                <a:defRPr sz="2400">
+                  <a:solidFill>
+                    <a:schemeClr val="tx1"/>
+                  </a:solidFill>
+                  <a:latin typeface="Arial" charset="0"/>
+                  <a:ea typeface="ＭＳ Ｐゴシック" charset="0"/>
+                </a:defRPr>
+              </a:lvl6pPr>
+              <a:lvl7pPr marL="2971800" indent="-228600" eaLnBrk="0" fontAlgn="base" hangingPunct="0">
+                <a:spcBef>
+                  <a:spcPct val="0"/>
+                </a:spcBef>
+                <a:spcAft>
+                  <a:spcPct val="0"/>
+                </a:spcAft>
+                <a:defRPr sz="2400">
+                  <a:solidFill>
+                    <a:schemeClr val="tx1"/>
+                  </a:solidFill>
+                  <a:latin typeface="Arial" charset="0"/>
+                  <a:ea typeface="ＭＳ Ｐゴシック" charset="0"/>
+                </a:defRPr>
+              </a:lvl7pPr>
+              <a:lvl8pPr marL="3429000" indent="-228600" eaLnBrk="0" fontAlgn="base" hangingPunct="0">
+                <a:spcBef>
+                  <a:spcPct val="0"/>
+                </a:spcBef>
+                <a:spcAft>
+                  <a:spcPct val="0"/>
+                </a:spcAft>
+                <a:defRPr sz="2400">
+                  <a:solidFill>
+                    <a:schemeClr val="tx1"/>
+                  </a:solidFill>
+                  <a:latin typeface="Arial" charset="0"/>
+                  <a:ea typeface="ＭＳ Ｐゴシック" charset="0"/>
+                </a:defRPr>
+              </a:lvl8pPr>
+              <a:lvl9pPr marL="3886200" indent="-228600" eaLnBrk="0" fontAlgn="base" hangingPunct="0">
+                <a:spcBef>
+                  <a:spcPct val="0"/>
+                </a:spcBef>
+                <a:spcAft>
+                  <a:spcPct val="0"/>
+                </a:spcAft>
+                <a:defRPr sz="2400">
+                  <a:solidFill>
+                    <a:schemeClr val="tx1"/>
+                  </a:solidFill>
+                  <a:latin typeface="Arial" charset="0"/>
+                  <a:ea typeface="ＭＳ Ｐゴシック" charset="0"/>
+                </a:defRPr>
+              </a:lvl9pPr>
+            </a:lstStyle>
+            <a:p>
+              <a:pPr eaLnBrk="1" hangingPunct="1"/>
+              <a:r>
+                <a:rPr lang="en-US" sz="1800">
+                  <a:solidFill>
+                    <a:schemeClr val="bg1"/>
+                  </a:solidFill>
+                  <a:latin typeface="Calibri" charset="0"/>
+                </a:rPr>
+                <a:t>(30)</a:t>
+              </a:r>
+            </a:p>
+          </p:txBody>
+        </p:sp>
+      </p:grpSp>
+      <p:grpSp>
+        <p:nvGrpSpPr>
+          <p:cNvPr id="21510" name="Group 33"/>
+          <p:cNvGrpSpPr>
+            <a:grpSpLocks/>
+          </p:cNvGrpSpPr>
+          <p:nvPr/>
+        </p:nvGrpSpPr>
+        <p:grpSpPr bwMode="auto">
+          <a:xfrm>
+            <a:off x="5840413" y="4895850"/>
+            <a:ext cx="1925637" cy="423863"/>
+            <a:chOff x="5840413" y="4895850"/>
+            <a:chExt cx="1925435" cy="423863"/>
+          </a:xfrm>
+        </p:grpSpPr>
+        <p:sp>
+          <p:nvSpPr>
+            <p:cNvPr id="21" name="Rectangle 20"/>
+            <p:cNvSpPr/>
+            <p:nvPr/>
+          </p:nvSpPr>
+          <p:spPr>
+            <a:xfrm>
+              <a:off x="5840413" y="4895850"/>
+              <a:ext cx="1842894" cy="423863"/>
+            </a:xfrm>
+            <a:prstGeom prst="rect">
+              <a:avLst/>
+            </a:prstGeom>
+            <a:solidFill>
+              <a:srgbClr val="4F6228"/>
+            </a:solidFill>
+          </p:spPr>
+          <p:style>
+            <a:lnRef idx="1">
+              <a:schemeClr val="accent1"/>
+            </a:lnRef>
+            <a:fillRef idx="3">
+              <a:schemeClr val="accent1"/>
+            </a:fillRef>
+            <a:effectRef idx="2">
+              <a:schemeClr val="accent1"/>
+            </a:effectRef>
+            <a:fontRef idx="minor">
+              <a:schemeClr val="lt1"/>
+            </a:fontRef>
+          </p:style>
+          <p:txBody>
+            <a:bodyPr anchor="ctr"/>
+            <a:lstStyle/>
+            <a:p>
+              <a:pPr algn="ctr" fontAlgn="auto">
+                <a:spcBef>
+                  <a:spcPts val="0"/>
+                </a:spcBef>
+                <a:spcAft>
+                  <a:spcPts val="0"/>
+                </a:spcAft>
+                <a:defRPr/>
+              </a:pPr>
+              <a:r>
+                <a:rPr lang="en-US" dirty="0"/>
+                <a:t>331  HW</a:t>
+              </a:r>
+            </a:p>
+          </p:txBody>
+        </p:sp>
+        <p:sp>
+          <p:nvSpPr>
+            <p:cNvPr id="22547" name="TextBox 26"/>
+            <p:cNvSpPr txBox="1">
+              <a:spLocks noChangeArrowheads="1"/>
+            </p:cNvSpPr>
+            <p:nvPr/>
+          </p:nvSpPr>
+          <p:spPr bwMode="auto">
+            <a:xfrm>
+              <a:off x="7207206" y="4895850"/>
+              <a:ext cx="558642" cy="369332"/>
+            </a:xfrm>
+            <a:prstGeom prst="rect">
+              <a:avLst/>
+            </a:prstGeom>
+            <a:noFill/>
+            <a:ln>
+              <a:noFill/>
+            </a:ln>
+            <a:extLst>
+              <a:ext uri="{909E8E84-426E-40dd-AFC4-6F175D3DCCD1}">
+                <a14:hiddenFill xmlns:a14="http://schemas.microsoft.com/office/drawing/2010/main">
+                  <a:solidFill>
+                    <a:srgbClr val="FFFFFF"/>
+                  </a:solidFill>
+                </a14:hiddenFill>
+              </a:ext>
+              <a:ext uri="{91240B29-F687-4f45-9708-019B960494DF}">
+                <a14:hiddenLine xmlns:a14="http://schemas.microsoft.com/office/drawing/2010/main" w="9525">
+                  <a:solidFill>
+                    <a:srgbClr val="000000"/>
+                  </a:solidFill>
+                  <a:miter lim="800000"/>
+                  <a:headEnd/>
+                  <a:tailEnd/>
+                </a14:hiddenLine>
+              </a:ext>
+            </a:extLst>
+          </p:spPr>
+          <p:txBody>
+            <a:bodyPr wrap="none">
+              <a:spAutoFit/>
+            </a:bodyPr>
+            <a:lstStyle>
+              <a:lvl1pPr eaLnBrk="0" hangingPunct="0">
+                <a:defRPr sz="2400">
+                  <a:solidFill>
+                    <a:schemeClr val="tx1"/>
+                  </a:solidFill>
+                  <a:latin typeface="Arial" charset="0"/>
+                  <a:ea typeface="ＭＳ Ｐゴシック" charset="0"/>
+                  <a:cs typeface="ＭＳ Ｐゴシック" charset="0"/>
+                </a:defRPr>
+              </a:lvl1pPr>
+              <a:lvl2pPr marL="742950" indent="-285750" eaLnBrk="0" hangingPunct="0">
+                <a:defRPr sz="2400">
+                  <a:solidFill>
+                    <a:schemeClr val="tx1"/>
+                  </a:solidFill>
+                  <a:latin typeface="Arial" charset="0"/>
+                  <a:ea typeface="ＭＳ Ｐゴシック" charset="0"/>
+                </a:defRPr>
+              </a:lvl2pPr>
+              <a:lvl3pPr marL="1143000" indent="-228600" eaLnBrk="0" hangingPunct="0">
+                <a:defRPr sz="2400">
+                  <a:solidFill>
+                    <a:schemeClr val="tx1"/>
+                  </a:solidFill>
+                  <a:latin typeface="Arial" charset="0"/>
+                  <a:ea typeface="ＭＳ Ｐゴシック" charset="0"/>
+                </a:defRPr>
+              </a:lvl3pPr>
+              <a:lvl4pPr marL="1600200" indent="-228600" eaLnBrk="0" hangingPunct="0">
+                <a:defRPr sz="2400">
+                  <a:solidFill>
+                    <a:schemeClr val="tx1"/>
+                  </a:solidFill>
+                  <a:latin typeface="Arial" charset="0"/>
+                  <a:ea typeface="ＭＳ Ｐゴシック" charset="0"/>
+                </a:defRPr>
+              </a:lvl4pPr>
+              <a:lvl5pPr marL="2057400" indent="-228600" eaLnBrk="0" hangingPunct="0">
+                <a:defRPr sz="2400">
+                  <a:solidFill>
+                    <a:schemeClr val="tx1"/>
+                  </a:solidFill>
+                  <a:latin typeface="Arial" charset="0"/>
+                  <a:ea typeface="ＭＳ Ｐゴシック" charset="0"/>
+                </a:defRPr>
+              </a:lvl5pPr>
+              <a:lvl6pPr marL="2514600" indent="-228600" eaLnBrk="0" fontAlgn="base" hangingPunct="0">
+                <a:spcBef>
+                  <a:spcPct val="0"/>
+                </a:spcBef>
+                <a:spcAft>
+                  <a:spcPct val="0"/>
+                </a:spcAft>
+                <a:defRPr sz="2400">
+                  <a:solidFill>
+                    <a:schemeClr val="tx1"/>
+                  </a:solidFill>
+                  <a:latin typeface="Arial" charset="0"/>
+                  <a:ea typeface="ＭＳ Ｐゴシック" charset="0"/>
+                </a:defRPr>
+              </a:lvl6pPr>
+              <a:lvl7pPr marL="2971800" indent="-228600" eaLnBrk="0" fontAlgn="base" hangingPunct="0">
+                <a:spcBef>
+                  <a:spcPct val="0"/>
+                </a:spcBef>
+                <a:spcAft>
+                  <a:spcPct val="0"/>
+                </a:spcAft>
+                <a:defRPr sz="2400">
+                  <a:solidFill>
+                    <a:schemeClr val="tx1"/>
+                  </a:solidFill>
+                  <a:latin typeface="Arial" charset="0"/>
+                  <a:ea typeface="ＭＳ Ｐゴシック" charset="0"/>
+                </a:defRPr>
+              </a:lvl7pPr>
+              <a:lvl8pPr marL="3429000" indent="-228600" eaLnBrk="0" fontAlgn="base" hangingPunct="0">
+                <a:spcBef>
+                  <a:spcPct val="0"/>
+                </a:spcBef>
+                <a:spcAft>
+                  <a:spcPct val="0"/>
+                </a:spcAft>
+                <a:defRPr sz="2400">
+                  <a:solidFill>
+                    <a:schemeClr val="tx1"/>
+                  </a:solidFill>
+                  <a:latin typeface="Arial" charset="0"/>
+                  <a:ea typeface="ＭＳ Ｐゴシック" charset="0"/>
+                </a:defRPr>
+              </a:lvl8pPr>
+              <a:lvl9pPr marL="3886200" indent="-228600" eaLnBrk="0" fontAlgn="base" hangingPunct="0">
+                <a:spcBef>
+                  <a:spcPct val="0"/>
+                </a:spcBef>
+                <a:spcAft>
+                  <a:spcPct val="0"/>
+                </a:spcAft>
+                <a:defRPr sz="2400">
+                  <a:solidFill>
+                    <a:schemeClr val="tx1"/>
+                  </a:solidFill>
+                  <a:latin typeface="Arial" charset="0"/>
+                  <a:ea typeface="ＭＳ Ｐゴシック" charset="0"/>
+                </a:defRPr>
+              </a:lvl9pPr>
+            </a:lstStyle>
+            <a:p>
+              <a:pPr eaLnBrk="1" hangingPunct="1"/>
+              <a:r>
+                <a:rPr lang="en-US" sz="1800">
+                  <a:solidFill>
+                    <a:schemeClr val="bg1"/>
+                  </a:solidFill>
+                  <a:latin typeface="Calibri" charset="0"/>
+                </a:rPr>
+                <a:t>(10)</a:t>
+              </a:r>
+            </a:p>
+          </p:txBody>
+        </p:sp>
+      </p:grpSp>
+      <p:grpSp>
+        <p:nvGrpSpPr>
+          <p:cNvPr id="21511" name="Group 31"/>
+          <p:cNvGrpSpPr>
+            <a:grpSpLocks/>
+          </p:cNvGrpSpPr>
+          <p:nvPr/>
+        </p:nvGrpSpPr>
+        <p:grpSpPr bwMode="auto">
+          <a:xfrm>
+            <a:off x="4114800" y="4298950"/>
+            <a:ext cx="1804988" cy="412750"/>
+            <a:chOff x="4114800" y="4298950"/>
+            <a:chExt cx="1805456" cy="412750"/>
+          </a:xfrm>
+        </p:grpSpPr>
+        <p:sp>
+          <p:nvSpPr>
+            <p:cNvPr id="23" name="Rectangle 22"/>
+            <p:cNvSpPr/>
+            <p:nvPr/>
+          </p:nvSpPr>
+          <p:spPr>
+            <a:xfrm>
+              <a:off x="4114800" y="4298950"/>
+              <a:ext cx="1726060" cy="412750"/>
+            </a:xfrm>
+            <a:prstGeom prst="rect">
+              <a:avLst/>
+            </a:prstGeom>
+            <a:solidFill>
+              <a:schemeClr val="accent4">
+                <a:lumMod val="75000"/>
+              </a:schemeClr>
+            </a:solidFill>
+          </p:spPr>
+          <p:style>
+            <a:lnRef idx="1">
+              <a:schemeClr val="accent1"/>
+            </a:lnRef>
+            <a:fillRef idx="3">
+              <a:schemeClr val="accent1"/>
+            </a:fillRef>
+            <a:effectRef idx="2">
+              <a:schemeClr val="accent1"/>
+            </a:effectRef>
+            <a:fontRef idx="minor">
+              <a:schemeClr val="lt1"/>
+            </a:fontRef>
+          </p:style>
+          <p:txBody>
+            <a:bodyPr anchor="ctr"/>
+            <a:lstStyle/>
+            <a:p>
+              <a:pPr algn="ctr" fontAlgn="auto">
+                <a:spcBef>
+                  <a:spcPts val="0"/>
+                </a:spcBef>
+                <a:spcAft>
+                  <a:spcPts val="0"/>
+                </a:spcAft>
+                <a:defRPr/>
+              </a:pPr>
+              <a:r>
+                <a:rPr lang="en-US" dirty="0"/>
+                <a:t>Party!</a:t>
+              </a:r>
+            </a:p>
+          </p:txBody>
+        </p:sp>
+        <p:sp>
+          <p:nvSpPr>
+            <p:cNvPr id="22545" name="TextBox 27"/>
+            <p:cNvSpPr txBox="1">
+              <a:spLocks noChangeArrowheads="1"/>
+            </p:cNvSpPr>
+            <p:nvPr/>
+          </p:nvSpPr>
+          <p:spPr bwMode="auto">
+            <a:xfrm>
+              <a:off x="5361614" y="4342368"/>
+              <a:ext cx="558642" cy="369332"/>
+            </a:xfrm>
+            <a:prstGeom prst="rect">
+              <a:avLst/>
+            </a:prstGeom>
+            <a:noFill/>
+            <a:ln>
+              <a:noFill/>
+            </a:ln>
+            <a:extLst>
+              <a:ext uri="{909E8E84-426E-40dd-AFC4-6F175D3DCCD1}">
+                <a14:hiddenFill xmlns:a14="http://schemas.microsoft.com/office/drawing/2010/main">
+                  <a:solidFill>
+                    <a:srgbClr val="FFFFFF"/>
+                  </a:solidFill>
+                </a14:hiddenFill>
+              </a:ext>
+              <a:ext uri="{91240B29-F687-4f45-9708-019B960494DF}">
+                <a14:hiddenLine xmlns:a14="http://schemas.microsoft.com/office/drawing/2010/main" w="9525">
+                  <a:solidFill>
+                    <a:srgbClr val="000000"/>
+                  </a:solidFill>
+                  <a:miter lim="800000"/>
+                  <a:headEnd/>
+                  <a:tailEnd/>
+                </a14:hiddenLine>
+              </a:ext>
+            </a:extLst>
+          </p:spPr>
+          <p:txBody>
+            <a:bodyPr wrap="none">
+              <a:spAutoFit/>
+            </a:bodyPr>
+            <a:lstStyle>
+              <a:lvl1pPr eaLnBrk="0" hangingPunct="0">
+                <a:defRPr sz="2400">
+                  <a:solidFill>
+                    <a:schemeClr val="tx1"/>
+                  </a:solidFill>
+                  <a:latin typeface="Arial" charset="0"/>
+                  <a:ea typeface="ＭＳ Ｐゴシック" charset="0"/>
+                  <a:cs typeface="ＭＳ Ｐゴシック" charset="0"/>
+                </a:defRPr>
+              </a:lvl1pPr>
+              <a:lvl2pPr marL="742950" indent="-285750" eaLnBrk="0" hangingPunct="0">
+                <a:defRPr sz="2400">
+                  <a:solidFill>
+                    <a:schemeClr val="tx1"/>
+                  </a:solidFill>
+                  <a:latin typeface="Arial" charset="0"/>
+                  <a:ea typeface="ＭＳ Ｐゴシック" charset="0"/>
+                </a:defRPr>
+              </a:lvl2pPr>
+              <a:lvl3pPr marL="1143000" indent="-228600" eaLnBrk="0" hangingPunct="0">
+                <a:defRPr sz="2400">
+                  <a:solidFill>
+                    <a:schemeClr val="tx1"/>
+                  </a:solidFill>
+                  <a:latin typeface="Arial" charset="0"/>
+                  <a:ea typeface="ＭＳ Ｐゴシック" charset="0"/>
+                </a:defRPr>
+              </a:lvl3pPr>
+              <a:lvl4pPr marL="1600200" indent="-228600" eaLnBrk="0" hangingPunct="0">
+                <a:defRPr sz="2400">
+                  <a:solidFill>
+                    <a:schemeClr val="tx1"/>
+                  </a:solidFill>
+                  <a:latin typeface="Arial" charset="0"/>
+                  <a:ea typeface="ＭＳ Ｐゴシック" charset="0"/>
+                </a:defRPr>
+              </a:lvl4pPr>
+              <a:lvl5pPr marL="2057400" indent="-228600" eaLnBrk="0" hangingPunct="0">
+                <a:defRPr sz="2400">
+                  <a:solidFill>
+                    <a:schemeClr val="tx1"/>
+                  </a:solidFill>
+                  <a:latin typeface="Arial" charset="0"/>
+                  <a:ea typeface="ＭＳ Ｐゴシック" charset="0"/>
+                </a:defRPr>
+              </a:lvl5pPr>
+              <a:lvl6pPr marL="2514600" indent="-228600" eaLnBrk="0" fontAlgn="base" hangingPunct="0">
+                <a:spcBef>
+                  <a:spcPct val="0"/>
+                </a:spcBef>
+                <a:spcAft>
+                  <a:spcPct val="0"/>
+                </a:spcAft>
+                <a:defRPr sz="2400">
+                  <a:solidFill>
+                    <a:schemeClr val="tx1"/>
+                  </a:solidFill>
+                  <a:latin typeface="Arial" charset="0"/>
+                  <a:ea typeface="ＭＳ Ｐゴシック" charset="0"/>
+                </a:defRPr>
+              </a:lvl6pPr>
+              <a:lvl7pPr marL="2971800" indent="-228600" eaLnBrk="0" fontAlgn="base" hangingPunct="0">
+                <a:spcBef>
+                  <a:spcPct val="0"/>
+                </a:spcBef>
+                <a:spcAft>
+                  <a:spcPct val="0"/>
+                </a:spcAft>
+                <a:defRPr sz="2400">
+                  <a:solidFill>
+                    <a:schemeClr val="tx1"/>
+                  </a:solidFill>
+                  <a:latin typeface="Arial" charset="0"/>
+                  <a:ea typeface="ＭＳ Ｐゴシック" charset="0"/>
+                </a:defRPr>
+              </a:lvl7pPr>
+              <a:lvl8pPr marL="3429000" indent="-228600" eaLnBrk="0" fontAlgn="base" hangingPunct="0">
+                <a:spcBef>
+                  <a:spcPct val="0"/>
+                </a:spcBef>
+                <a:spcAft>
+                  <a:spcPct val="0"/>
+                </a:spcAft>
+                <a:defRPr sz="2400">
+                  <a:solidFill>
+                    <a:schemeClr val="tx1"/>
+                  </a:solidFill>
+                  <a:latin typeface="Arial" charset="0"/>
+                  <a:ea typeface="ＭＳ Ｐゴシック" charset="0"/>
+                </a:defRPr>
+              </a:lvl8pPr>
+              <a:lvl9pPr marL="3886200" indent="-228600" eaLnBrk="0" fontAlgn="base" hangingPunct="0">
+                <a:spcBef>
+                  <a:spcPct val="0"/>
+                </a:spcBef>
+                <a:spcAft>
+                  <a:spcPct val="0"/>
+                </a:spcAft>
+                <a:defRPr sz="2400">
+                  <a:solidFill>
+                    <a:schemeClr val="tx1"/>
+                  </a:solidFill>
+                  <a:latin typeface="Arial" charset="0"/>
+                  <a:ea typeface="ＭＳ Ｐゴシック" charset="0"/>
+                </a:defRPr>
+              </a:lvl9pPr>
+            </a:lstStyle>
+            <a:p>
+              <a:pPr eaLnBrk="1" hangingPunct="1"/>
+              <a:r>
+                <a:rPr lang="en-US" sz="1800">
+                  <a:solidFill>
+                    <a:schemeClr val="bg1"/>
+                  </a:solidFill>
+                  <a:latin typeface="Calibri" charset="0"/>
+                </a:rPr>
+                <a:t>(15)</a:t>
+              </a:r>
+            </a:p>
+          </p:txBody>
+        </p:sp>
+      </p:grpSp>
+      <p:grpSp>
+        <p:nvGrpSpPr>
+          <p:cNvPr id="8" name="Group 32"/>
+          <p:cNvGrpSpPr>
+            <a:grpSpLocks/>
+          </p:cNvGrpSpPr>
+          <p:nvPr/>
+        </p:nvGrpSpPr>
+        <p:grpSpPr bwMode="auto">
+          <a:xfrm>
+            <a:off x="2181225" y="4873625"/>
+            <a:ext cx="1935163" cy="434975"/>
+            <a:chOff x="2181225" y="4873625"/>
+            <a:chExt cx="1935163" cy="434975"/>
+          </a:xfrm>
+        </p:grpSpPr>
+        <p:sp>
+          <p:nvSpPr>
+            <p:cNvPr id="22" name="Rectangle 21"/>
+            <p:cNvSpPr/>
+            <p:nvPr/>
+          </p:nvSpPr>
+          <p:spPr>
+            <a:xfrm>
+              <a:off x="2181225" y="4873625"/>
+              <a:ext cx="1935163" cy="434975"/>
+            </a:xfrm>
+            <a:prstGeom prst="rect">
+              <a:avLst/>
+            </a:prstGeom>
+            <a:solidFill>
+              <a:schemeClr val="tx2"/>
+            </a:solidFill>
+          </p:spPr>
+          <p:style>
+            <a:lnRef idx="1">
+              <a:schemeClr val="accent1"/>
+            </a:lnRef>
+            <a:fillRef idx="3">
+              <a:schemeClr val="accent1"/>
+            </a:fillRef>
+            <a:effectRef idx="2">
+              <a:schemeClr val="accent1"/>
+            </a:effectRef>
+            <a:fontRef idx="minor">
+              <a:schemeClr val="lt1"/>
+            </a:fontRef>
+          </p:style>
+          <p:txBody>
+            <a:bodyPr anchor="ctr"/>
+            <a:lstStyle/>
+            <a:p>
+              <a:pPr algn="ctr" fontAlgn="auto">
+                <a:spcBef>
+                  <a:spcPts val="0"/>
+                </a:spcBef>
+                <a:spcAft>
+                  <a:spcPts val="0"/>
+                </a:spcAft>
+                <a:defRPr/>
+              </a:pPr>
+              <a:r>
+                <a:rPr lang="en-US" dirty="0"/>
+                <a:t>Exam study</a:t>
+              </a:r>
+            </a:p>
+          </p:txBody>
+        </p:sp>
+        <p:sp>
+          <p:nvSpPr>
+            <p:cNvPr id="22543" name="TextBox 28"/>
+            <p:cNvSpPr txBox="1">
+              <a:spLocks noChangeArrowheads="1"/>
+            </p:cNvSpPr>
+            <p:nvPr/>
+          </p:nvSpPr>
+          <p:spPr bwMode="auto">
+            <a:xfrm>
+              <a:off x="3674741" y="4895850"/>
+              <a:ext cx="441647" cy="369332"/>
+            </a:xfrm>
+            <a:prstGeom prst="rect">
+              <a:avLst/>
+            </a:prstGeom>
+            <a:noFill/>
+            <a:ln>
+              <a:noFill/>
+            </a:ln>
+            <a:extLst>
+              <a:ext uri="{909E8E84-426E-40dd-AFC4-6F175D3DCCD1}">
+                <a14:hiddenFill xmlns:a14="http://schemas.microsoft.com/office/drawing/2010/main">
+                  <a:solidFill>
+                    <a:srgbClr val="FFFFFF"/>
+                  </a:solidFill>
+                </a14:hiddenFill>
+              </a:ext>
+              <a:ext uri="{91240B29-F687-4f45-9708-019B960494DF}">
+                <a14:hiddenLine xmlns:a14="http://schemas.microsoft.com/office/drawing/2010/main" w="9525">
+                  <a:solidFill>
+                    <a:srgbClr val="000000"/>
+                  </a:solidFill>
+                  <a:miter lim="800000"/>
+                  <a:headEnd/>
+                  <a:tailEnd/>
+                </a14:hiddenLine>
+              </a:ext>
+            </a:extLst>
+          </p:spPr>
+          <p:txBody>
+            <a:bodyPr wrap="none">
+              <a:spAutoFit/>
+            </a:bodyPr>
+            <a:lstStyle>
+              <a:lvl1pPr eaLnBrk="0" hangingPunct="0">
+                <a:defRPr sz="2400">
+                  <a:solidFill>
+                    <a:schemeClr val="tx1"/>
+                  </a:solidFill>
+                  <a:latin typeface="Arial" charset="0"/>
+                  <a:ea typeface="ＭＳ Ｐゴシック" charset="0"/>
+                  <a:cs typeface="ＭＳ Ｐゴシック" charset="0"/>
+                </a:defRPr>
+              </a:lvl1pPr>
+              <a:lvl2pPr marL="742950" indent="-285750" eaLnBrk="0" hangingPunct="0">
+                <a:defRPr sz="2400">
+                  <a:solidFill>
+                    <a:schemeClr val="tx1"/>
+                  </a:solidFill>
+                  <a:latin typeface="Arial" charset="0"/>
+                  <a:ea typeface="ＭＳ Ｐゴシック" charset="0"/>
+                </a:defRPr>
+              </a:lvl2pPr>
+              <a:lvl3pPr marL="1143000" indent="-228600" eaLnBrk="0" hangingPunct="0">
+                <a:defRPr sz="2400">
+                  <a:solidFill>
+                    <a:schemeClr val="tx1"/>
+                  </a:solidFill>
+                  <a:latin typeface="Arial" charset="0"/>
+                  <a:ea typeface="ＭＳ Ｐゴシック" charset="0"/>
+                </a:defRPr>
+              </a:lvl3pPr>
+              <a:lvl4pPr marL="1600200" indent="-228600" eaLnBrk="0" hangingPunct="0">
+                <a:defRPr sz="2400">
+                  <a:solidFill>
+                    <a:schemeClr val="tx1"/>
+                  </a:solidFill>
+                  <a:latin typeface="Arial" charset="0"/>
+                  <a:ea typeface="ＭＳ Ｐゴシック" charset="0"/>
+                </a:defRPr>
+              </a:lvl4pPr>
+              <a:lvl5pPr marL="2057400" indent="-228600" eaLnBrk="0" hangingPunct="0">
+                <a:defRPr sz="2400">
+                  <a:solidFill>
+                    <a:schemeClr val="tx1"/>
+                  </a:solidFill>
+                  <a:latin typeface="Arial" charset="0"/>
+                  <a:ea typeface="ＭＳ Ｐゴシック" charset="0"/>
+                </a:defRPr>
+              </a:lvl5pPr>
+              <a:lvl6pPr marL="2514600" indent="-228600" eaLnBrk="0" fontAlgn="base" hangingPunct="0">
+                <a:spcBef>
+                  <a:spcPct val="0"/>
+                </a:spcBef>
+                <a:spcAft>
+                  <a:spcPct val="0"/>
+                </a:spcAft>
+                <a:defRPr sz="2400">
+                  <a:solidFill>
+                    <a:schemeClr val="tx1"/>
+                  </a:solidFill>
+                  <a:latin typeface="Arial" charset="0"/>
+                  <a:ea typeface="ＭＳ Ｐゴシック" charset="0"/>
+                </a:defRPr>
+              </a:lvl6pPr>
+              <a:lvl7pPr marL="2971800" indent="-228600" eaLnBrk="0" fontAlgn="base" hangingPunct="0">
+                <a:spcBef>
+                  <a:spcPct val="0"/>
+                </a:spcBef>
+                <a:spcAft>
+                  <a:spcPct val="0"/>
+                </a:spcAft>
+                <a:defRPr sz="2400">
+                  <a:solidFill>
+                    <a:schemeClr val="tx1"/>
+                  </a:solidFill>
+                  <a:latin typeface="Arial" charset="0"/>
+                  <a:ea typeface="ＭＳ Ｐゴシック" charset="0"/>
+                </a:defRPr>
+              </a:lvl7pPr>
+              <a:lvl8pPr marL="3429000" indent="-228600" eaLnBrk="0" fontAlgn="base" hangingPunct="0">
+                <a:spcBef>
+                  <a:spcPct val="0"/>
+                </a:spcBef>
+                <a:spcAft>
+                  <a:spcPct val="0"/>
+                </a:spcAft>
+                <a:defRPr sz="2400">
+                  <a:solidFill>
+                    <a:schemeClr val="tx1"/>
+                  </a:solidFill>
+                  <a:latin typeface="Arial" charset="0"/>
+                  <a:ea typeface="ＭＳ Ｐゴシック" charset="0"/>
+                </a:defRPr>
+              </a:lvl8pPr>
+              <a:lvl9pPr marL="3886200" indent="-228600" eaLnBrk="0" fontAlgn="base" hangingPunct="0">
+                <a:spcBef>
+                  <a:spcPct val="0"/>
+                </a:spcBef>
+                <a:spcAft>
+                  <a:spcPct val="0"/>
+                </a:spcAft>
+                <a:defRPr sz="2400">
+                  <a:solidFill>
+                    <a:schemeClr val="tx1"/>
+                  </a:solidFill>
+                  <a:latin typeface="Arial" charset="0"/>
+                  <a:ea typeface="ＭＳ Ｐゴシック" charset="0"/>
+                </a:defRPr>
+              </a:lvl9pPr>
+            </a:lstStyle>
+            <a:p>
+              <a:pPr eaLnBrk="1" hangingPunct="1"/>
+              <a:r>
+                <a:rPr lang="en-US" sz="1800">
+                  <a:solidFill>
+                    <a:schemeClr val="bg1"/>
+                  </a:solidFill>
+                  <a:latin typeface="Calibri" charset="0"/>
+                </a:rPr>
+                <a:t>(2)</a:t>
+              </a:r>
+            </a:p>
+          </p:txBody>
+        </p:sp>
+      </p:grpSp>
+      <p:grpSp>
+        <p:nvGrpSpPr>
+          <p:cNvPr id="13" name="Group 30"/>
+          <p:cNvGrpSpPr>
+            <a:grpSpLocks/>
+          </p:cNvGrpSpPr>
+          <p:nvPr/>
+        </p:nvGrpSpPr>
+        <p:grpSpPr bwMode="auto">
+          <a:xfrm>
+            <a:off x="652463" y="3592513"/>
+            <a:ext cx="5187950" cy="434975"/>
+            <a:chOff x="652463" y="3592513"/>
+            <a:chExt cx="5187950" cy="434975"/>
+          </a:xfrm>
+        </p:grpSpPr>
+        <p:sp>
+          <p:nvSpPr>
+            <p:cNvPr id="24" name="Rectangle 23"/>
+            <p:cNvSpPr/>
+            <p:nvPr/>
+          </p:nvSpPr>
+          <p:spPr>
+            <a:xfrm>
+              <a:off x="652463" y="3592513"/>
+              <a:ext cx="5187950" cy="434975"/>
+            </a:xfrm>
+            <a:prstGeom prst="rect">
+              <a:avLst/>
+            </a:prstGeom>
+            <a:solidFill>
+              <a:schemeClr val="bg2">
+                <a:lumMod val="25000"/>
+              </a:schemeClr>
+            </a:solidFill>
+          </p:spPr>
+          <p:style>
+            <a:lnRef idx="1">
+              <a:schemeClr val="accent1"/>
+            </a:lnRef>
+            <a:fillRef idx="3">
+              <a:schemeClr val="accent1"/>
+            </a:fillRef>
+            <a:effectRef idx="2">
+              <a:schemeClr val="accent1"/>
+            </a:effectRef>
+            <a:fontRef idx="minor">
+              <a:schemeClr val="lt1"/>
+            </a:fontRef>
+          </p:style>
+          <p:txBody>
+            <a:bodyPr anchor="ctr"/>
+            <a:lstStyle/>
+            <a:p>
+              <a:pPr algn="ctr" fontAlgn="auto">
+                <a:spcBef>
+                  <a:spcPts val="0"/>
+                </a:spcBef>
+                <a:spcAft>
+                  <a:spcPts val="0"/>
+                </a:spcAft>
+                <a:defRPr/>
+              </a:pPr>
+              <a:r>
+                <a:rPr lang="en-US" dirty="0"/>
+                <a:t>Write up a term paper</a:t>
+              </a:r>
+            </a:p>
+          </p:txBody>
+        </p:sp>
+        <p:sp>
+          <p:nvSpPr>
+            <p:cNvPr id="22541" name="TextBox 29"/>
+            <p:cNvSpPr txBox="1">
+              <a:spLocks noChangeArrowheads="1"/>
+            </p:cNvSpPr>
+            <p:nvPr/>
+          </p:nvSpPr>
+          <p:spPr bwMode="auto">
+            <a:xfrm>
+              <a:off x="4692534" y="3592513"/>
+              <a:ext cx="558642" cy="369332"/>
+            </a:xfrm>
+            <a:prstGeom prst="rect">
+              <a:avLst/>
+            </a:prstGeom>
+            <a:noFill/>
+            <a:ln>
+              <a:noFill/>
+            </a:ln>
+            <a:extLst>
+              <a:ext uri="{909E8E84-426E-40dd-AFC4-6F175D3DCCD1}">
+                <a14:hiddenFill xmlns:a14="http://schemas.microsoft.com/office/drawing/2010/main">
+                  <a:solidFill>
+                    <a:srgbClr val="FFFFFF"/>
+                  </a:solidFill>
+                </a14:hiddenFill>
+              </a:ext>
+              <a:ext uri="{91240B29-F687-4f45-9708-019B960494DF}">
+                <a14:hiddenLine xmlns:a14="http://schemas.microsoft.com/office/drawing/2010/main" w="9525">
+                  <a:solidFill>
+                    <a:srgbClr val="000000"/>
+                  </a:solidFill>
+                  <a:miter lim="800000"/>
+                  <a:headEnd/>
+                  <a:tailEnd/>
+                </a14:hiddenLine>
+              </a:ext>
+            </a:extLst>
+          </p:spPr>
+          <p:txBody>
+            <a:bodyPr wrap="none">
+              <a:spAutoFit/>
+            </a:bodyPr>
+            <a:lstStyle>
+              <a:lvl1pPr eaLnBrk="0" hangingPunct="0">
+                <a:defRPr sz="2400">
+                  <a:solidFill>
+                    <a:schemeClr val="tx1"/>
+                  </a:solidFill>
+                  <a:latin typeface="Arial" charset="0"/>
+                  <a:ea typeface="ＭＳ Ｐゴシック" charset="0"/>
+                  <a:cs typeface="ＭＳ Ｐゴシック" charset="0"/>
+                </a:defRPr>
+              </a:lvl1pPr>
+              <a:lvl2pPr marL="742950" indent="-285750" eaLnBrk="0" hangingPunct="0">
+                <a:defRPr sz="2400">
+                  <a:solidFill>
+                    <a:schemeClr val="tx1"/>
+                  </a:solidFill>
+                  <a:latin typeface="Arial" charset="0"/>
+                  <a:ea typeface="ＭＳ Ｐゴシック" charset="0"/>
+                </a:defRPr>
+              </a:lvl2pPr>
+              <a:lvl3pPr marL="1143000" indent="-228600" eaLnBrk="0" hangingPunct="0">
+                <a:defRPr sz="2400">
+                  <a:solidFill>
+                    <a:schemeClr val="tx1"/>
+                  </a:solidFill>
+                  <a:latin typeface="Arial" charset="0"/>
+                  <a:ea typeface="ＭＳ Ｐゴシック" charset="0"/>
+                </a:defRPr>
+              </a:lvl3pPr>
+              <a:lvl4pPr marL="1600200" indent="-228600" eaLnBrk="0" hangingPunct="0">
+                <a:defRPr sz="2400">
+                  <a:solidFill>
+                    <a:schemeClr val="tx1"/>
+                  </a:solidFill>
+                  <a:latin typeface="Arial" charset="0"/>
+                  <a:ea typeface="ＭＳ Ｐゴシック" charset="0"/>
+                </a:defRPr>
+              </a:lvl4pPr>
+              <a:lvl5pPr marL="2057400" indent="-228600" eaLnBrk="0" hangingPunct="0">
+                <a:defRPr sz="2400">
+                  <a:solidFill>
+                    <a:schemeClr val="tx1"/>
+                  </a:solidFill>
+                  <a:latin typeface="Arial" charset="0"/>
+                  <a:ea typeface="ＭＳ Ｐゴシック" charset="0"/>
+                </a:defRPr>
+              </a:lvl5pPr>
+              <a:lvl6pPr marL="2514600" indent="-228600" eaLnBrk="0" fontAlgn="base" hangingPunct="0">
+                <a:spcBef>
+                  <a:spcPct val="0"/>
+                </a:spcBef>
+                <a:spcAft>
+                  <a:spcPct val="0"/>
+                </a:spcAft>
+                <a:defRPr sz="2400">
+                  <a:solidFill>
+                    <a:schemeClr val="tx1"/>
+                  </a:solidFill>
+                  <a:latin typeface="Arial" charset="0"/>
+                  <a:ea typeface="ＭＳ Ｐゴシック" charset="0"/>
+                </a:defRPr>
+              </a:lvl6pPr>
+              <a:lvl7pPr marL="2971800" indent="-228600" eaLnBrk="0" fontAlgn="base" hangingPunct="0">
+                <a:spcBef>
+                  <a:spcPct val="0"/>
+                </a:spcBef>
+                <a:spcAft>
+                  <a:spcPct val="0"/>
+                </a:spcAft>
+                <a:defRPr sz="2400">
+                  <a:solidFill>
+                    <a:schemeClr val="tx1"/>
+                  </a:solidFill>
+                  <a:latin typeface="Arial" charset="0"/>
+                  <a:ea typeface="ＭＳ Ｐゴシック" charset="0"/>
+                </a:defRPr>
+              </a:lvl7pPr>
+              <a:lvl8pPr marL="3429000" indent="-228600" eaLnBrk="0" fontAlgn="base" hangingPunct="0">
+                <a:spcBef>
+                  <a:spcPct val="0"/>
+                </a:spcBef>
+                <a:spcAft>
+                  <a:spcPct val="0"/>
+                </a:spcAft>
+                <a:defRPr sz="2400">
+                  <a:solidFill>
+                    <a:schemeClr val="tx1"/>
+                  </a:solidFill>
+                  <a:latin typeface="Arial" charset="0"/>
+                  <a:ea typeface="ＭＳ Ｐゴシック" charset="0"/>
+                </a:defRPr>
+              </a:lvl8pPr>
+              <a:lvl9pPr marL="3886200" indent="-228600" eaLnBrk="0" fontAlgn="base" hangingPunct="0">
+                <a:spcBef>
+                  <a:spcPct val="0"/>
+                </a:spcBef>
+                <a:spcAft>
+                  <a:spcPct val="0"/>
+                </a:spcAft>
+                <a:defRPr sz="2400">
+                  <a:solidFill>
+                    <a:schemeClr val="tx1"/>
+                  </a:solidFill>
+                  <a:latin typeface="Arial" charset="0"/>
+                  <a:ea typeface="ＭＳ Ｐゴシック" charset="0"/>
+                </a:defRPr>
+              </a:lvl9pPr>
+            </a:lstStyle>
+            <a:p>
+              <a:pPr eaLnBrk="1" hangingPunct="1"/>
+              <a:r>
+                <a:rPr lang="en-US" sz="1800">
+                  <a:solidFill>
+                    <a:schemeClr val="bg1"/>
+                  </a:solidFill>
+                  <a:latin typeface="Calibri" charset="0"/>
+                </a:rPr>
+                <a:t>(25)</a:t>
+              </a:r>
+            </a:p>
+          </p:txBody>
+        </p:sp>
+      </p:grpSp>
+      <p:sp>
+        <p:nvSpPr>
+          <p:cNvPr id="36" name="Cloud Callout 35"/>
+          <p:cNvSpPr/>
+          <p:nvPr/>
+        </p:nvSpPr>
+        <p:spPr>
+          <a:xfrm>
+            <a:off x="1241425" y="2408238"/>
+            <a:ext cx="4479925" cy="1009650"/>
           </a:xfrm>
           <a:prstGeom prst="cloudCallout">
             <a:avLst>
-              <a:gd name="adj1" fmla="val -98891"/>
-              <a:gd name="adj2" fmla="val -55136"/>
+              <a:gd name="adj1" fmla="val 19413"/>
+              <a:gd name="adj2" fmla="val 58488"/>
             </a:avLst>
           </a:prstGeom>
         </p:spPr>
@@ -4647,45 +5563,79 @@
           <a:bodyPr anchor="ctr"/>
           <a:lstStyle/>
           <a:p>
-            <a:pPr algn="ctr">
+            <a:pPr algn="ctr" fontAlgn="auto">
+              <a:spcBef>
+                <a:spcPts val="0"/>
+              </a:spcBef>
+              <a:spcAft>
+                <a:spcPts val="0"/>
+              </a:spcAft>
               <a:defRPr/>
             </a:pPr>
             <a:r>
-              <a:rPr lang="en-US" dirty="0" err="1">
-                <a:solidFill>
-                  <a:srgbClr val="B700B7"/>
-                </a:solidFill>
-              </a:rPr>
-              <a:t>p(j</a:t>
-            </a:r>
-            <a:r>
-              <a:rPr lang="en-US" dirty="0">
-                <a:solidFill>
-                  <a:srgbClr val="B700B7"/>
-                </a:solidFill>
-              </a:rPr>
-              <a:t>) &lt; </a:t>
-            </a:r>
-            <a:r>
-              <a:rPr lang="en-US" dirty="0" err="1">
-                <a:solidFill>
-                  <a:srgbClr val="B700B7"/>
-                </a:solidFill>
-              </a:rPr>
-              <a:t>j</a:t>
-            </a:r>
-            <a:endParaRPr lang="en-US" dirty="0">
-              <a:solidFill>
-                <a:srgbClr val="B700B7"/>
-              </a:solidFill>
-            </a:endParaRPr>
+              <a:rPr lang="en-US" dirty="0"/>
+              <a:t>OPT = 35</a:t>
+            </a:r>
+          </a:p>
+        </p:txBody>
+      </p:sp>
+      <p:sp>
+        <p:nvSpPr>
+          <p:cNvPr id="37" name="Rounded Rectangular Callout 36"/>
+          <p:cNvSpPr/>
+          <p:nvPr/>
+        </p:nvSpPr>
+        <p:spPr>
+          <a:xfrm>
+            <a:off x="7593013" y="3643313"/>
+            <a:ext cx="1541462" cy="911225"/>
+          </a:xfrm>
+          <a:prstGeom prst="wedgeRoundRectCallout">
+            <a:avLst>
+              <a:gd name="adj1" fmla="val -37008"/>
+              <a:gd name="adj2" fmla="val 169244"/>
+              <a:gd name="adj3" fmla="val 16667"/>
+            </a:avLst>
+          </a:prstGeom>
+        </p:spPr>
+        <p:style>
+          <a:lnRef idx="1">
+            <a:schemeClr val="accent1"/>
+          </a:lnRef>
+          <a:fillRef idx="3">
+            <a:schemeClr val="accent1"/>
+          </a:fillRef>
+          <a:effectRef idx="2">
+            <a:schemeClr val="accent1"/>
+          </a:effectRef>
+          <a:fontRef idx="minor">
+            <a:schemeClr val="lt1"/>
+          </a:fontRef>
+        </p:style>
+        <p:txBody>
+          <a:bodyPr anchor="ctr"/>
+          <a:lstStyle/>
+          <a:p>
+            <a:pPr algn="ctr" fontAlgn="auto">
+              <a:spcBef>
+                <a:spcPts val="0"/>
+              </a:spcBef>
+              <a:spcAft>
+                <a:spcPts val="0"/>
+              </a:spcAft>
+              <a:defRPr/>
+            </a:pPr>
+            <a:r>
+              <a:rPr lang="en-US" dirty="0"/>
+              <a:t>Greedy = 30</a:t>
+            </a:r>
           </a:p>
         </p:txBody>
       </p:sp>
     </p:spTree>
     <p:extLst>
       <p:ext uri="{BB962C8B-B14F-4D97-AF65-F5344CB8AC3E}">
-        <p14:creationId xmlns:p14="http://schemas.microsoft.com/office/powerpoint/2010/main" val="1534942967"/>
+        <p14:creationId xmlns:p14="http://schemas.microsoft.com/office/powerpoint/2010/main" val="1826427703"/>
       </p:ext>
     </p:extLst>
   </p:cSld>
@@ -4713,20 +5663,313 @@
                             </p:stCondLst>
                             <p:childTnLst>
                               <p:par>
-                                <p:cTn id="5" presetID="1" presetClass="entr" presetSubtype="0" fill="hold" grpId="0" nodeType="clickEffect">
+                                <p:cTn id="5" presetID="35" presetClass="emph" presetSubtype="0" fill="hold" nodeType="clickEffect">
+                                  <p:stCondLst>
+                                    <p:cond delay="0"/>
+                                  </p:stCondLst>
+                                  <p:childTnLst>
+                                    <p:anim calcmode="discrete" valueType="str">
+                                      <p:cBhvr>
+                                        <p:cTn id="6" dur="1000" fill="hold"/>
+                                        <p:tgtEl>
+                                          <p:spTgt spid="3"/>
+                                        </p:tgtEl>
+                                        <p:attrNameLst>
+                                          <p:attrName>style.visibility</p:attrName>
+                                        </p:attrNameLst>
+                                      </p:cBhvr>
+                                      <p:tavLst>
+                                        <p:tav tm="0">
+                                          <p:val>
+                                            <p:strVal val="hidden"/>
+                                          </p:val>
+                                        </p:tav>
+                                        <p:tav tm="50000">
+                                          <p:val>
+                                            <p:strVal val="visible"/>
+                                          </p:val>
+                                        </p:tav>
+                                      </p:tavLst>
+                                    </p:anim>
+                                  </p:childTnLst>
+                                </p:cTn>
+                              </p:par>
+                            </p:childTnLst>
+                          </p:cTn>
+                        </p:par>
+                      </p:childTnLst>
+                    </p:cTn>
+                  </p:par>
+                  <p:par>
+                    <p:cTn id="7" fill="hold" nodeType="clickPar">
+                      <p:stCondLst>
+                        <p:cond delay="indefinite"/>
+                      </p:stCondLst>
+                      <p:childTnLst>
+                        <p:par>
+                          <p:cTn id="8" fill="hold" nodeType="withGroup">
+                            <p:stCondLst>
+                              <p:cond delay="0"/>
+                            </p:stCondLst>
+                            <p:childTnLst>
+                              <p:par>
+                                <p:cTn id="9" presetID="1" presetClass="exit" presetSubtype="0" fill="hold" nodeType="clickEffect">
                                   <p:stCondLst>
                                     <p:cond delay="0"/>
                                   </p:stCondLst>
                                   <p:childTnLst>
                                     <p:set>
                                       <p:cBhvr>
-                                        <p:cTn id="6" dur="1" fill="hold">
+                                        <p:cTn id="10" dur="1" fill="hold">
                                           <p:stCondLst>
                                             <p:cond delay="0"/>
                                           </p:stCondLst>
                                         </p:cTn>
                                         <p:tgtEl>
-                                          <p:spTgt spid="6"/>
+                                          <p:spTgt spid="13"/>
+                                        </p:tgtEl>
+                                        <p:attrNameLst>
+                                          <p:attrName>style.visibility</p:attrName>
+                                        </p:attrNameLst>
+                                      </p:cBhvr>
+                                      <p:to>
+                                        <p:strVal val="hidden"/>
+                                      </p:to>
+                                    </p:set>
+                                  </p:childTnLst>
+                                </p:cTn>
+                              </p:par>
+                              <p:par>
+                                <p:cTn id="11" presetID="1" presetClass="exit" presetSubtype="0" fill="hold" nodeType="withEffect">
+                                  <p:stCondLst>
+                                    <p:cond delay="0"/>
+                                  </p:stCondLst>
+                                  <p:childTnLst>
+                                    <p:set>
+                                      <p:cBhvr>
+                                        <p:cTn id="12" dur="1" fill="hold">
+                                          <p:stCondLst>
+                                            <p:cond delay="0"/>
+                                          </p:stCondLst>
+                                        </p:cTn>
+                                        <p:tgtEl>
+                                          <p:spTgt spid="8"/>
+                                        </p:tgtEl>
+                                        <p:attrNameLst>
+                                          <p:attrName>style.visibility</p:attrName>
+                                        </p:attrNameLst>
+                                      </p:cBhvr>
+                                      <p:to>
+                                        <p:strVal val="hidden"/>
+                                      </p:to>
+                                    </p:set>
+                                  </p:childTnLst>
+                                </p:cTn>
+                              </p:par>
+                              <p:par>
+                                <p:cTn id="13" presetID="1" presetClass="exit" presetSubtype="0" fill="hold" nodeType="withEffect">
+                                  <p:stCondLst>
+                                    <p:cond delay="0"/>
+                                  </p:stCondLst>
+                                  <p:childTnLst>
+                                    <p:set>
+                                      <p:cBhvr>
+                                        <p:cTn id="14" dur="1" fill="hold">
+                                          <p:stCondLst>
+                                            <p:cond delay="0"/>
+                                          </p:stCondLst>
+                                        </p:cTn>
+                                        <p:tgtEl>
+                                          <p:spTgt spid="21511"/>
+                                        </p:tgtEl>
+                                        <p:attrNameLst>
+                                          <p:attrName>style.visibility</p:attrName>
+                                        </p:attrNameLst>
+                                      </p:cBhvr>
+                                      <p:to>
+                                        <p:strVal val="hidden"/>
+                                      </p:to>
+                                    </p:set>
+                                  </p:childTnLst>
+                                </p:cTn>
+                              </p:par>
+                              <p:par>
+                                <p:cTn id="15" presetID="1" presetClass="exit" presetSubtype="0" fill="hold" nodeType="withEffect">
+                                  <p:stCondLst>
+                                    <p:cond delay="0"/>
+                                  </p:stCondLst>
+                                  <p:childTnLst>
+                                    <p:set>
+                                      <p:cBhvr>
+                                        <p:cTn id="16" dur="1" fill="hold">
+                                          <p:stCondLst>
+                                            <p:cond delay="0"/>
+                                          </p:stCondLst>
+                                        </p:cTn>
+                                        <p:tgtEl>
+                                          <p:spTgt spid="21510"/>
+                                        </p:tgtEl>
+                                        <p:attrNameLst>
+                                          <p:attrName>style.visibility</p:attrName>
+                                        </p:attrNameLst>
+                                      </p:cBhvr>
+                                      <p:to>
+                                        <p:strVal val="hidden"/>
+                                      </p:to>
+                                    </p:set>
+                                  </p:childTnLst>
+                                </p:cTn>
+                              </p:par>
+                            </p:childTnLst>
+                          </p:cTn>
+                        </p:par>
+                      </p:childTnLst>
+                    </p:cTn>
+                  </p:par>
+                  <p:par>
+                    <p:cTn id="17" fill="hold" nodeType="clickPar">
+                      <p:stCondLst>
+                        <p:cond delay="indefinite"/>
+                      </p:stCondLst>
+                      <p:childTnLst>
+                        <p:par>
+                          <p:cTn id="18" fill="hold" nodeType="withGroup">
+                            <p:stCondLst>
+                              <p:cond delay="0"/>
+                            </p:stCondLst>
+                            <p:childTnLst>
+                              <p:par>
+                                <p:cTn id="19" presetID="1" presetClass="entr" presetSubtype="0" fill="hold" grpId="0" nodeType="clickEffect">
+                                  <p:stCondLst>
+                                    <p:cond delay="0"/>
+                                  </p:stCondLst>
+                                  <p:childTnLst>
+                                    <p:set>
+                                      <p:cBhvr>
+                                        <p:cTn id="20" dur="1" fill="hold">
+                                          <p:stCondLst>
+                                            <p:cond delay="0"/>
+                                          </p:stCondLst>
+                                        </p:cTn>
+                                        <p:tgtEl>
+                                          <p:spTgt spid="37"/>
+                                        </p:tgtEl>
+                                        <p:attrNameLst>
+                                          <p:attrName>style.visibility</p:attrName>
+                                        </p:attrNameLst>
+                                      </p:cBhvr>
+                                      <p:to>
+                                        <p:strVal val="visible"/>
+                                      </p:to>
+                                    </p:set>
+                                  </p:childTnLst>
+                                </p:cTn>
+                              </p:par>
+                            </p:childTnLst>
+                          </p:cTn>
+                        </p:par>
+                      </p:childTnLst>
+                    </p:cTn>
+                  </p:par>
+                  <p:par>
+                    <p:cTn id="21" fill="hold" nodeType="clickPar">
+                      <p:stCondLst>
+                        <p:cond delay="indefinite"/>
+                      </p:stCondLst>
+                      <p:childTnLst>
+                        <p:par>
+                          <p:cTn id="22" fill="hold" nodeType="withGroup">
+                            <p:stCondLst>
+                              <p:cond delay="0"/>
+                            </p:stCondLst>
+                            <p:childTnLst>
+                              <p:par>
+                                <p:cTn id="23" presetID="1" presetClass="entr" presetSubtype="0" fill="hold" nodeType="clickEffect">
+                                  <p:stCondLst>
+                                    <p:cond delay="0"/>
+                                  </p:stCondLst>
+                                  <p:childTnLst>
+                                    <p:set>
+                                      <p:cBhvr>
+                                        <p:cTn id="24" dur="1" fill="hold">
+                                          <p:stCondLst>
+                                            <p:cond delay="0"/>
+                                          </p:stCondLst>
+                                        </p:cTn>
+                                        <p:tgtEl>
+                                          <p:spTgt spid="21510"/>
+                                        </p:tgtEl>
+                                        <p:attrNameLst>
+                                          <p:attrName>style.visibility</p:attrName>
+                                        </p:attrNameLst>
+                                      </p:cBhvr>
+                                      <p:to>
+                                        <p:strVal val="visible"/>
+                                      </p:to>
+                                    </p:set>
+                                  </p:childTnLst>
+                                </p:cTn>
+                              </p:par>
+                              <p:par>
+                                <p:cTn id="25" presetID="1" presetClass="entr" presetSubtype="0" fill="hold" nodeType="withEffect">
+                                  <p:stCondLst>
+                                    <p:cond delay="0"/>
+                                  </p:stCondLst>
+                                  <p:childTnLst>
+                                    <p:set>
+                                      <p:cBhvr>
+                                        <p:cTn id="26" dur="1" fill="hold">
+                                          <p:stCondLst>
+                                            <p:cond delay="0"/>
+                                          </p:stCondLst>
+                                        </p:cTn>
+                                        <p:tgtEl>
+                                          <p:spTgt spid="13"/>
+                                        </p:tgtEl>
+                                        <p:attrNameLst>
+                                          <p:attrName>style.visibility</p:attrName>
+                                        </p:attrNameLst>
+                                      </p:cBhvr>
+                                      <p:to>
+                                        <p:strVal val="visible"/>
+                                      </p:to>
+                                    </p:set>
+                                  </p:childTnLst>
+                                </p:cTn>
+                              </p:par>
+                            </p:childTnLst>
+                          </p:cTn>
+                        </p:par>
+                      </p:childTnLst>
+                    </p:cTn>
+                  </p:par>
+                  <p:par>
+                    <p:cTn id="27" fill="hold" nodeType="clickPar">
+                      <p:stCondLst>
+                        <p:cond delay="indefinite"/>
+                      </p:stCondLst>
+                      <p:childTnLst>
+                        <p:par>
+                          <p:cTn id="28" fill="hold" nodeType="withGroup">
+                            <p:stCondLst>
+                              <p:cond delay="0"/>
+                            </p:stCondLst>
+                            <p:childTnLst>
+                              <p:par>
+                                <p:cTn id="29" presetID="1" presetClass="entr" presetSubtype="0" fill="hold" grpId="0" nodeType="clickEffect">
+                                  <p:stCondLst>
+                                    <p:cond delay="0"/>
+                                  </p:stCondLst>
+                                  <p:childTnLst>
+                                    <p:set>
+                                      <p:cBhvr>
+                                        <p:cTn id="30" dur="1" fill="hold">
+                                          <p:stCondLst>
+                                            <p:cond delay="0"/>
+                                          </p:stCondLst>
+                                        </p:cTn>
+                                        <p:tgtEl>
+                                          <p:spTgt spid="36"/>
                                         </p:tgtEl>
                                         <p:attrNameLst>
                                           <p:attrName>style.visibility</p:attrName>
@@ -4767,8 +6010,100 @@
       </p:par>
     </p:tnLst>
     <p:bldLst>
-      <p:bldP spid="6" grpId="0" animBg="1"/>
+      <p:bldP spid="36" grpId="0" animBg="1"/>
+      <p:bldP spid="37" grpId="0" animBg="1"/>
     </p:bldLst>
+  </p:timing>
+</p:sld>
+</file>
+
+<file path=ppt/slides/slide11.xml><?xml version="1.0" encoding="utf-8"?>
+<p:sld xmlns:a="http://schemas.openxmlformats.org/drawingml/2006/main" xmlns:r="http://schemas.openxmlformats.org/officeDocument/2006/relationships" xmlns:p="http://schemas.openxmlformats.org/presentationml/2006/main">
+  <p:cSld>
+    <p:spTree>
+      <p:nvGrpSpPr>
+        <p:cNvPr id="1" name=""/>
+        <p:cNvGrpSpPr/>
+        <p:nvPr/>
+      </p:nvGrpSpPr>
+      <p:grpSpPr>
+        <a:xfrm>
+          <a:off x="0" y="0"/>
+          <a:ext cx="0" cy="0"/>
+          <a:chOff x="0" y="0"/>
+          <a:chExt cx="0" cy="0"/>
+        </a:xfrm>
+      </p:grpSpPr>
+      <p:pic>
+        <p:nvPicPr>
+          <p:cNvPr id="23556" name="Picture 2" descr="recursionagain.jpg"/>
+          <p:cNvPicPr>
+            <a:picLocks noChangeAspect="1"/>
+          </p:cNvPicPr>
+          <p:nvPr/>
+        </p:nvPicPr>
+        <p:blipFill>
+          <a:blip r:embed="rId2">
+            <a:extLst>
+              <a:ext uri="{28A0092B-C50C-407E-A947-70E740481C1C}">
+                <a14:useLocalDpi xmlns:a14="http://schemas.microsoft.com/office/drawing/2010/main" val="0"/>
+              </a:ext>
+            </a:extLst>
+          </a:blip>
+          <a:srcRect/>
+          <a:stretch>
+            <a:fillRect/>
+          </a:stretch>
+        </p:blipFill>
+        <p:spPr bwMode="auto">
+          <a:xfrm>
+            <a:off x="511175" y="173781"/>
+            <a:ext cx="8175625" cy="6538522"/>
+          </a:xfrm>
+          <a:prstGeom prst="rect">
+            <a:avLst/>
+          </a:prstGeom>
+          <a:noFill/>
+          <a:ln>
+            <a:noFill/>
+          </a:ln>
+          <a:extLst>
+            <a:ext uri="{909E8E84-426E-40dd-AFC4-6F175D3DCCD1}">
+              <a14:hiddenFill xmlns:a14="http://schemas.microsoft.com/office/drawing/2010/main">
+                <a:solidFill>
+                  <a:srgbClr val="FFFFFF"/>
+                </a:solidFill>
+              </a14:hiddenFill>
+            </a:ext>
+            <a:ext uri="{91240B29-F687-4f45-9708-019B960494DF}">
+              <a14:hiddenLine xmlns:a14="http://schemas.microsoft.com/office/drawing/2010/main" w="9525">
+                <a:solidFill>
+                  <a:srgbClr val="000000"/>
+                </a:solidFill>
+                <a:miter lim="800000"/>
+                <a:headEnd/>
+                <a:tailEnd/>
+              </a14:hiddenLine>
+            </a:ext>
+          </a:extLst>
+        </p:spPr>
+      </p:pic>
+    </p:spTree>
+    <p:extLst>
+      <p:ext uri="{BB962C8B-B14F-4D97-AF65-F5344CB8AC3E}">
+        <p14:creationId xmlns:p14="http://schemas.microsoft.com/office/powerpoint/2010/main" val="2045952981"/>
+      </p:ext>
+    </p:extLst>
+  </p:cSld>
+  <p:clrMapOvr>
+    <a:masterClrMapping/>
+  </p:clrMapOvr>
+  <p:timing>
+    <p:tnLst>
+      <p:par>
+        <p:cTn xmlns:p14="http://schemas.microsoft.com/office/powerpoint/2010/main" id="1" dur="indefinite" restart="never" nodeType="tmRoot"/>
+      </p:par>
+    </p:tnLst>
   </p:timing>
 </p:sld>
 </file>
@@ -13404,7 +14739,7 @@
                 <a:ea typeface="ＭＳ Ｐゴシック" charset="0"/>
                 <a:cs typeface="ＭＳ Ｐゴシック" charset="0"/>
               </a:rPr>
-              <a:t>Recursion+ memory = Iteration</a:t>
+              <a:t>Recursion + memory = Iteration</a:t>
             </a:r>
           </a:p>
         </p:txBody>
@@ -14467,6 +15802,35 @@
                 </a:solidFill>
               </a:rPr>
               <a:t>run time</a:t>
+            </a:r>
+          </a:p>
+        </p:txBody>
+      </p:sp>
+      <p:sp>
+        <p:nvSpPr>
+          <p:cNvPr id="4" name="TextBox 3"/>
+          <p:cNvSpPr txBox="1"/>
+          <p:nvPr/>
+        </p:nvSpPr>
+        <p:spPr>
+          <a:xfrm>
+            <a:off x="3146778" y="5916613"/>
+            <a:ext cx="2441222" cy="646331"/>
+          </a:xfrm>
+          <a:prstGeom prst="rect">
+            <a:avLst/>
+          </a:prstGeom>
+          <a:noFill/>
+        </p:spPr>
+        <p:txBody>
+          <a:bodyPr wrap="square" rtlCol="0">
+            <a:spAutoFit/>
+          </a:bodyPr>
+          <a:lstStyle/>
+          <a:p>
+            <a:r>
+              <a:rPr lang="en-US"/>
+              <a:t>O(nlog(n)) since we have to sort first</a:t>
             </a:r>
           </a:p>
         </p:txBody>
@@ -14958,17 +16322,6 @@
               <a:defRPr/>
             </a:pPr>
             <a:r>
-              <a:rPr lang="ja-JP" altLang="en-US">
-                <a:solidFill>
-                  <a:srgbClr val="FFFFFF"/>
-                </a:solidFill>
-                <a:latin typeface="Calibri" charset="0"/>
-                <a:ea typeface="ＭＳ Ｐゴシック" charset="0"/>
-                <a:cs typeface="ＭＳ Ｐゴシック" charset="0"/>
-              </a:rPr>
-              <a:t>“</a:t>
-            </a:r>
-            <a:r>
               <a:rPr lang="en-US">
                 <a:solidFill>
                   <a:srgbClr val="FFFFFF"/>
@@ -14979,25 +16332,6 @@
               </a:rPr>
               <a:t>Implementation</a:t>
             </a:r>
-            <a:r>
-              <a:rPr lang="ja-JP" altLang="en-US">
-                <a:solidFill>
-                  <a:srgbClr val="FFFFFF"/>
-                </a:solidFill>
-                <a:latin typeface="Calibri" charset="0"/>
-                <a:ea typeface="ＭＳ Ｐゴシック" charset="0"/>
-                <a:cs typeface="ＭＳ Ｐゴシック" charset="0"/>
-              </a:rPr>
-              <a:t>”</a:t>
-            </a:r>
-            <a:endParaRPr lang="en-US">
-              <a:solidFill>
-                <a:srgbClr val="FFFFFF"/>
-              </a:solidFill>
-              <a:latin typeface="Calibri" charset="0"/>
-              <a:ea typeface="ＭＳ Ｐゴシック" charset="0"/>
-              <a:cs typeface="ＭＳ Ｐゴシック" charset="0"/>
-            </a:endParaRPr>
           </a:p>
         </p:txBody>
       </p:sp>
@@ -20656,6 +21990,1526 @@
       </p:grpSpPr>
       <p:sp>
         <p:nvSpPr>
+          <p:cNvPr id="24577" name="Title 1"/>
+          <p:cNvSpPr>
+            <a:spLocks noGrp="1"/>
+          </p:cNvSpPr>
+          <p:nvPr>
+            <p:ph type="title"/>
+          </p:nvPr>
+        </p:nvSpPr>
+        <p:spPr/>
+        <p:txBody>
+          <a:bodyPr/>
+          <a:lstStyle/>
+          <a:p>
+            <a:pPr eaLnBrk="1" hangingPunct="1"/>
+            <a:r>
+              <a:rPr lang="en-US">
+                <a:latin typeface="Calibri" charset="0"/>
+                <a:ea typeface="ＭＳ Ｐゴシック" charset="0"/>
+                <a:cs typeface="ＭＳ Ｐゴシック" charset="0"/>
+              </a:rPr>
+              <a:t>Weighted Interval Scheduling</a:t>
+            </a:r>
+          </a:p>
+        </p:txBody>
+      </p:sp>
+      <p:sp>
+        <p:nvSpPr>
+          <p:cNvPr id="24578" name="TextBox 2"/>
+          <p:cNvSpPr txBox="1">
+            <a:spLocks noChangeArrowheads="1"/>
+          </p:cNvSpPr>
+          <p:nvPr/>
+        </p:nvSpPr>
+        <p:spPr bwMode="auto">
+          <a:xfrm>
+            <a:off x="1389063" y="2344738"/>
+            <a:ext cx="2657475" cy="461962"/>
+          </a:xfrm>
+          <a:prstGeom prst="rect">
+            <a:avLst/>
+          </a:prstGeom>
+          <a:noFill/>
+          <a:ln>
+            <a:noFill/>
+          </a:ln>
+          <a:extLst>
+            <a:ext uri="{909E8E84-426E-40dd-AFC4-6F175D3DCCD1}">
+              <a14:hiddenFill xmlns:a14="http://schemas.microsoft.com/office/drawing/2010/main">
+                <a:solidFill>
+                  <a:srgbClr val="FFFFFF"/>
+                </a:solidFill>
+              </a14:hiddenFill>
+            </a:ext>
+            <a:ext uri="{91240B29-F687-4f45-9708-019B960494DF}">
+              <a14:hiddenLine xmlns:a14="http://schemas.microsoft.com/office/drawing/2010/main" w="9525">
+                <a:solidFill>
+                  <a:srgbClr val="000000"/>
+                </a:solidFill>
+                <a:miter lim="800000"/>
+                <a:headEnd/>
+                <a:tailEnd/>
+              </a14:hiddenLine>
+            </a:ext>
+          </a:extLst>
+        </p:spPr>
+        <p:txBody>
+          <a:bodyPr wrap="none">
+            <a:spAutoFit/>
+          </a:bodyPr>
+          <a:lstStyle>
+            <a:lvl1pPr eaLnBrk="0" hangingPunct="0">
+              <a:defRPr sz="2400">
+                <a:solidFill>
+                  <a:schemeClr val="tx1"/>
+                </a:solidFill>
+                <a:latin typeface="Arial" charset="0"/>
+                <a:ea typeface="ＭＳ Ｐゴシック" charset="0"/>
+                <a:cs typeface="ＭＳ Ｐゴシック" charset="0"/>
+              </a:defRPr>
+            </a:lvl1pPr>
+            <a:lvl2pPr marL="742950" indent="-285750" eaLnBrk="0" hangingPunct="0">
+              <a:defRPr sz="2400">
+                <a:solidFill>
+                  <a:schemeClr val="tx1"/>
+                </a:solidFill>
+                <a:latin typeface="Arial" charset="0"/>
+                <a:ea typeface="ＭＳ Ｐゴシック" charset="0"/>
+              </a:defRPr>
+            </a:lvl2pPr>
+            <a:lvl3pPr marL="1143000" indent="-228600" eaLnBrk="0" hangingPunct="0">
+              <a:defRPr sz="2400">
+                <a:solidFill>
+                  <a:schemeClr val="tx1"/>
+                </a:solidFill>
+                <a:latin typeface="Arial" charset="0"/>
+                <a:ea typeface="ＭＳ Ｐゴシック" charset="0"/>
+              </a:defRPr>
+            </a:lvl3pPr>
+            <a:lvl4pPr marL="1600200" indent="-228600" eaLnBrk="0" hangingPunct="0">
+              <a:defRPr sz="2400">
+                <a:solidFill>
+                  <a:schemeClr val="tx1"/>
+                </a:solidFill>
+                <a:latin typeface="Arial" charset="0"/>
+                <a:ea typeface="ＭＳ Ｐゴシック" charset="0"/>
+              </a:defRPr>
+            </a:lvl4pPr>
+            <a:lvl5pPr marL="2057400" indent="-228600" eaLnBrk="0" hangingPunct="0">
+              <a:defRPr sz="2400">
+                <a:solidFill>
+                  <a:schemeClr val="tx1"/>
+                </a:solidFill>
+                <a:latin typeface="Arial" charset="0"/>
+                <a:ea typeface="ＭＳ Ｐゴシック" charset="0"/>
+              </a:defRPr>
+            </a:lvl5pPr>
+            <a:lvl6pPr marL="2514600" indent="-228600" eaLnBrk="0" fontAlgn="base" hangingPunct="0">
+              <a:spcBef>
+                <a:spcPct val="0"/>
+              </a:spcBef>
+              <a:spcAft>
+                <a:spcPct val="0"/>
+              </a:spcAft>
+              <a:defRPr sz="2400">
+                <a:solidFill>
+                  <a:schemeClr val="tx1"/>
+                </a:solidFill>
+                <a:latin typeface="Arial" charset="0"/>
+                <a:ea typeface="ＭＳ Ｐゴシック" charset="0"/>
+              </a:defRPr>
+            </a:lvl6pPr>
+            <a:lvl7pPr marL="2971800" indent="-228600" eaLnBrk="0" fontAlgn="base" hangingPunct="0">
+              <a:spcBef>
+                <a:spcPct val="0"/>
+              </a:spcBef>
+              <a:spcAft>
+                <a:spcPct val="0"/>
+              </a:spcAft>
+              <a:defRPr sz="2400">
+                <a:solidFill>
+                  <a:schemeClr val="tx1"/>
+                </a:solidFill>
+                <a:latin typeface="Arial" charset="0"/>
+                <a:ea typeface="ＭＳ Ｐゴシック" charset="0"/>
+              </a:defRPr>
+            </a:lvl7pPr>
+            <a:lvl8pPr marL="3429000" indent="-228600" eaLnBrk="0" fontAlgn="base" hangingPunct="0">
+              <a:spcBef>
+                <a:spcPct val="0"/>
+              </a:spcBef>
+              <a:spcAft>
+                <a:spcPct val="0"/>
+              </a:spcAft>
+              <a:defRPr sz="2400">
+                <a:solidFill>
+                  <a:schemeClr val="tx1"/>
+                </a:solidFill>
+                <a:latin typeface="Arial" charset="0"/>
+                <a:ea typeface="ＭＳ Ｐゴシック" charset="0"/>
+              </a:defRPr>
+            </a:lvl8pPr>
+            <a:lvl9pPr marL="3886200" indent="-228600" eaLnBrk="0" fontAlgn="base" hangingPunct="0">
+              <a:spcBef>
+                <a:spcPct val="0"/>
+              </a:spcBef>
+              <a:spcAft>
+                <a:spcPct val="0"/>
+              </a:spcAft>
+              <a:defRPr sz="2400">
+                <a:solidFill>
+                  <a:schemeClr val="tx1"/>
+                </a:solidFill>
+                <a:latin typeface="Arial" charset="0"/>
+                <a:ea typeface="ＭＳ Ｐゴシック" charset="0"/>
+              </a:defRPr>
+            </a:lvl9pPr>
+          </a:lstStyle>
+          <a:p>
+            <a:pPr eaLnBrk="1" hangingPunct="1"/>
+            <a:r>
+              <a:rPr lang="en-US">
+                <a:latin typeface="Calibri" charset="0"/>
+              </a:rPr>
+              <a:t>Input: </a:t>
+            </a:r>
+            <a:r>
+              <a:rPr lang="en-US">
+                <a:solidFill>
+                  <a:srgbClr val="B700B7"/>
+                </a:solidFill>
+                <a:latin typeface="Calibri" charset="0"/>
+              </a:rPr>
+              <a:t>n</a:t>
+            </a:r>
+            <a:r>
+              <a:rPr lang="en-US">
+                <a:latin typeface="Calibri" charset="0"/>
+              </a:rPr>
+              <a:t> jobs (</a:t>
+            </a:r>
+            <a:r>
+              <a:rPr lang="en-US">
+                <a:solidFill>
+                  <a:srgbClr val="B700B7"/>
+                </a:solidFill>
+                <a:latin typeface="Calibri" charset="0"/>
+              </a:rPr>
+              <a:t>s</a:t>
+            </a:r>
+            <a:r>
+              <a:rPr lang="en-US" baseline="-25000">
+                <a:solidFill>
+                  <a:srgbClr val="B700B7"/>
+                </a:solidFill>
+                <a:latin typeface="Calibri" charset="0"/>
+              </a:rPr>
+              <a:t>i</a:t>
+            </a:r>
+            <a:r>
+              <a:rPr lang="en-US">
+                <a:solidFill>
+                  <a:srgbClr val="B700B7"/>
+                </a:solidFill>
+                <a:latin typeface="Calibri" charset="0"/>
+              </a:rPr>
+              <a:t>,t</a:t>
+            </a:r>
+            <a:r>
+              <a:rPr lang="en-US" baseline="-25000">
+                <a:solidFill>
+                  <a:srgbClr val="B700B7"/>
+                </a:solidFill>
+                <a:latin typeface="Calibri" charset="0"/>
+              </a:rPr>
+              <a:t>i</a:t>
+            </a:r>
+            <a:r>
+              <a:rPr lang="en-US">
+                <a:solidFill>
+                  <a:srgbClr val="B700B7"/>
+                </a:solidFill>
+                <a:latin typeface="Calibri" charset="0"/>
+              </a:rPr>
+              <a:t>,v</a:t>
+            </a:r>
+            <a:r>
+              <a:rPr lang="en-US" baseline="-25000">
+                <a:solidFill>
+                  <a:srgbClr val="B700B7"/>
+                </a:solidFill>
+                <a:latin typeface="Calibri" charset="0"/>
+              </a:rPr>
+              <a:t>i</a:t>
+            </a:r>
+            <a:r>
+              <a:rPr lang="en-US">
+                <a:latin typeface="Calibri" charset="0"/>
+              </a:rPr>
+              <a:t>)</a:t>
+            </a:r>
+          </a:p>
+        </p:txBody>
+      </p:sp>
+      <p:sp>
+        <p:nvSpPr>
+          <p:cNvPr id="24579" name="TextBox 3"/>
+          <p:cNvSpPr txBox="1">
+            <a:spLocks noChangeArrowheads="1"/>
+          </p:cNvSpPr>
+          <p:nvPr/>
+        </p:nvSpPr>
+        <p:spPr bwMode="auto">
+          <a:xfrm>
+            <a:off x="1389063" y="3429000"/>
+            <a:ext cx="7156450" cy="461963"/>
+          </a:xfrm>
+          <a:prstGeom prst="rect">
+            <a:avLst/>
+          </a:prstGeom>
+          <a:noFill/>
+          <a:ln>
+            <a:noFill/>
+          </a:ln>
+          <a:extLst>
+            <a:ext uri="{909E8E84-426E-40dd-AFC4-6F175D3DCCD1}">
+              <a14:hiddenFill xmlns:a14="http://schemas.microsoft.com/office/drawing/2010/main">
+                <a:solidFill>
+                  <a:srgbClr val="FFFFFF"/>
+                </a:solidFill>
+              </a14:hiddenFill>
+            </a:ext>
+            <a:ext uri="{91240B29-F687-4f45-9708-019B960494DF}">
+              <a14:hiddenLine xmlns:a14="http://schemas.microsoft.com/office/drawing/2010/main" w="9525">
+                <a:solidFill>
+                  <a:srgbClr val="000000"/>
+                </a:solidFill>
+                <a:miter lim="800000"/>
+                <a:headEnd/>
+                <a:tailEnd/>
+              </a14:hiddenLine>
+            </a:ext>
+          </a:extLst>
+        </p:spPr>
+        <p:txBody>
+          <a:bodyPr wrap="none">
+            <a:spAutoFit/>
+          </a:bodyPr>
+          <a:lstStyle>
+            <a:lvl1pPr eaLnBrk="0" hangingPunct="0">
+              <a:defRPr sz="2400">
+                <a:solidFill>
+                  <a:schemeClr val="tx1"/>
+                </a:solidFill>
+                <a:latin typeface="Arial" charset="0"/>
+                <a:ea typeface="ＭＳ Ｐゴシック" charset="0"/>
+                <a:cs typeface="ＭＳ Ｐゴシック" charset="0"/>
+              </a:defRPr>
+            </a:lvl1pPr>
+            <a:lvl2pPr marL="742950" indent="-285750" eaLnBrk="0" hangingPunct="0">
+              <a:defRPr sz="2400">
+                <a:solidFill>
+                  <a:schemeClr val="tx1"/>
+                </a:solidFill>
+                <a:latin typeface="Arial" charset="0"/>
+                <a:ea typeface="ＭＳ Ｐゴシック" charset="0"/>
+              </a:defRPr>
+            </a:lvl2pPr>
+            <a:lvl3pPr marL="1143000" indent="-228600" eaLnBrk="0" hangingPunct="0">
+              <a:defRPr sz="2400">
+                <a:solidFill>
+                  <a:schemeClr val="tx1"/>
+                </a:solidFill>
+                <a:latin typeface="Arial" charset="0"/>
+                <a:ea typeface="ＭＳ Ｐゴシック" charset="0"/>
+              </a:defRPr>
+            </a:lvl3pPr>
+            <a:lvl4pPr marL="1600200" indent="-228600" eaLnBrk="0" hangingPunct="0">
+              <a:defRPr sz="2400">
+                <a:solidFill>
+                  <a:schemeClr val="tx1"/>
+                </a:solidFill>
+                <a:latin typeface="Arial" charset="0"/>
+                <a:ea typeface="ＭＳ Ｐゴシック" charset="0"/>
+              </a:defRPr>
+            </a:lvl4pPr>
+            <a:lvl5pPr marL="2057400" indent="-228600" eaLnBrk="0" hangingPunct="0">
+              <a:defRPr sz="2400">
+                <a:solidFill>
+                  <a:schemeClr val="tx1"/>
+                </a:solidFill>
+                <a:latin typeface="Arial" charset="0"/>
+                <a:ea typeface="ＭＳ Ｐゴシック" charset="0"/>
+              </a:defRPr>
+            </a:lvl5pPr>
+            <a:lvl6pPr marL="2514600" indent="-228600" eaLnBrk="0" fontAlgn="base" hangingPunct="0">
+              <a:spcBef>
+                <a:spcPct val="0"/>
+              </a:spcBef>
+              <a:spcAft>
+                <a:spcPct val="0"/>
+              </a:spcAft>
+              <a:defRPr sz="2400">
+                <a:solidFill>
+                  <a:schemeClr val="tx1"/>
+                </a:solidFill>
+                <a:latin typeface="Arial" charset="0"/>
+                <a:ea typeface="ＭＳ Ｐゴシック" charset="0"/>
+              </a:defRPr>
+            </a:lvl6pPr>
+            <a:lvl7pPr marL="2971800" indent="-228600" eaLnBrk="0" fontAlgn="base" hangingPunct="0">
+              <a:spcBef>
+                <a:spcPct val="0"/>
+              </a:spcBef>
+              <a:spcAft>
+                <a:spcPct val="0"/>
+              </a:spcAft>
+              <a:defRPr sz="2400">
+                <a:solidFill>
+                  <a:schemeClr val="tx1"/>
+                </a:solidFill>
+                <a:latin typeface="Arial" charset="0"/>
+                <a:ea typeface="ＭＳ Ｐゴシック" charset="0"/>
+              </a:defRPr>
+            </a:lvl7pPr>
+            <a:lvl8pPr marL="3429000" indent="-228600" eaLnBrk="0" fontAlgn="base" hangingPunct="0">
+              <a:spcBef>
+                <a:spcPct val="0"/>
+              </a:spcBef>
+              <a:spcAft>
+                <a:spcPct val="0"/>
+              </a:spcAft>
+              <a:defRPr sz="2400">
+                <a:solidFill>
+                  <a:schemeClr val="tx1"/>
+                </a:solidFill>
+                <a:latin typeface="Arial" charset="0"/>
+                <a:ea typeface="ＭＳ Ｐゴシック" charset="0"/>
+              </a:defRPr>
+            </a:lvl8pPr>
+            <a:lvl9pPr marL="3886200" indent="-228600" eaLnBrk="0" fontAlgn="base" hangingPunct="0">
+              <a:spcBef>
+                <a:spcPct val="0"/>
+              </a:spcBef>
+              <a:spcAft>
+                <a:spcPct val="0"/>
+              </a:spcAft>
+              <a:defRPr sz="2400">
+                <a:solidFill>
+                  <a:schemeClr val="tx1"/>
+                </a:solidFill>
+                <a:latin typeface="Arial" charset="0"/>
+                <a:ea typeface="ＭＳ Ｐゴシック" charset="0"/>
+              </a:defRPr>
+            </a:lvl9pPr>
+          </a:lstStyle>
+          <a:p>
+            <a:pPr eaLnBrk="1" hangingPunct="1"/>
+            <a:r>
+              <a:rPr lang="en-US">
+                <a:latin typeface="Calibri" charset="0"/>
+              </a:rPr>
+              <a:t>Output: A schedule </a:t>
+            </a:r>
+            <a:r>
+              <a:rPr lang="en-US">
+                <a:solidFill>
+                  <a:srgbClr val="B700B7"/>
+                </a:solidFill>
+                <a:latin typeface="Calibri" charset="0"/>
+              </a:rPr>
+              <a:t>S</a:t>
+            </a:r>
+            <a:r>
+              <a:rPr lang="en-US">
+                <a:latin typeface="Calibri" charset="0"/>
+              </a:rPr>
+              <a:t> s.t. no two jobs in </a:t>
+            </a:r>
+            <a:r>
+              <a:rPr lang="en-US">
+                <a:solidFill>
+                  <a:srgbClr val="B700B7"/>
+                </a:solidFill>
+                <a:latin typeface="Calibri" charset="0"/>
+              </a:rPr>
+              <a:t>S</a:t>
+            </a:r>
+            <a:r>
+              <a:rPr lang="en-US">
+                <a:latin typeface="Calibri" charset="0"/>
+              </a:rPr>
+              <a:t> have a conflict</a:t>
+            </a:r>
+          </a:p>
+        </p:txBody>
+      </p:sp>
+      <p:sp>
+        <p:nvSpPr>
+          <p:cNvPr id="24580" name="TextBox 4"/>
+          <p:cNvSpPr txBox="1">
+            <a:spLocks noChangeArrowheads="1"/>
+          </p:cNvSpPr>
+          <p:nvPr/>
+        </p:nvSpPr>
+        <p:spPr bwMode="auto">
+          <a:xfrm>
+            <a:off x="2192338" y="4200525"/>
+            <a:ext cx="2270125" cy="461963"/>
+          </a:xfrm>
+          <a:prstGeom prst="rect">
+            <a:avLst/>
+          </a:prstGeom>
+          <a:noFill/>
+          <a:ln>
+            <a:noFill/>
+          </a:ln>
+          <a:extLst>
+            <a:ext uri="{909E8E84-426E-40dd-AFC4-6F175D3DCCD1}">
+              <a14:hiddenFill xmlns:a14="http://schemas.microsoft.com/office/drawing/2010/main">
+                <a:solidFill>
+                  <a:srgbClr val="FFFFFF"/>
+                </a:solidFill>
+              </a14:hiddenFill>
+            </a:ext>
+            <a:ext uri="{91240B29-F687-4f45-9708-019B960494DF}">
+              <a14:hiddenLine xmlns:a14="http://schemas.microsoft.com/office/drawing/2010/main" w="9525">
+                <a:solidFill>
+                  <a:srgbClr val="000000"/>
+                </a:solidFill>
+                <a:miter lim="800000"/>
+                <a:headEnd/>
+                <a:tailEnd/>
+              </a14:hiddenLine>
+            </a:ext>
+          </a:extLst>
+        </p:spPr>
+        <p:txBody>
+          <a:bodyPr wrap="none">
+            <a:spAutoFit/>
+          </a:bodyPr>
+          <a:lstStyle>
+            <a:lvl1pPr eaLnBrk="0" hangingPunct="0">
+              <a:defRPr sz="2400">
+                <a:solidFill>
+                  <a:schemeClr val="tx1"/>
+                </a:solidFill>
+                <a:latin typeface="Arial" charset="0"/>
+                <a:ea typeface="ＭＳ Ｐゴシック" charset="0"/>
+                <a:cs typeface="ＭＳ Ｐゴシック" charset="0"/>
+              </a:defRPr>
+            </a:lvl1pPr>
+            <a:lvl2pPr marL="742950" indent="-285750" eaLnBrk="0" hangingPunct="0">
+              <a:defRPr sz="2400">
+                <a:solidFill>
+                  <a:schemeClr val="tx1"/>
+                </a:solidFill>
+                <a:latin typeface="Arial" charset="0"/>
+                <a:ea typeface="ＭＳ Ｐゴシック" charset="0"/>
+              </a:defRPr>
+            </a:lvl2pPr>
+            <a:lvl3pPr marL="1143000" indent="-228600" eaLnBrk="0" hangingPunct="0">
+              <a:defRPr sz="2400">
+                <a:solidFill>
+                  <a:schemeClr val="tx1"/>
+                </a:solidFill>
+                <a:latin typeface="Arial" charset="0"/>
+                <a:ea typeface="ＭＳ Ｐゴシック" charset="0"/>
+              </a:defRPr>
+            </a:lvl3pPr>
+            <a:lvl4pPr marL="1600200" indent="-228600" eaLnBrk="0" hangingPunct="0">
+              <a:defRPr sz="2400">
+                <a:solidFill>
+                  <a:schemeClr val="tx1"/>
+                </a:solidFill>
+                <a:latin typeface="Arial" charset="0"/>
+                <a:ea typeface="ＭＳ Ｐゴシック" charset="0"/>
+              </a:defRPr>
+            </a:lvl4pPr>
+            <a:lvl5pPr marL="2057400" indent="-228600" eaLnBrk="0" hangingPunct="0">
+              <a:defRPr sz="2400">
+                <a:solidFill>
+                  <a:schemeClr val="tx1"/>
+                </a:solidFill>
+                <a:latin typeface="Arial" charset="0"/>
+                <a:ea typeface="ＭＳ Ｐゴシック" charset="0"/>
+              </a:defRPr>
+            </a:lvl5pPr>
+            <a:lvl6pPr marL="2514600" indent="-228600" eaLnBrk="0" fontAlgn="base" hangingPunct="0">
+              <a:spcBef>
+                <a:spcPct val="0"/>
+              </a:spcBef>
+              <a:spcAft>
+                <a:spcPct val="0"/>
+              </a:spcAft>
+              <a:defRPr sz="2400">
+                <a:solidFill>
+                  <a:schemeClr val="tx1"/>
+                </a:solidFill>
+                <a:latin typeface="Arial" charset="0"/>
+                <a:ea typeface="ＭＳ Ｐゴシック" charset="0"/>
+              </a:defRPr>
+            </a:lvl6pPr>
+            <a:lvl7pPr marL="2971800" indent="-228600" eaLnBrk="0" fontAlgn="base" hangingPunct="0">
+              <a:spcBef>
+                <a:spcPct val="0"/>
+              </a:spcBef>
+              <a:spcAft>
+                <a:spcPct val="0"/>
+              </a:spcAft>
+              <a:defRPr sz="2400">
+                <a:solidFill>
+                  <a:schemeClr val="tx1"/>
+                </a:solidFill>
+                <a:latin typeface="Arial" charset="0"/>
+                <a:ea typeface="ＭＳ Ｐゴシック" charset="0"/>
+              </a:defRPr>
+            </a:lvl7pPr>
+            <a:lvl8pPr marL="3429000" indent="-228600" eaLnBrk="0" fontAlgn="base" hangingPunct="0">
+              <a:spcBef>
+                <a:spcPct val="0"/>
+              </a:spcBef>
+              <a:spcAft>
+                <a:spcPct val="0"/>
+              </a:spcAft>
+              <a:defRPr sz="2400">
+                <a:solidFill>
+                  <a:schemeClr val="tx1"/>
+                </a:solidFill>
+                <a:latin typeface="Arial" charset="0"/>
+                <a:ea typeface="ＭＳ Ｐゴシック" charset="0"/>
+              </a:defRPr>
+            </a:lvl8pPr>
+            <a:lvl9pPr marL="3886200" indent="-228600" eaLnBrk="0" fontAlgn="base" hangingPunct="0">
+              <a:spcBef>
+                <a:spcPct val="0"/>
+              </a:spcBef>
+              <a:spcAft>
+                <a:spcPct val="0"/>
+              </a:spcAft>
+              <a:defRPr sz="2400">
+                <a:solidFill>
+                  <a:schemeClr val="tx1"/>
+                </a:solidFill>
+                <a:latin typeface="Arial" charset="0"/>
+                <a:ea typeface="ＭＳ Ｐゴシック" charset="0"/>
+              </a:defRPr>
+            </a:lvl9pPr>
+          </a:lstStyle>
+          <a:p>
+            <a:pPr eaLnBrk="1" hangingPunct="1"/>
+            <a:r>
+              <a:rPr lang="en-US">
+                <a:latin typeface="Calibri" charset="0"/>
+              </a:rPr>
+              <a:t>Goal: max </a:t>
+            </a:r>
+            <a:r>
+              <a:rPr lang="en-US">
+                <a:solidFill>
+                  <a:srgbClr val="B700B7"/>
+                </a:solidFill>
+                <a:latin typeface="Calibri" charset="0"/>
+              </a:rPr>
+              <a:t>Σ</a:t>
+            </a:r>
+            <a:r>
+              <a:rPr lang="en-US" baseline="-25000">
+                <a:solidFill>
+                  <a:srgbClr val="B700B7"/>
+                </a:solidFill>
+                <a:latin typeface="Calibri" charset="0"/>
+              </a:rPr>
+              <a:t>i in S </a:t>
+            </a:r>
+            <a:r>
+              <a:rPr lang="en-US">
+                <a:solidFill>
+                  <a:srgbClr val="B700B7"/>
+                </a:solidFill>
+                <a:latin typeface="Calibri" charset="0"/>
+              </a:rPr>
+              <a:t>v</a:t>
+            </a:r>
+            <a:r>
+              <a:rPr lang="en-US" baseline="-25000">
+                <a:solidFill>
+                  <a:srgbClr val="B700B7"/>
+                </a:solidFill>
+                <a:latin typeface="Calibri" charset="0"/>
+              </a:rPr>
+              <a:t>j</a:t>
+            </a:r>
+          </a:p>
+        </p:txBody>
+      </p:sp>
+    </p:spTree>
+    <p:extLst>
+      <p:ext uri="{BB962C8B-B14F-4D97-AF65-F5344CB8AC3E}">
+        <p14:creationId xmlns:p14="http://schemas.microsoft.com/office/powerpoint/2010/main" val="1536970294"/>
+      </p:ext>
+    </p:extLst>
+  </p:cSld>
+  <p:clrMapOvr>
+    <a:masterClrMapping/>
+  </p:clrMapOvr>
+  <p:timing>
+    <p:tnLst>
+      <p:par>
+        <p:cTn xmlns:p14="http://schemas.microsoft.com/office/powerpoint/2010/main" id="1" dur="indefinite" restart="never" nodeType="tmRoot"/>
+      </p:par>
+    </p:tnLst>
+  </p:timing>
+</p:sld>
+</file>
+
+<file path=ppt/slides/slide8.xml><?xml version="1.0" encoding="utf-8"?>
+<p:sld xmlns:a="http://schemas.openxmlformats.org/drawingml/2006/main" xmlns:r="http://schemas.openxmlformats.org/officeDocument/2006/relationships" xmlns:p="http://schemas.openxmlformats.org/presentationml/2006/main">
+  <p:cSld>
+    <p:spTree>
+      <p:nvGrpSpPr>
+        <p:cNvPr id="1" name=""/>
+        <p:cNvGrpSpPr/>
+        <p:nvPr/>
+      </p:nvGrpSpPr>
+      <p:grpSpPr>
+        <a:xfrm>
+          <a:off x="0" y="0"/>
+          <a:ext cx="0" cy="0"/>
+          <a:chOff x="0" y="0"/>
+          <a:chExt cx="0" cy="0"/>
+        </a:xfrm>
+      </p:grpSpPr>
+      <p:sp>
+        <p:nvSpPr>
+          <p:cNvPr id="25601" name="Title 1"/>
+          <p:cNvSpPr>
+            <a:spLocks noGrp="1"/>
+          </p:cNvSpPr>
+          <p:nvPr>
+            <p:ph type="title"/>
+          </p:nvPr>
+        </p:nvSpPr>
+        <p:spPr/>
+        <p:txBody>
+          <a:bodyPr/>
+          <a:lstStyle/>
+          <a:p>
+            <a:pPr eaLnBrk="1" hangingPunct="1"/>
+            <a:r>
+              <a:rPr lang="en-US">
+                <a:latin typeface="Calibri" charset="0"/>
+                <a:ea typeface="ＭＳ Ｐゴシック" charset="0"/>
+                <a:cs typeface="ＭＳ Ｐゴシック" charset="0"/>
+              </a:rPr>
+              <a:t>Couple more definitions</a:t>
+            </a:r>
+          </a:p>
+        </p:txBody>
+      </p:sp>
+      <p:sp>
+        <p:nvSpPr>
+          <p:cNvPr id="25602" name="TextBox 2"/>
+          <p:cNvSpPr txBox="1">
+            <a:spLocks noChangeArrowheads="1"/>
+          </p:cNvSpPr>
+          <p:nvPr/>
+        </p:nvSpPr>
+        <p:spPr bwMode="auto">
+          <a:xfrm>
+            <a:off x="1182688" y="2019300"/>
+            <a:ext cx="5160962" cy="430213"/>
+          </a:xfrm>
+          <a:prstGeom prst="rect">
+            <a:avLst/>
+          </a:prstGeom>
+          <a:noFill/>
+          <a:ln>
+            <a:noFill/>
+          </a:ln>
+          <a:extLst>
+            <a:ext uri="{909E8E84-426E-40dd-AFC4-6F175D3DCCD1}">
+              <a14:hiddenFill xmlns:a14="http://schemas.microsoft.com/office/drawing/2010/main">
+                <a:solidFill>
+                  <a:srgbClr val="FFFFFF"/>
+                </a:solidFill>
+              </a14:hiddenFill>
+            </a:ext>
+            <a:ext uri="{91240B29-F687-4f45-9708-019B960494DF}">
+              <a14:hiddenLine xmlns:a14="http://schemas.microsoft.com/office/drawing/2010/main" w="9525">
+                <a:solidFill>
+                  <a:srgbClr val="000000"/>
+                </a:solidFill>
+                <a:miter lim="800000"/>
+                <a:headEnd/>
+                <a:tailEnd/>
+              </a14:hiddenLine>
+            </a:ext>
+          </a:extLst>
+        </p:spPr>
+        <p:txBody>
+          <a:bodyPr wrap="none">
+            <a:spAutoFit/>
+          </a:bodyPr>
+          <a:lstStyle>
+            <a:lvl1pPr eaLnBrk="0" hangingPunct="0">
+              <a:defRPr sz="2400">
+                <a:solidFill>
+                  <a:schemeClr val="tx1"/>
+                </a:solidFill>
+                <a:latin typeface="Arial" charset="0"/>
+                <a:ea typeface="ＭＳ Ｐゴシック" charset="0"/>
+                <a:cs typeface="ＭＳ Ｐゴシック" charset="0"/>
+              </a:defRPr>
+            </a:lvl1pPr>
+            <a:lvl2pPr marL="742950" indent="-285750" eaLnBrk="0" hangingPunct="0">
+              <a:defRPr sz="2400">
+                <a:solidFill>
+                  <a:schemeClr val="tx1"/>
+                </a:solidFill>
+                <a:latin typeface="Arial" charset="0"/>
+                <a:ea typeface="ＭＳ Ｐゴシック" charset="0"/>
+              </a:defRPr>
+            </a:lvl2pPr>
+            <a:lvl3pPr marL="1143000" indent="-228600" eaLnBrk="0" hangingPunct="0">
+              <a:defRPr sz="2400">
+                <a:solidFill>
+                  <a:schemeClr val="tx1"/>
+                </a:solidFill>
+                <a:latin typeface="Arial" charset="0"/>
+                <a:ea typeface="ＭＳ Ｐゴシック" charset="0"/>
+              </a:defRPr>
+            </a:lvl3pPr>
+            <a:lvl4pPr marL="1600200" indent="-228600" eaLnBrk="0" hangingPunct="0">
+              <a:defRPr sz="2400">
+                <a:solidFill>
+                  <a:schemeClr val="tx1"/>
+                </a:solidFill>
+                <a:latin typeface="Arial" charset="0"/>
+                <a:ea typeface="ＭＳ Ｐゴシック" charset="0"/>
+              </a:defRPr>
+            </a:lvl4pPr>
+            <a:lvl5pPr marL="2057400" indent="-228600" eaLnBrk="0" hangingPunct="0">
+              <a:defRPr sz="2400">
+                <a:solidFill>
+                  <a:schemeClr val="tx1"/>
+                </a:solidFill>
+                <a:latin typeface="Arial" charset="0"/>
+                <a:ea typeface="ＭＳ Ｐゴシック" charset="0"/>
+              </a:defRPr>
+            </a:lvl5pPr>
+            <a:lvl6pPr marL="2514600" indent="-228600" eaLnBrk="0" fontAlgn="base" hangingPunct="0">
+              <a:spcBef>
+                <a:spcPct val="0"/>
+              </a:spcBef>
+              <a:spcAft>
+                <a:spcPct val="0"/>
+              </a:spcAft>
+              <a:defRPr sz="2400">
+                <a:solidFill>
+                  <a:schemeClr val="tx1"/>
+                </a:solidFill>
+                <a:latin typeface="Arial" charset="0"/>
+                <a:ea typeface="ＭＳ Ｐゴシック" charset="0"/>
+              </a:defRPr>
+            </a:lvl6pPr>
+            <a:lvl7pPr marL="2971800" indent="-228600" eaLnBrk="0" fontAlgn="base" hangingPunct="0">
+              <a:spcBef>
+                <a:spcPct val="0"/>
+              </a:spcBef>
+              <a:spcAft>
+                <a:spcPct val="0"/>
+              </a:spcAft>
+              <a:defRPr sz="2400">
+                <a:solidFill>
+                  <a:schemeClr val="tx1"/>
+                </a:solidFill>
+                <a:latin typeface="Arial" charset="0"/>
+                <a:ea typeface="ＭＳ Ｐゴシック" charset="0"/>
+              </a:defRPr>
+            </a:lvl7pPr>
+            <a:lvl8pPr marL="3429000" indent="-228600" eaLnBrk="0" fontAlgn="base" hangingPunct="0">
+              <a:spcBef>
+                <a:spcPct val="0"/>
+              </a:spcBef>
+              <a:spcAft>
+                <a:spcPct val="0"/>
+              </a:spcAft>
+              <a:defRPr sz="2400">
+                <a:solidFill>
+                  <a:schemeClr val="tx1"/>
+                </a:solidFill>
+                <a:latin typeface="Arial" charset="0"/>
+                <a:ea typeface="ＭＳ Ｐゴシック" charset="0"/>
+              </a:defRPr>
+            </a:lvl8pPr>
+            <a:lvl9pPr marL="3886200" indent="-228600" eaLnBrk="0" fontAlgn="base" hangingPunct="0">
+              <a:spcBef>
+                <a:spcPct val="0"/>
+              </a:spcBef>
+              <a:spcAft>
+                <a:spcPct val="0"/>
+              </a:spcAft>
+              <a:defRPr sz="2400">
+                <a:solidFill>
+                  <a:schemeClr val="tx1"/>
+                </a:solidFill>
+                <a:latin typeface="Arial" charset="0"/>
+                <a:ea typeface="ＭＳ Ｐゴシック" charset="0"/>
+              </a:defRPr>
+            </a:lvl9pPr>
+          </a:lstStyle>
+          <a:p>
+            <a:pPr eaLnBrk="1" hangingPunct="1"/>
+            <a:r>
+              <a:rPr lang="en-US" sz="2200">
+                <a:solidFill>
+                  <a:srgbClr val="B700B7"/>
+                </a:solidFill>
+                <a:latin typeface="Calibri" charset="0"/>
+              </a:rPr>
+              <a:t>p(j) </a:t>
+            </a:r>
+            <a:r>
+              <a:rPr lang="en-US" sz="2200">
+                <a:latin typeface="Calibri" charset="0"/>
+              </a:rPr>
+              <a:t>= largest </a:t>
+            </a:r>
+            <a:r>
+              <a:rPr lang="en-US" sz="2200">
+                <a:solidFill>
+                  <a:srgbClr val="B700B7"/>
+                </a:solidFill>
+                <a:latin typeface="Calibri" charset="0"/>
+              </a:rPr>
+              <a:t>i&lt;j</a:t>
+            </a:r>
+            <a:r>
+              <a:rPr lang="en-US" sz="2200">
+                <a:latin typeface="Calibri" charset="0"/>
+              </a:rPr>
+              <a:t> s.t. </a:t>
+            </a:r>
+            <a:r>
+              <a:rPr lang="en-US" sz="2200">
+                <a:solidFill>
+                  <a:srgbClr val="B700B7"/>
+                </a:solidFill>
+                <a:latin typeface="Calibri" charset="0"/>
+              </a:rPr>
+              <a:t>i</a:t>
+            </a:r>
+            <a:r>
+              <a:rPr lang="en-US" sz="2200">
+                <a:latin typeface="Calibri" charset="0"/>
+              </a:rPr>
+              <a:t> does not conflict with </a:t>
+            </a:r>
+            <a:r>
+              <a:rPr lang="en-US" sz="2200">
+                <a:solidFill>
+                  <a:srgbClr val="B700B7"/>
+                </a:solidFill>
+                <a:latin typeface="Calibri" charset="0"/>
+              </a:rPr>
+              <a:t>j</a:t>
+            </a:r>
+          </a:p>
+        </p:txBody>
+      </p:sp>
+      <p:sp>
+        <p:nvSpPr>
+          <p:cNvPr id="25603" name="TextBox 3"/>
+          <p:cNvSpPr txBox="1">
+            <a:spLocks noChangeArrowheads="1"/>
+          </p:cNvSpPr>
+          <p:nvPr/>
+        </p:nvSpPr>
+        <p:spPr bwMode="auto">
+          <a:xfrm>
+            <a:off x="1660525" y="2711450"/>
+            <a:ext cx="2524125" cy="431800"/>
+          </a:xfrm>
+          <a:prstGeom prst="rect">
+            <a:avLst/>
+          </a:prstGeom>
+          <a:noFill/>
+          <a:ln>
+            <a:noFill/>
+          </a:ln>
+          <a:extLst>
+            <a:ext uri="{909E8E84-426E-40dd-AFC4-6F175D3DCCD1}">
+              <a14:hiddenFill xmlns:a14="http://schemas.microsoft.com/office/drawing/2010/main">
+                <a:solidFill>
+                  <a:srgbClr val="FFFFFF"/>
+                </a:solidFill>
+              </a14:hiddenFill>
+            </a:ext>
+            <a:ext uri="{91240B29-F687-4f45-9708-019B960494DF}">
+              <a14:hiddenLine xmlns:a14="http://schemas.microsoft.com/office/drawing/2010/main" w="9525">
+                <a:solidFill>
+                  <a:srgbClr val="000000"/>
+                </a:solidFill>
+                <a:miter lim="800000"/>
+                <a:headEnd/>
+                <a:tailEnd/>
+              </a14:hiddenLine>
+            </a:ext>
+          </a:extLst>
+        </p:spPr>
+        <p:txBody>
+          <a:bodyPr wrap="none">
+            <a:spAutoFit/>
+          </a:bodyPr>
+          <a:lstStyle>
+            <a:lvl1pPr eaLnBrk="0" hangingPunct="0">
+              <a:defRPr sz="2400">
+                <a:solidFill>
+                  <a:schemeClr val="tx1"/>
+                </a:solidFill>
+                <a:latin typeface="Arial" charset="0"/>
+                <a:ea typeface="ＭＳ Ｐゴシック" charset="0"/>
+                <a:cs typeface="ＭＳ Ｐゴシック" charset="0"/>
+              </a:defRPr>
+            </a:lvl1pPr>
+            <a:lvl2pPr marL="742950" indent="-285750" eaLnBrk="0" hangingPunct="0">
+              <a:defRPr sz="2400">
+                <a:solidFill>
+                  <a:schemeClr val="tx1"/>
+                </a:solidFill>
+                <a:latin typeface="Arial" charset="0"/>
+                <a:ea typeface="ＭＳ Ｐゴシック" charset="0"/>
+              </a:defRPr>
+            </a:lvl2pPr>
+            <a:lvl3pPr marL="1143000" indent="-228600" eaLnBrk="0" hangingPunct="0">
+              <a:defRPr sz="2400">
+                <a:solidFill>
+                  <a:schemeClr val="tx1"/>
+                </a:solidFill>
+                <a:latin typeface="Arial" charset="0"/>
+                <a:ea typeface="ＭＳ Ｐゴシック" charset="0"/>
+              </a:defRPr>
+            </a:lvl3pPr>
+            <a:lvl4pPr marL="1600200" indent="-228600" eaLnBrk="0" hangingPunct="0">
+              <a:defRPr sz="2400">
+                <a:solidFill>
+                  <a:schemeClr val="tx1"/>
+                </a:solidFill>
+                <a:latin typeface="Arial" charset="0"/>
+                <a:ea typeface="ＭＳ Ｐゴシック" charset="0"/>
+              </a:defRPr>
+            </a:lvl4pPr>
+            <a:lvl5pPr marL="2057400" indent="-228600" eaLnBrk="0" hangingPunct="0">
+              <a:defRPr sz="2400">
+                <a:solidFill>
+                  <a:schemeClr val="tx1"/>
+                </a:solidFill>
+                <a:latin typeface="Arial" charset="0"/>
+                <a:ea typeface="ＭＳ Ｐゴシック" charset="0"/>
+              </a:defRPr>
+            </a:lvl5pPr>
+            <a:lvl6pPr marL="2514600" indent="-228600" eaLnBrk="0" fontAlgn="base" hangingPunct="0">
+              <a:spcBef>
+                <a:spcPct val="0"/>
+              </a:spcBef>
+              <a:spcAft>
+                <a:spcPct val="0"/>
+              </a:spcAft>
+              <a:defRPr sz="2400">
+                <a:solidFill>
+                  <a:schemeClr val="tx1"/>
+                </a:solidFill>
+                <a:latin typeface="Arial" charset="0"/>
+                <a:ea typeface="ＭＳ Ｐゴシック" charset="0"/>
+              </a:defRPr>
+            </a:lvl6pPr>
+            <a:lvl7pPr marL="2971800" indent="-228600" eaLnBrk="0" fontAlgn="base" hangingPunct="0">
+              <a:spcBef>
+                <a:spcPct val="0"/>
+              </a:spcBef>
+              <a:spcAft>
+                <a:spcPct val="0"/>
+              </a:spcAft>
+              <a:defRPr sz="2400">
+                <a:solidFill>
+                  <a:schemeClr val="tx1"/>
+                </a:solidFill>
+                <a:latin typeface="Arial" charset="0"/>
+                <a:ea typeface="ＭＳ Ｐゴシック" charset="0"/>
+              </a:defRPr>
+            </a:lvl7pPr>
+            <a:lvl8pPr marL="3429000" indent="-228600" eaLnBrk="0" fontAlgn="base" hangingPunct="0">
+              <a:spcBef>
+                <a:spcPct val="0"/>
+              </a:spcBef>
+              <a:spcAft>
+                <a:spcPct val="0"/>
+              </a:spcAft>
+              <a:defRPr sz="2400">
+                <a:solidFill>
+                  <a:schemeClr val="tx1"/>
+                </a:solidFill>
+                <a:latin typeface="Arial" charset="0"/>
+                <a:ea typeface="ＭＳ Ｐゴシック" charset="0"/>
+              </a:defRPr>
+            </a:lvl8pPr>
+            <a:lvl9pPr marL="3886200" indent="-228600" eaLnBrk="0" fontAlgn="base" hangingPunct="0">
+              <a:spcBef>
+                <a:spcPct val="0"/>
+              </a:spcBef>
+              <a:spcAft>
+                <a:spcPct val="0"/>
+              </a:spcAft>
+              <a:defRPr sz="2400">
+                <a:solidFill>
+                  <a:schemeClr val="tx1"/>
+                </a:solidFill>
+                <a:latin typeface="Arial" charset="0"/>
+                <a:ea typeface="ＭＳ Ｐゴシック" charset="0"/>
+              </a:defRPr>
+            </a:lvl9pPr>
+          </a:lstStyle>
+          <a:p>
+            <a:pPr eaLnBrk="1" hangingPunct="1"/>
+            <a:r>
+              <a:rPr lang="en-US" sz="2200">
+                <a:latin typeface="Calibri" charset="0"/>
+              </a:rPr>
+              <a:t>= </a:t>
+            </a:r>
+            <a:r>
+              <a:rPr lang="en-US" sz="2200">
+                <a:solidFill>
+                  <a:srgbClr val="B700B7"/>
+                </a:solidFill>
+                <a:latin typeface="Calibri" charset="0"/>
+              </a:rPr>
+              <a:t>0</a:t>
+            </a:r>
+            <a:r>
+              <a:rPr lang="en-US" sz="2200">
+                <a:latin typeface="Calibri" charset="0"/>
+              </a:rPr>
+              <a:t> if no such</a:t>
+            </a:r>
+            <a:r>
+              <a:rPr lang="en-US" sz="2200">
+                <a:solidFill>
+                  <a:srgbClr val="B700B7"/>
+                </a:solidFill>
+                <a:latin typeface="Calibri" charset="0"/>
+              </a:rPr>
+              <a:t> i </a:t>
+            </a:r>
+            <a:r>
+              <a:rPr lang="en-US" sz="2200">
+                <a:latin typeface="Calibri" charset="0"/>
+              </a:rPr>
+              <a:t>exists</a:t>
+            </a:r>
+          </a:p>
+        </p:txBody>
+      </p:sp>
+      <p:sp>
+        <p:nvSpPr>
+          <p:cNvPr id="25604" name="TextBox 4"/>
+          <p:cNvSpPr txBox="1">
+            <a:spLocks noChangeArrowheads="1"/>
+          </p:cNvSpPr>
+          <p:nvPr/>
+        </p:nvSpPr>
+        <p:spPr bwMode="auto">
+          <a:xfrm>
+            <a:off x="1182688" y="3994150"/>
+            <a:ext cx="5067300" cy="461963"/>
+          </a:xfrm>
+          <a:prstGeom prst="rect">
+            <a:avLst/>
+          </a:prstGeom>
+          <a:noFill/>
+          <a:ln>
+            <a:noFill/>
+          </a:ln>
+          <a:extLst>
+            <a:ext uri="{909E8E84-426E-40dd-AFC4-6F175D3DCCD1}">
+              <a14:hiddenFill xmlns:a14="http://schemas.microsoft.com/office/drawing/2010/main">
+                <a:solidFill>
+                  <a:srgbClr val="FFFFFF"/>
+                </a:solidFill>
+              </a14:hiddenFill>
+            </a:ext>
+            <a:ext uri="{91240B29-F687-4f45-9708-019B960494DF}">
+              <a14:hiddenLine xmlns:a14="http://schemas.microsoft.com/office/drawing/2010/main" w="9525">
+                <a:solidFill>
+                  <a:srgbClr val="000000"/>
+                </a:solidFill>
+                <a:miter lim="800000"/>
+                <a:headEnd/>
+                <a:tailEnd/>
+              </a14:hiddenLine>
+            </a:ext>
+          </a:extLst>
+        </p:spPr>
+        <p:txBody>
+          <a:bodyPr wrap="none">
+            <a:spAutoFit/>
+          </a:bodyPr>
+          <a:lstStyle>
+            <a:lvl1pPr eaLnBrk="0" hangingPunct="0">
+              <a:defRPr sz="2400">
+                <a:solidFill>
+                  <a:schemeClr val="tx1"/>
+                </a:solidFill>
+                <a:latin typeface="Arial" charset="0"/>
+                <a:ea typeface="ＭＳ Ｐゴシック" charset="0"/>
+                <a:cs typeface="ＭＳ Ｐゴシック" charset="0"/>
+              </a:defRPr>
+            </a:lvl1pPr>
+            <a:lvl2pPr marL="742950" indent="-285750" eaLnBrk="0" hangingPunct="0">
+              <a:defRPr sz="2400">
+                <a:solidFill>
+                  <a:schemeClr val="tx1"/>
+                </a:solidFill>
+                <a:latin typeface="Arial" charset="0"/>
+                <a:ea typeface="ＭＳ Ｐゴシック" charset="0"/>
+              </a:defRPr>
+            </a:lvl2pPr>
+            <a:lvl3pPr marL="1143000" indent="-228600" eaLnBrk="0" hangingPunct="0">
+              <a:defRPr sz="2400">
+                <a:solidFill>
+                  <a:schemeClr val="tx1"/>
+                </a:solidFill>
+                <a:latin typeface="Arial" charset="0"/>
+                <a:ea typeface="ＭＳ Ｐゴシック" charset="0"/>
+              </a:defRPr>
+            </a:lvl3pPr>
+            <a:lvl4pPr marL="1600200" indent="-228600" eaLnBrk="0" hangingPunct="0">
+              <a:defRPr sz="2400">
+                <a:solidFill>
+                  <a:schemeClr val="tx1"/>
+                </a:solidFill>
+                <a:latin typeface="Arial" charset="0"/>
+                <a:ea typeface="ＭＳ Ｐゴシック" charset="0"/>
+              </a:defRPr>
+            </a:lvl4pPr>
+            <a:lvl5pPr marL="2057400" indent="-228600" eaLnBrk="0" hangingPunct="0">
+              <a:defRPr sz="2400">
+                <a:solidFill>
+                  <a:schemeClr val="tx1"/>
+                </a:solidFill>
+                <a:latin typeface="Arial" charset="0"/>
+                <a:ea typeface="ＭＳ Ｐゴシック" charset="0"/>
+              </a:defRPr>
+            </a:lvl5pPr>
+            <a:lvl6pPr marL="2514600" indent="-228600" eaLnBrk="0" fontAlgn="base" hangingPunct="0">
+              <a:spcBef>
+                <a:spcPct val="0"/>
+              </a:spcBef>
+              <a:spcAft>
+                <a:spcPct val="0"/>
+              </a:spcAft>
+              <a:defRPr sz="2400">
+                <a:solidFill>
+                  <a:schemeClr val="tx1"/>
+                </a:solidFill>
+                <a:latin typeface="Arial" charset="0"/>
+                <a:ea typeface="ＭＳ Ｐゴシック" charset="0"/>
+              </a:defRPr>
+            </a:lvl6pPr>
+            <a:lvl7pPr marL="2971800" indent="-228600" eaLnBrk="0" fontAlgn="base" hangingPunct="0">
+              <a:spcBef>
+                <a:spcPct val="0"/>
+              </a:spcBef>
+              <a:spcAft>
+                <a:spcPct val="0"/>
+              </a:spcAft>
+              <a:defRPr sz="2400">
+                <a:solidFill>
+                  <a:schemeClr val="tx1"/>
+                </a:solidFill>
+                <a:latin typeface="Arial" charset="0"/>
+                <a:ea typeface="ＭＳ Ｐゴシック" charset="0"/>
+              </a:defRPr>
+            </a:lvl7pPr>
+            <a:lvl8pPr marL="3429000" indent="-228600" eaLnBrk="0" fontAlgn="base" hangingPunct="0">
+              <a:spcBef>
+                <a:spcPct val="0"/>
+              </a:spcBef>
+              <a:spcAft>
+                <a:spcPct val="0"/>
+              </a:spcAft>
+              <a:defRPr sz="2400">
+                <a:solidFill>
+                  <a:schemeClr val="tx1"/>
+                </a:solidFill>
+                <a:latin typeface="Arial" charset="0"/>
+                <a:ea typeface="ＭＳ Ｐゴシック" charset="0"/>
+              </a:defRPr>
+            </a:lvl8pPr>
+            <a:lvl9pPr marL="3886200" indent="-228600" eaLnBrk="0" fontAlgn="base" hangingPunct="0">
+              <a:spcBef>
+                <a:spcPct val="0"/>
+              </a:spcBef>
+              <a:spcAft>
+                <a:spcPct val="0"/>
+              </a:spcAft>
+              <a:defRPr sz="2400">
+                <a:solidFill>
+                  <a:schemeClr val="tx1"/>
+                </a:solidFill>
+                <a:latin typeface="Arial" charset="0"/>
+                <a:ea typeface="ＭＳ Ｐゴシック" charset="0"/>
+              </a:defRPr>
+            </a:lvl9pPr>
+          </a:lstStyle>
+          <a:p>
+            <a:pPr eaLnBrk="1" hangingPunct="1"/>
+            <a:r>
+              <a:rPr lang="en-US">
+                <a:solidFill>
+                  <a:srgbClr val="B700B7"/>
+                </a:solidFill>
+                <a:latin typeface="Calibri" charset="0"/>
+              </a:rPr>
+              <a:t>OPT(j) </a:t>
+            </a:r>
+            <a:r>
+              <a:rPr lang="en-US">
+                <a:latin typeface="Calibri" charset="0"/>
+              </a:rPr>
+              <a:t>= optimal value on instance </a:t>
+            </a:r>
+            <a:r>
+              <a:rPr lang="en-US">
+                <a:solidFill>
+                  <a:srgbClr val="B700B7"/>
+                </a:solidFill>
+                <a:latin typeface="Calibri" charset="0"/>
+              </a:rPr>
+              <a:t>1,..,j</a:t>
+            </a:r>
+          </a:p>
+        </p:txBody>
+      </p:sp>
+      <p:sp>
+        <p:nvSpPr>
+          <p:cNvPr id="6" name="Cloud Callout 5"/>
+          <p:cNvSpPr/>
+          <p:nvPr/>
+        </p:nvSpPr>
+        <p:spPr>
+          <a:xfrm>
+            <a:off x="6135688" y="2449513"/>
+            <a:ext cx="2238375" cy="1282700"/>
+          </a:xfrm>
+          <a:prstGeom prst="cloudCallout">
+            <a:avLst>
+              <a:gd name="adj1" fmla="val -98891"/>
+              <a:gd name="adj2" fmla="val -55136"/>
+            </a:avLst>
+          </a:prstGeom>
+        </p:spPr>
+        <p:style>
+          <a:lnRef idx="1">
+            <a:schemeClr val="accent1"/>
+          </a:lnRef>
+          <a:fillRef idx="3">
+            <a:schemeClr val="accent1"/>
+          </a:fillRef>
+          <a:effectRef idx="2">
+            <a:schemeClr val="accent1"/>
+          </a:effectRef>
+          <a:fontRef idx="minor">
+            <a:schemeClr val="lt1"/>
+          </a:fontRef>
+        </p:style>
+        <p:txBody>
+          <a:bodyPr anchor="ctr"/>
+          <a:lstStyle/>
+          <a:p>
+            <a:pPr algn="ctr">
+              <a:defRPr/>
+            </a:pPr>
+            <a:r>
+              <a:rPr lang="en-US" dirty="0" err="1">
+                <a:solidFill>
+                  <a:srgbClr val="B700B7"/>
+                </a:solidFill>
+              </a:rPr>
+              <a:t>p(j</a:t>
+            </a:r>
+            <a:r>
+              <a:rPr lang="en-US" dirty="0">
+                <a:solidFill>
+                  <a:srgbClr val="B700B7"/>
+                </a:solidFill>
+              </a:rPr>
+              <a:t>) &lt; </a:t>
+            </a:r>
+            <a:r>
+              <a:rPr lang="en-US" dirty="0" err="1">
+                <a:solidFill>
+                  <a:srgbClr val="B700B7"/>
+                </a:solidFill>
+              </a:rPr>
+              <a:t>j</a:t>
+            </a:r>
+            <a:endParaRPr lang="en-US" dirty="0">
+              <a:solidFill>
+                <a:srgbClr val="B700B7"/>
+              </a:solidFill>
+            </a:endParaRPr>
+          </a:p>
+        </p:txBody>
+      </p:sp>
+      <p:sp>
+        <p:nvSpPr>
+          <p:cNvPr id="2" name="TextBox 1"/>
+          <p:cNvSpPr txBox="1"/>
+          <p:nvPr/>
+        </p:nvSpPr>
+        <p:spPr>
+          <a:xfrm>
+            <a:off x="1660524" y="5461000"/>
+            <a:ext cx="4475163" cy="646331"/>
+          </a:xfrm>
+          <a:prstGeom prst="rect">
+            <a:avLst/>
+          </a:prstGeom>
+          <a:noFill/>
+        </p:spPr>
+        <p:txBody>
+          <a:bodyPr wrap="square" rtlCol="0">
+            <a:spAutoFit/>
+          </a:bodyPr>
+          <a:lstStyle/>
+          <a:p>
+            <a:r>
+              <a:rPr lang="en-US"/>
+              <a:t>Assume intervals are sorted by finish time</a:t>
+            </a:r>
+          </a:p>
+          <a:p>
+            <a:r>
+              <a:rPr lang="en-US"/>
+              <a:t>-If not, sort and relabel the intervals</a:t>
+            </a:r>
+          </a:p>
+        </p:txBody>
+      </p:sp>
+    </p:spTree>
+    <p:extLst>
+      <p:ext uri="{BB962C8B-B14F-4D97-AF65-F5344CB8AC3E}">
+        <p14:creationId xmlns:p14="http://schemas.microsoft.com/office/powerpoint/2010/main" val="1534942967"/>
+      </p:ext>
+    </p:extLst>
+  </p:cSld>
+  <p:clrMapOvr>
+    <a:masterClrMapping/>
+  </p:clrMapOvr>
+  <p:timing>
+    <p:tnLst>
+      <p:par>
+        <p:cTn xmlns:p14="http://schemas.microsoft.com/office/powerpoint/2010/main" id="1" dur="indefinite" restart="never" nodeType="tmRoot">
+          <p:childTnLst>
+            <p:seq concurrent="1" nextAc="seek">
+              <p:cTn id="2" dur="indefinite" nodeType="mainSeq">
+                <p:childTnLst>
+                  <p:par>
+                    <p:cTn id="3" fill="hold" nodeType="clickPar">
+                      <p:stCondLst>
+                        <p:cond delay="indefinite"/>
+                      </p:stCondLst>
+                      <p:childTnLst>
+                        <p:par>
+                          <p:cTn id="4" fill="hold" nodeType="withGroup">
+                            <p:stCondLst>
+                              <p:cond delay="0"/>
+                            </p:stCondLst>
+                            <p:childTnLst>
+                              <p:par>
+                                <p:cTn id="5" presetID="1" presetClass="entr" presetSubtype="0" fill="hold" grpId="0" nodeType="clickEffect">
+                                  <p:stCondLst>
+                                    <p:cond delay="0"/>
+                                  </p:stCondLst>
+                                  <p:childTnLst>
+                                    <p:set>
+                                      <p:cBhvr>
+                                        <p:cTn id="6" dur="1" fill="hold">
+                                          <p:stCondLst>
+                                            <p:cond delay="0"/>
+                                          </p:stCondLst>
+                                        </p:cTn>
+                                        <p:tgtEl>
+                                          <p:spTgt spid="6"/>
+                                        </p:tgtEl>
+                                        <p:attrNameLst>
+                                          <p:attrName>style.visibility</p:attrName>
+                                        </p:attrNameLst>
+                                      </p:cBhvr>
+                                      <p:to>
+                                        <p:strVal val="visible"/>
+                                      </p:to>
+                                    </p:set>
+                                  </p:childTnLst>
+                                </p:cTn>
+                              </p:par>
+                            </p:childTnLst>
+                          </p:cTn>
+                        </p:par>
+                      </p:childTnLst>
+                    </p:cTn>
+                  </p:par>
+                </p:childTnLst>
+              </p:cTn>
+              <p:prevCondLst>
+                <p:cond evt="onPrev" delay="0">
+                  <p:tgtEl>
+                    <p:sldTgt/>
+                  </p:tgtEl>
+                </p:cond>
+              </p:prevCondLst>
+              <p:nextCondLst>
+                <p:cond evt="onNext" delay="0">
+                  <p:tgtEl>
+                    <p:sldTgt/>
+                  </p:tgtEl>
+                </p:cond>
+              </p:nextCondLst>
+            </p:seq>
+          </p:childTnLst>
+        </p:cTn>
+      </p:par>
+    </p:tnLst>
+    <p:bldLst>
+      <p:bldP spid="6" grpId="0" animBg="1"/>
+    </p:bldLst>
+  </p:timing>
+</p:sld>
+</file>
+
+<file path=ppt/slides/slide9.xml><?xml version="1.0" encoding="utf-8"?>
+<p:sld xmlns:a="http://schemas.openxmlformats.org/drawingml/2006/main" xmlns:r="http://schemas.openxmlformats.org/officeDocument/2006/relationships" xmlns:p="http://schemas.openxmlformats.org/presentationml/2006/main">
+  <p:cSld>
+    <p:spTree>
+      <p:nvGrpSpPr>
+        <p:cNvPr id="1" name=""/>
+        <p:cNvGrpSpPr/>
+        <p:nvPr/>
+      </p:nvGrpSpPr>
+      <p:grpSpPr>
+        <a:xfrm>
+          <a:off x="0" y="0"/>
+          <a:ext cx="0" cy="0"/>
+          <a:chOff x="0" y="0"/>
+          <a:chExt cx="0" cy="0"/>
+        </a:xfrm>
+      </p:grpSpPr>
+      <p:sp>
+        <p:nvSpPr>
           <p:cNvPr id="21505" name="Title 1"/>
           <p:cNvSpPr>
             <a:spLocks noGrp="1"/>
@@ -21848,13 +24702,8 @@
             </a:pPr>
             <a:r>
               <a:rPr lang="en-US" sz="2100" dirty="0"/>
-              <a:t>Order by end </a:t>
-            </a:r>
-            <a:r>
-              <a:rPr lang="en-US" sz="2100" dirty="0"/>
-              <a:t>time</a:t>
-            </a:r>
-            <a:endParaRPr lang="en-US" sz="2100" dirty="0"/>
+              <a:t>Order by end time</a:t>
+            </a:r>
           </a:p>
         </p:txBody>
       </p:sp>
@@ -23084,13 +25933,8 @@
             </a:pPr>
             <a:r>
               <a:rPr lang="en-US" dirty="0"/>
-              <a:t>Greedy value = </a:t>
-            </a:r>
-            <a:r>
-              <a:rPr lang="en-US" dirty="0"/>
-              <a:t>2+15+10= 27</a:t>
-            </a:r>
-            <a:endParaRPr lang="en-US" dirty="0"/>
+              <a:t>Greedy value = 2+15+10= 27</a:t>
+            </a:r>
           </a:p>
         </p:txBody>
       </p:sp>
@@ -23348,3363 +26192,6 @@
     <p:bldLst>
       <p:bldP spid="36" grpId="0" animBg="1"/>
     </p:bldLst>
-  </p:timing>
-</p:sld>
-</file>
-
-<file path=ppt/slides/slide8.xml><?xml version="1.0" encoding="utf-8"?>
-<p:sld xmlns:a="http://schemas.openxmlformats.org/drawingml/2006/main" xmlns:r="http://schemas.openxmlformats.org/officeDocument/2006/relationships" xmlns:p="http://schemas.openxmlformats.org/presentationml/2006/main">
-  <p:cSld>
-    <p:spTree>
-      <p:nvGrpSpPr>
-        <p:cNvPr id="1" name=""/>
-        <p:cNvGrpSpPr/>
-        <p:nvPr/>
-      </p:nvGrpSpPr>
-      <p:grpSpPr>
-        <a:xfrm>
-          <a:off x="0" y="0"/>
-          <a:ext cx="0" cy="0"/>
-          <a:chOff x="0" y="0"/>
-          <a:chExt cx="0" cy="0"/>
-        </a:xfrm>
-      </p:grpSpPr>
-      <p:sp>
-        <p:nvSpPr>
-          <p:cNvPr id="22529" name="Title 1"/>
-          <p:cNvSpPr>
-            <a:spLocks noGrp="1"/>
-          </p:cNvSpPr>
-          <p:nvPr>
-            <p:ph type="title"/>
-          </p:nvPr>
-        </p:nvSpPr>
-        <p:spPr/>
-        <p:txBody>
-          <a:bodyPr/>
-          <a:lstStyle/>
-          <a:p>
-            <a:pPr eaLnBrk="1" hangingPunct="1"/>
-            <a:r>
-              <a:rPr lang="en-US">
-                <a:latin typeface="Calibri" charset="0"/>
-                <a:ea typeface="ＭＳ Ｐゴシック" charset="0"/>
-                <a:cs typeface="ＭＳ Ｐゴシック" charset="0"/>
-              </a:rPr>
-              <a:t>New Greedy algorithm</a:t>
-            </a:r>
-          </a:p>
-        </p:txBody>
-      </p:sp>
-      <p:pic>
-        <p:nvPicPr>
-          <p:cNvPr id="22530" name="Picture 2"/>
-          <p:cNvPicPr>
-            <a:picLocks noChangeAspect="1"/>
-          </p:cNvPicPr>
-          <p:nvPr/>
-        </p:nvPicPr>
-        <p:blipFill>
-          <a:blip r:embed="rId2">
-            <a:extLst>
-              <a:ext uri="{28A0092B-C50C-407E-A947-70E740481C1C}">
-                <a14:useLocalDpi xmlns:a14="http://schemas.microsoft.com/office/drawing/2010/main" val="0"/>
-              </a:ext>
-            </a:extLst>
-          </a:blip>
-          <a:srcRect/>
-          <a:stretch>
-            <a:fillRect/>
-          </a:stretch>
-        </p:blipFill>
-        <p:spPr bwMode="auto">
-          <a:xfrm>
-            <a:off x="6786563" y="1417638"/>
-            <a:ext cx="1900237" cy="2000250"/>
-          </a:xfrm>
-          <a:prstGeom prst="rect">
-            <a:avLst/>
-          </a:prstGeom>
-          <a:noFill/>
-          <a:ln>
-            <a:noFill/>
-          </a:ln>
-          <a:extLst>
-            <a:ext uri="{909E8E84-426E-40dd-AFC4-6F175D3DCCD1}">
-              <a14:hiddenFill xmlns:a14="http://schemas.microsoft.com/office/drawing/2010/main">
-                <a:solidFill>
-                  <a:srgbClr val="FFFFFF"/>
-                </a:solidFill>
-              </a14:hiddenFill>
-            </a:ext>
-            <a:ext uri="{91240B29-F687-4f45-9708-019B960494DF}">
-              <a14:hiddenLine xmlns:a14="http://schemas.microsoft.com/office/drawing/2010/main" w="9525">
-                <a:solidFill>
-                  <a:srgbClr val="000000"/>
-                </a:solidFill>
-                <a:miter lim="800000"/>
-                <a:headEnd/>
-                <a:tailEnd/>
-              </a14:hiddenLine>
-            </a:ext>
-          </a:extLst>
-        </p:spPr>
-      </p:pic>
-      <p:grpSp>
-        <p:nvGrpSpPr>
-          <p:cNvPr id="22531" name="Group 17"/>
-          <p:cNvGrpSpPr>
-            <a:grpSpLocks/>
-          </p:cNvGrpSpPr>
-          <p:nvPr/>
-        </p:nvGrpSpPr>
-        <p:grpSpPr bwMode="auto">
-          <a:xfrm>
-            <a:off x="173038" y="6078538"/>
-            <a:ext cx="7947025" cy="663575"/>
-            <a:chOff x="173558" y="6079117"/>
-            <a:chExt cx="7945999" cy="662307"/>
-          </a:xfrm>
-        </p:grpSpPr>
-        <p:cxnSp>
-          <p:nvCxnSpPr>
-            <p:cNvPr id="5" name="Straight Arrow Connector 4"/>
-            <p:cNvCxnSpPr/>
-            <p:nvPr/>
-          </p:nvCxnSpPr>
-          <p:spPr>
-            <a:xfrm>
-              <a:off x="457683" y="6209043"/>
-              <a:ext cx="7661874" cy="11091"/>
-            </a:xfrm>
-            <a:prstGeom prst="straightConnector1">
-              <a:avLst/>
-            </a:prstGeom>
-            <a:ln w="57150" cap="flat" cmpd="sng" algn="ctr">
-              <a:solidFill>
-                <a:schemeClr val="tx1"/>
-              </a:solidFill>
-              <a:prstDash val="solid"/>
-              <a:round/>
-              <a:headEnd type="none" w="med" len="med"/>
-              <a:tailEnd type="arrow" w="med" len="med"/>
-            </a:ln>
-          </p:spPr>
-          <p:style>
-            <a:lnRef idx="2">
-              <a:schemeClr val="accent1"/>
-            </a:lnRef>
-            <a:fillRef idx="0">
-              <a:schemeClr val="accent1"/>
-            </a:fillRef>
-            <a:effectRef idx="1">
-              <a:schemeClr val="accent1"/>
-            </a:effectRef>
-            <a:fontRef idx="minor">
-              <a:schemeClr val="tx1"/>
-            </a:fontRef>
-          </p:style>
-        </p:cxnSp>
-        <p:cxnSp>
-          <p:nvCxnSpPr>
-            <p:cNvPr id="7" name="Straight Connector 6"/>
-            <p:cNvCxnSpPr/>
-            <p:nvPr/>
-          </p:nvCxnSpPr>
-          <p:spPr>
-            <a:xfrm rot="5400000">
-              <a:off x="525367" y="6203496"/>
-              <a:ext cx="250346" cy="1587"/>
-            </a:xfrm>
-            <a:prstGeom prst="line">
-              <a:avLst/>
-            </a:prstGeom>
-            <a:ln w="57150" cap="flat" cmpd="sng" algn="ctr">
-              <a:solidFill>
-                <a:schemeClr val="accent1"/>
-              </a:solidFill>
-              <a:prstDash val="solid"/>
-              <a:round/>
-              <a:headEnd type="none" w="med" len="med"/>
-              <a:tailEnd type="none" w="med" len="med"/>
-            </a:ln>
-          </p:spPr>
-          <p:style>
-            <a:lnRef idx="2">
-              <a:schemeClr val="accent1"/>
-            </a:lnRef>
-            <a:fillRef idx="0">
-              <a:schemeClr val="accent1"/>
-            </a:fillRef>
-            <a:effectRef idx="1">
-              <a:schemeClr val="accent1"/>
-            </a:effectRef>
-            <a:fontRef idx="minor">
-              <a:schemeClr val="tx1"/>
-            </a:fontRef>
-          </p:style>
-        </p:cxnSp>
-        <p:cxnSp>
-          <p:nvCxnSpPr>
-            <p:cNvPr id="9" name="Straight Connector 8"/>
-            <p:cNvCxnSpPr/>
-            <p:nvPr/>
-          </p:nvCxnSpPr>
-          <p:spPr>
-            <a:xfrm rot="5400000">
-              <a:off x="2055519" y="6203496"/>
-              <a:ext cx="250346" cy="1587"/>
-            </a:xfrm>
-            <a:prstGeom prst="line">
-              <a:avLst/>
-            </a:prstGeom>
-            <a:ln w="57150" cap="flat" cmpd="sng" algn="ctr">
-              <a:solidFill>
-                <a:schemeClr val="accent1"/>
-              </a:solidFill>
-              <a:prstDash val="solid"/>
-              <a:round/>
-              <a:headEnd type="none" w="med" len="med"/>
-              <a:tailEnd type="none" w="med" len="med"/>
-            </a:ln>
-          </p:spPr>
-          <p:style>
-            <a:lnRef idx="2">
-              <a:schemeClr val="accent1"/>
-            </a:lnRef>
-            <a:fillRef idx="0">
-              <a:schemeClr val="accent1"/>
-            </a:fillRef>
-            <a:effectRef idx="1">
-              <a:schemeClr val="accent1"/>
-            </a:effectRef>
-            <a:fontRef idx="minor">
-              <a:schemeClr val="tx1"/>
-            </a:fontRef>
-          </p:style>
-        </p:cxnSp>
-        <p:cxnSp>
-          <p:nvCxnSpPr>
-            <p:cNvPr id="10" name="Straight Connector 9"/>
-            <p:cNvCxnSpPr/>
-            <p:nvPr/>
-          </p:nvCxnSpPr>
-          <p:spPr>
-            <a:xfrm rot="5400000">
-              <a:off x="3990432" y="6203496"/>
-              <a:ext cx="250346" cy="1588"/>
-            </a:xfrm>
-            <a:prstGeom prst="line">
-              <a:avLst/>
-            </a:prstGeom>
-            <a:ln w="57150" cap="flat" cmpd="sng" algn="ctr">
-              <a:solidFill>
-                <a:schemeClr val="accent1"/>
-              </a:solidFill>
-              <a:prstDash val="solid"/>
-              <a:round/>
-              <a:headEnd type="none" w="med" len="med"/>
-              <a:tailEnd type="none" w="med" len="med"/>
-            </a:ln>
-          </p:spPr>
-          <p:style>
-            <a:lnRef idx="2">
-              <a:schemeClr val="accent1"/>
-            </a:lnRef>
-            <a:fillRef idx="0">
-              <a:schemeClr val="accent1"/>
-            </a:fillRef>
-            <a:effectRef idx="1">
-              <a:schemeClr val="accent1"/>
-            </a:effectRef>
-            <a:fontRef idx="minor">
-              <a:schemeClr val="tx1"/>
-            </a:fontRef>
-          </p:style>
-        </p:cxnSp>
-        <p:cxnSp>
-          <p:nvCxnSpPr>
-            <p:cNvPr id="11" name="Straight Connector 10"/>
-            <p:cNvCxnSpPr/>
-            <p:nvPr/>
-          </p:nvCxnSpPr>
-          <p:spPr>
-            <a:xfrm rot="5400000">
-              <a:off x="5715822" y="6203496"/>
-              <a:ext cx="250346" cy="1587"/>
-            </a:xfrm>
-            <a:prstGeom prst="line">
-              <a:avLst/>
-            </a:prstGeom>
-            <a:ln w="57150" cap="flat" cmpd="sng" algn="ctr">
-              <a:solidFill>
-                <a:schemeClr val="accent1"/>
-              </a:solidFill>
-              <a:prstDash val="solid"/>
-              <a:round/>
-              <a:headEnd type="none" w="med" len="med"/>
-              <a:tailEnd type="none" w="med" len="med"/>
-            </a:ln>
-          </p:spPr>
-          <p:style>
-            <a:lnRef idx="2">
-              <a:schemeClr val="accent1"/>
-            </a:lnRef>
-            <a:fillRef idx="0">
-              <a:schemeClr val="accent1"/>
-            </a:fillRef>
-            <a:effectRef idx="1">
-              <a:schemeClr val="accent1"/>
-            </a:effectRef>
-            <a:fontRef idx="minor">
-              <a:schemeClr val="tx1"/>
-            </a:fontRef>
-          </p:style>
-        </p:cxnSp>
-        <p:cxnSp>
-          <p:nvCxnSpPr>
-            <p:cNvPr id="12" name="Straight Connector 11"/>
-            <p:cNvCxnSpPr/>
-            <p:nvPr/>
-          </p:nvCxnSpPr>
-          <p:spPr>
-            <a:xfrm rot="5400000">
-              <a:off x="7558671" y="6203496"/>
-              <a:ext cx="250346" cy="1588"/>
-            </a:xfrm>
-            <a:prstGeom prst="line">
-              <a:avLst/>
-            </a:prstGeom>
-            <a:ln w="57150" cap="flat" cmpd="sng" algn="ctr">
-              <a:solidFill>
-                <a:schemeClr val="accent1"/>
-              </a:solidFill>
-              <a:prstDash val="solid"/>
-              <a:round/>
-              <a:headEnd type="none" w="med" len="med"/>
-              <a:tailEnd type="none" w="med" len="med"/>
-            </a:ln>
-          </p:spPr>
-          <p:style>
-            <a:lnRef idx="2">
-              <a:schemeClr val="accent1"/>
-            </a:lnRef>
-            <a:fillRef idx="0">
-              <a:schemeClr val="accent1"/>
-            </a:fillRef>
-            <a:effectRef idx="1">
-              <a:schemeClr val="accent1"/>
-            </a:effectRef>
-            <a:fontRef idx="minor">
-              <a:schemeClr val="tx1"/>
-            </a:fontRef>
-          </p:style>
-        </p:cxnSp>
-        <p:sp>
-          <p:nvSpPr>
-            <p:cNvPr id="22556" name="TextBox 12"/>
-            <p:cNvSpPr txBox="1">
-              <a:spLocks noChangeArrowheads="1"/>
-            </p:cNvSpPr>
-            <p:nvPr/>
-          </p:nvSpPr>
-          <p:spPr bwMode="auto">
-            <a:xfrm>
-              <a:off x="173558" y="6372092"/>
-              <a:ext cx="957075" cy="369332"/>
-            </a:xfrm>
-            <a:prstGeom prst="rect">
-              <a:avLst/>
-            </a:prstGeom>
-            <a:noFill/>
-            <a:ln>
-              <a:noFill/>
-            </a:ln>
-            <a:extLst>
-              <a:ext uri="{909E8E84-426E-40dd-AFC4-6F175D3DCCD1}">
-                <a14:hiddenFill xmlns:a14="http://schemas.microsoft.com/office/drawing/2010/main">
-                  <a:solidFill>
-                    <a:srgbClr val="FFFFFF"/>
-                  </a:solidFill>
-                </a14:hiddenFill>
-              </a:ext>
-              <a:ext uri="{91240B29-F687-4f45-9708-019B960494DF}">
-                <a14:hiddenLine xmlns:a14="http://schemas.microsoft.com/office/drawing/2010/main" w="9525">
-                  <a:solidFill>
-                    <a:srgbClr val="000000"/>
-                  </a:solidFill>
-                  <a:miter lim="800000"/>
-                  <a:headEnd/>
-                  <a:tailEnd/>
-                </a14:hiddenLine>
-              </a:ext>
-            </a:extLst>
-          </p:spPr>
-          <p:txBody>
-            <a:bodyPr wrap="none">
-              <a:spAutoFit/>
-            </a:bodyPr>
-            <a:lstStyle>
-              <a:lvl1pPr eaLnBrk="0" hangingPunct="0">
-                <a:defRPr sz="2400">
-                  <a:solidFill>
-                    <a:schemeClr val="tx1"/>
-                  </a:solidFill>
-                  <a:latin typeface="Arial" charset="0"/>
-                  <a:ea typeface="ＭＳ Ｐゴシック" charset="0"/>
-                  <a:cs typeface="ＭＳ Ｐゴシック" charset="0"/>
-                </a:defRPr>
-              </a:lvl1pPr>
-              <a:lvl2pPr marL="742950" indent="-285750" eaLnBrk="0" hangingPunct="0">
-                <a:defRPr sz="2400">
-                  <a:solidFill>
-                    <a:schemeClr val="tx1"/>
-                  </a:solidFill>
-                  <a:latin typeface="Arial" charset="0"/>
-                  <a:ea typeface="ＭＳ Ｐゴシック" charset="0"/>
-                </a:defRPr>
-              </a:lvl2pPr>
-              <a:lvl3pPr marL="1143000" indent="-228600" eaLnBrk="0" hangingPunct="0">
-                <a:defRPr sz="2400">
-                  <a:solidFill>
-                    <a:schemeClr val="tx1"/>
-                  </a:solidFill>
-                  <a:latin typeface="Arial" charset="0"/>
-                  <a:ea typeface="ＭＳ Ｐゴシック" charset="0"/>
-                </a:defRPr>
-              </a:lvl3pPr>
-              <a:lvl4pPr marL="1600200" indent="-228600" eaLnBrk="0" hangingPunct="0">
-                <a:defRPr sz="2400">
-                  <a:solidFill>
-                    <a:schemeClr val="tx1"/>
-                  </a:solidFill>
-                  <a:latin typeface="Arial" charset="0"/>
-                  <a:ea typeface="ＭＳ Ｐゴシック" charset="0"/>
-                </a:defRPr>
-              </a:lvl4pPr>
-              <a:lvl5pPr marL="2057400" indent="-228600" eaLnBrk="0" hangingPunct="0">
-                <a:defRPr sz="2400">
-                  <a:solidFill>
-                    <a:schemeClr val="tx1"/>
-                  </a:solidFill>
-                  <a:latin typeface="Arial" charset="0"/>
-                  <a:ea typeface="ＭＳ Ｐゴシック" charset="0"/>
-                </a:defRPr>
-              </a:lvl5pPr>
-              <a:lvl6pPr marL="2514600" indent="-228600" eaLnBrk="0" fontAlgn="base" hangingPunct="0">
-                <a:spcBef>
-                  <a:spcPct val="0"/>
-                </a:spcBef>
-                <a:spcAft>
-                  <a:spcPct val="0"/>
-                </a:spcAft>
-                <a:defRPr sz="2400">
-                  <a:solidFill>
-                    <a:schemeClr val="tx1"/>
-                  </a:solidFill>
-                  <a:latin typeface="Arial" charset="0"/>
-                  <a:ea typeface="ＭＳ Ｐゴシック" charset="0"/>
-                </a:defRPr>
-              </a:lvl6pPr>
-              <a:lvl7pPr marL="2971800" indent="-228600" eaLnBrk="0" fontAlgn="base" hangingPunct="0">
-                <a:spcBef>
-                  <a:spcPct val="0"/>
-                </a:spcBef>
-                <a:spcAft>
-                  <a:spcPct val="0"/>
-                </a:spcAft>
-                <a:defRPr sz="2400">
-                  <a:solidFill>
-                    <a:schemeClr val="tx1"/>
-                  </a:solidFill>
-                  <a:latin typeface="Arial" charset="0"/>
-                  <a:ea typeface="ＭＳ Ｐゴシック" charset="0"/>
-                </a:defRPr>
-              </a:lvl7pPr>
-              <a:lvl8pPr marL="3429000" indent="-228600" eaLnBrk="0" fontAlgn="base" hangingPunct="0">
-                <a:spcBef>
-                  <a:spcPct val="0"/>
-                </a:spcBef>
-                <a:spcAft>
-                  <a:spcPct val="0"/>
-                </a:spcAft>
-                <a:defRPr sz="2400">
-                  <a:solidFill>
-                    <a:schemeClr val="tx1"/>
-                  </a:solidFill>
-                  <a:latin typeface="Arial" charset="0"/>
-                  <a:ea typeface="ＭＳ Ｐゴシック" charset="0"/>
-                </a:defRPr>
-              </a:lvl8pPr>
-              <a:lvl9pPr marL="3886200" indent="-228600" eaLnBrk="0" fontAlgn="base" hangingPunct="0">
-                <a:spcBef>
-                  <a:spcPct val="0"/>
-                </a:spcBef>
-                <a:spcAft>
-                  <a:spcPct val="0"/>
-                </a:spcAft>
-                <a:defRPr sz="2400">
-                  <a:solidFill>
-                    <a:schemeClr val="tx1"/>
-                  </a:solidFill>
-                  <a:latin typeface="Arial" charset="0"/>
-                  <a:ea typeface="ＭＳ Ｐゴシック" charset="0"/>
-                </a:defRPr>
-              </a:lvl9pPr>
-            </a:lstStyle>
-            <a:p>
-              <a:pPr eaLnBrk="1" hangingPunct="1"/>
-              <a:r>
-                <a:rPr lang="en-US" sz="1800">
-                  <a:latin typeface="Calibri" charset="0"/>
-                </a:rPr>
-                <a:t>Monday</a:t>
-              </a:r>
-            </a:p>
-          </p:txBody>
-        </p:sp>
-        <p:sp>
-          <p:nvSpPr>
-            <p:cNvPr id="22557" name="TextBox 13"/>
-            <p:cNvSpPr txBox="1">
-              <a:spLocks noChangeArrowheads="1"/>
-            </p:cNvSpPr>
-            <p:nvPr/>
-          </p:nvSpPr>
-          <p:spPr bwMode="auto">
-            <a:xfrm>
-              <a:off x="1701733" y="6372092"/>
-              <a:ext cx="941296" cy="369332"/>
-            </a:xfrm>
-            <a:prstGeom prst="rect">
-              <a:avLst/>
-            </a:prstGeom>
-            <a:noFill/>
-            <a:ln>
-              <a:noFill/>
-            </a:ln>
-            <a:extLst>
-              <a:ext uri="{909E8E84-426E-40dd-AFC4-6F175D3DCCD1}">
-                <a14:hiddenFill xmlns:a14="http://schemas.microsoft.com/office/drawing/2010/main">
-                  <a:solidFill>
-                    <a:srgbClr val="FFFFFF"/>
-                  </a:solidFill>
-                </a14:hiddenFill>
-              </a:ext>
-              <a:ext uri="{91240B29-F687-4f45-9708-019B960494DF}">
-                <a14:hiddenLine xmlns:a14="http://schemas.microsoft.com/office/drawing/2010/main" w="9525">
-                  <a:solidFill>
-                    <a:srgbClr val="000000"/>
-                  </a:solidFill>
-                  <a:miter lim="800000"/>
-                  <a:headEnd/>
-                  <a:tailEnd/>
-                </a14:hiddenLine>
-              </a:ext>
-            </a:extLst>
-          </p:spPr>
-          <p:txBody>
-            <a:bodyPr wrap="none">
-              <a:spAutoFit/>
-            </a:bodyPr>
-            <a:lstStyle>
-              <a:lvl1pPr eaLnBrk="0" hangingPunct="0">
-                <a:defRPr sz="2400">
-                  <a:solidFill>
-                    <a:schemeClr val="tx1"/>
-                  </a:solidFill>
-                  <a:latin typeface="Arial" charset="0"/>
-                  <a:ea typeface="ＭＳ Ｐゴシック" charset="0"/>
-                  <a:cs typeface="ＭＳ Ｐゴシック" charset="0"/>
-                </a:defRPr>
-              </a:lvl1pPr>
-              <a:lvl2pPr marL="742950" indent="-285750" eaLnBrk="0" hangingPunct="0">
-                <a:defRPr sz="2400">
-                  <a:solidFill>
-                    <a:schemeClr val="tx1"/>
-                  </a:solidFill>
-                  <a:latin typeface="Arial" charset="0"/>
-                  <a:ea typeface="ＭＳ Ｐゴシック" charset="0"/>
-                </a:defRPr>
-              </a:lvl2pPr>
-              <a:lvl3pPr marL="1143000" indent="-228600" eaLnBrk="0" hangingPunct="0">
-                <a:defRPr sz="2400">
-                  <a:solidFill>
-                    <a:schemeClr val="tx1"/>
-                  </a:solidFill>
-                  <a:latin typeface="Arial" charset="0"/>
-                  <a:ea typeface="ＭＳ Ｐゴシック" charset="0"/>
-                </a:defRPr>
-              </a:lvl3pPr>
-              <a:lvl4pPr marL="1600200" indent="-228600" eaLnBrk="0" hangingPunct="0">
-                <a:defRPr sz="2400">
-                  <a:solidFill>
-                    <a:schemeClr val="tx1"/>
-                  </a:solidFill>
-                  <a:latin typeface="Arial" charset="0"/>
-                  <a:ea typeface="ＭＳ Ｐゴシック" charset="0"/>
-                </a:defRPr>
-              </a:lvl4pPr>
-              <a:lvl5pPr marL="2057400" indent="-228600" eaLnBrk="0" hangingPunct="0">
-                <a:defRPr sz="2400">
-                  <a:solidFill>
-                    <a:schemeClr val="tx1"/>
-                  </a:solidFill>
-                  <a:latin typeface="Arial" charset="0"/>
-                  <a:ea typeface="ＭＳ Ｐゴシック" charset="0"/>
-                </a:defRPr>
-              </a:lvl5pPr>
-              <a:lvl6pPr marL="2514600" indent="-228600" eaLnBrk="0" fontAlgn="base" hangingPunct="0">
-                <a:spcBef>
-                  <a:spcPct val="0"/>
-                </a:spcBef>
-                <a:spcAft>
-                  <a:spcPct val="0"/>
-                </a:spcAft>
-                <a:defRPr sz="2400">
-                  <a:solidFill>
-                    <a:schemeClr val="tx1"/>
-                  </a:solidFill>
-                  <a:latin typeface="Arial" charset="0"/>
-                  <a:ea typeface="ＭＳ Ｐゴシック" charset="0"/>
-                </a:defRPr>
-              </a:lvl6pPr>
-              <a:lvl7pPr marL="2971800" indent="-228600" eaLnBrk="0" fontAlgn="base" hangingPunct="0">
-                <a:spcBef>
-                  <a:spcPct val="0"/>
-                </a:spcBef>
-                <a:spcAft>
-                  <a:spcPct val="0"/>
-                </a:spcAft>
-                <a:defRPr sz="2400">
-                  <a:solidFill>
-                    <a:schemeClr val="tx1"/>
-                  </a:solidFill>
-                  <a:latin typeface="Arial" charset="0"/>
-                  <a:ea typeface="ＭＳ Ｐゴシック" charset="0"/>
-                </a:defRPr>
-              </a:lvl7pPr>
-              <a:lvl8pPr marL="3429000" indent="-228600" eaLnBrk="0" fontAlgn="base" hangingPunct="0">
-                <a:spcBef>
-                  <a:spcPct val="0"/>
-                </a:spcBef>
-                <a:spcAft>
-                  <a:spcPct val="0"/>
-                </a:spcAft>
-                <a:defRPr sz="2400">
-                  <a:solidFill>
-                    <a:schemeClr val="tx1"/>
-                  </a:solidFill>
-                  <a:latin typeface="Arial" charset="0"/>
-                  <a:ea typeface="ＭＳ Ｐゴシック" charset="0"/>
-                </a:defRPr>
-              </a:lvl8pPr>
-              <a:lvl9pPr marL="3886200" indent="-228600" eaLnBrk="0" fontAlgn="base" hangingPunct="0">
-                <a:spcBef>
-                  <a:spcPct val="0"/>
-                </a:spcBef>
-                <a:spcAft>
-                  <a:spcPct val="0"/>
-                </a:spcAft>
-                <a:defRPr sz="2400">
-                  <a:solidFill>
-                    <a:schemeClr val="tx1"/>
-                  </a:solidFill>
-                  <a:latin typeface="Arial" charset="0"/>
-                  <a:ea typeface="ＭＳ Ｐゴシック" charset="0"/>
-                </a:defRPr>
-              </a:lvl9pPr>
-            </a:lstStyle>
-            <a:p>
-              <a:pPr eaLnBrk="1" hangingPunct="1"/>
-              <a:r>
-                <a:rPr lang="en-US" sz="1800">
-                  <a:latin typeface="Calibri" charset="0"/>
-                </a:rPr>
-                <a:t>Tuesday</a:t>
-              </a:r>
-            </a:p>
-          </p:txBody>
-        </p:sp>
-        <p:sp>
-          <p:nvSpPr>
-            <p:cNvPr id="22558" name="TextBox 14"/>
-            <p:cNvSpPr txBox="1">
-              <a:spLocks noChangeArrowheads="1"/>
-            </p:cNvSpPr>
-            <p:nvPr/>
-          </p:nvSpPr>
-          <p:spPr bwMode="auto">
-            <a:xfrm>
-              <a:off x="3637105" y="6372092"/>
-              <a:ext cx="1276161" cy="369332"/>
-            </a:xfrm>
-            <a:prstGeom prst="rect">
-              <a:avLst/>
-            </a:prstGeom>
-            <a:noFill/>
-            <a:ln>
-              <a:noFill/>
-            </a:ln>
-            <a:extLst>
-              <a:ext uri="{909E8E84-426E-40dd-AFC4-6F175D3DCCD1}">
-                <a14:hiddenFill xmlns:a14="http://schemas.microsoft.com/office/drawing/2010/main">
-                  <a:solidFill>
-                    <a:srgbClr val="FFFFFF"/>
-                  </a:solidFill>
-                </a14:hiddenFill>
-              </a:ext>
-              <a:ext uri="{91240B29-F687-4f45-9708-019B960494DF}">
-                <a14:hiddenLine xmlns:a14="http://schemas.microsoft.com/office/drawing/2010/main" w="9525">
-                  <a:solidFill>
-                    <a:srgbClr val="000000"/>
-                  </a:solidFill>
-                  <a:miter lim="800000"/>
-                  <a:headEnd/>
-                  <a:tailEnd/>
-                </a14:hiddenLine>
-              </a:ext>
-            </a:extLst>
-          </p:spPr>
-          <p:txBody>
-            <a:bodyPr wrap="none">
-              <a:spAutoFit/>
-            </a:bodyPr>
-            <a:lstStyle>
-              <a:lvl1pPr eaLnBrk="0" hangingPunct="0">
-                <a:defRPr sz="2400">
-                  <a:solidFill>
-                    <a:schemeClr val="tx1"/>
-                  </a:solidFill>
-                  <a:latin typeface="Arial" charset="0"/>
-                  <a:ea typeface="ＭＳ Ｐゴシック" charset="0"/>
-                  <a:cs typeface="ＭＳ Ｐゴシック" charset="0"/>
-                </a:defRPr>
-              </a:lvl1pPr>
-              <a:lvl2pPr marL="742950" indent="-285750" eaLnBrk="0" hangingPunct="0">
-                <a:defRPr sz="2400">
-                  <a:solidFill>
-                    <a:schemeClr val="tx1"/>
-                  </a:solidFill>
-                  <a:latin typeface="Arial" charset="0"/>
-                  <a:ea typeface="ＭＳ Ｐゴシック" charset="0"/>
-                </a:defRPr>
-              </a:lvl2pPr>
-              <a:lvl3pPr marL="1143000" indent="-228600" eaLnBrk="0" hangingPunct="0">
-                <a:defRPr sz="2400">
-                  <a:solidFill>
-                    <a:schemeClr val="tx1"/>
-                  </a:solidFill>
-                  <a:latin typeface="Arial" charset="0"/>
-                  <a:ea typeface="ＭＳ Ｐゴシック" charset="0"/>
-                </a:defRPr>
-              </a:lvl3pPr>
-              <a:lvl4pPr marL="1600200" indent="-228600" eaLnBrk="0" hangingPunct="0">
-                <a:defRPr sz="2400">
-                  <a:solidFill>
-                    <a:schemeClr val="tx1"/>
-                  </a:solidFill>
-                  <a:latin typeface="Arial" charset="0"/>
-                  <a:ea typeface="ＭＳ Ｐゴシック" charset="0"/>
-                </a:defRPr>
-              </a:lvl4pPr>
-              <a:lvl5pPr marL="2057400" indent="-228600" eaLnBrk="0" hangingPunct="0">
-                <a:defRPr sz="2400">
-                  <a:solidFill>
-                    <a:schemeClr val="tx1"/>
-                  </a:solidFill>
-                  <a:latin typeface="Arial" charset="0"/>
-                  <a:ea typeface="ＭＳ Ｐゴシック" charset="0"/>
-                </a:defRPr>
-              </a:lvl5pPr>
-              <a:lvl6pPr marL="2514600" indent="-228600" eaLnBrk="0" fontAlgn="base" hangingPunct="0">
-                <a:spcBef>
-                  <a:spcPct val="0"/>
-                </a:spcBef>
-                <a:spcAft>
-                  <a:spcPct val="0"/>
-                </a:spcAft>
-                <a:defRPr sz="2400">
-                  <a:solidFill>
-                    <a:schemeClr val="tx1"/>
-                  </a:solidFill>
-                  <a:latin typeface="Arial" charset="0"/>
-                  <a:ea typeface="ＭＳ Ｐゴシック" charset="0"/>
-                </a:defRPr>
-              </a:lvl6pPr>
-              <a:lvl7pPr marL="2971800" indent="-228600" eaLnBrk="0" fontAlgn="base" hangingPunct="0">
-                <a:spcBef>
-                  <a:spcPct val="0"/>
-                </a:spcBef>
-                <a:spcAft>
-                  <a:spcPct val="0"/>
-                </a:spcAft>
-                <a:defRPr sz="2400">
-                  <a:solidFill>
-                    <a:schemeClr val="tx1"/>
-                  </a:solidFill>
-                  <a:latin typeface="Arial" charset="0"/>
-                  <a:ea typeface="ＭＳ Ｐゴシック" charset="0"/>
-                </a:defRPr>
-              </a:lvl7pPr>
-              <a:lvl8pPr marL="3429000" indent="-228600" eaLnBrk="0" fontAlgn="base" hangingPunct="0">
-                <a:spcBef>
-                  <a:spcPct val="0"/>
-                </a:spcBef>
-                <a:spcAft>
-                  <a:spcPct val="0"/>
-                </a:spcAft>
-                <a:defRPr sz="2400">
-                  <a:solidFill>
-                    <a:schemeClr val="tx1"/>
-                  </a:solidFill>
-                  <a:latin typeface="Arial" charset="0"/>
-                  <a:ea typeface="ＭＳ Ｐゴシック" charset="0"/>
-                </a:defRPr>
-              </a:lvl8pPr>
-              <a:lvl9pPr marL="3886200" indent="-228600" eaLnBrk="0" fontAlgn="base" hangingPunct="0">
-                <a:spcBef>
-                  <a:spcPct val="0"/>
-                </a:spcBef>
-                <a:spcAft>
-                  <a:spcPct val="0"/>
-                </a:spcAft>
-                <a:defRPr sz="2400">
-                  <a:solidFill>
-                    <a:schemeClr val="tx1"/>
-                  </a:solidFill>
-                  <a:latin typeface="Arial" charset="0"/>
-                  <a:ea typeface="ＭＳ Ｐゴシック" charset="0"/>
-                </a:defRPr>
-              </a:lvl9pPr>
-            </a:lstStyle>
-            <a:p>
-              <a:pPr eaLnBrk="1" hangingPunct="1"/>
-              <a:r>
-                <a:rPr lang="en-US" sz="1800">
-                  <a:latin typeface="Calibri" charset="0"/>
-                </a:rPr>
-                <a:t>Wednesday</a:t>
-              </a:r>
-            </a:p>
-          </p:txBody>
-        </p:sp>
-        <p:sp>
-          <p:nvSpPr>
-            <p:cNvPr id="22559" name="TextBox 15"/>
-            <p:cNvSpPr txBox="1">
-              <a:spLocks noChangeArrowheads="1"/>
-            </p:cNvSpPr>
-            <p:nvPr/>
-          </p:nvSpPr>
-          <p:spPr bwMode="auto">
-            <a:xfrm>
-              <a:off x="5361464" y="6372092"/>
-              <a:ext cx="1038566" cy="369332"/>
-            </a:xfrm>
-            <a:prstGeom prst="rect">
-              <a:avLst/>
-            </a:prstGeom>
-            <a:noFill/>
-            <a:ln>
-              <a:noFill/>
-            </a:ln>
-            <a:extLst>
-              <a:ext uri="{909E8E84-426E-40dd-AFC4-6F175D3DCCD1}">
-                <a14:hiddenFill xmlns:a14="http://schemas.microsoft.com/office/drawing/2010/main">
-                  <a:solidFill>
-                    <a:srgbClr val="FFFFFF"/>
-                  </a:solidFill>
-                </a14:hiddenFill>
-              </a:ext>
-              <a:ext uri="{91240B29-F687-4f45-9708-019B960494DF}">
-                <a14:hiddenLine xmlns:a14="http://schemas.microsoft.com/office/drawing/2010/main" w="9525">
-                  <a:solidFill>
-                    <a:srgbClr val="000000"/>
-                  </a:solidFill>
-                  <a:miter lim="800000"/>
-                  <a:headEnd/>
-                  <a:tailEnd/>
-                </a14:hiddenLine>
-              </a:ext>
-            </a:extLst>
-          </p:spPr>
-          <p:txBody>
-            <a:bodyPr wrap="none">
-              <a:spAutoFit/>
-            </a:bodyPr>
-            <a:lstStyle>
-              <a:lvl1pPr eaLnBrk="0" hangingPunct="0">
-                <a:defRPr sz="2400">
-                  <a:solidFill>
-                    <a:schemeClr val="tx1"/>
-                  </a:solidFill>
-                  <a:latin typeface="Arial" charset="0"/>
-                  <a:ea typeface="ＭＳ Ｐゴシック" charset="0"/>
-                  <a:cs typeface="ＭＳ Ｐゴシック" charset="0"/>
-                </a:defRPr>
-              </a:lvl1pPr>
-              <a:lvl2pPr marL="742950" indent="-285750" eaLnBrk="0" hangingPunct="0">
-                <a:defRPr sz="2400">
-                  <a:solidFill>
-                    <a:schemeClr val="tx1"/>
-                  </a:solidFill>
-                  <a:latin typeface="Arial" charset="0"/>
-                  <a:ea typeface="ＭＳ Ｐゴシック" charset="0"/>
-                </a:defRPr>
-              </a:lvl2pPr>
-              <a:lvl3pPr marL="1143000" indent="-228600" eaLnBrk="0" hangingPunct="0">
-                <a:defRPr sz="2400">
-                  <a:solidFill>
-                    <a:schemeClr val="tx1"/>
-                  </a:solidFill>
-                  <a:latin typeface="Arial" charset="0"/>
-                  <a:ea typeface="ＭＳ Ｐゴシック" charset="0"/>
-                </a:defRPr>
-              </a:lvl3pPr>
-              <a:lvl4pPr marL="1600200" indent="-228600" eaLnBrk="0" hangingPunct="0">
-                <a:defRPr sz="2400">
-                  <a:solidFill>
-                    <a:schemeClr val="tx1"/>
-                  </a:solidFill>
-                  <a:latin typeface="Arial" charset="0"/>
-                  <a:ea typeface="ＭＳ Ｐゴシック" charset="0"/>
-                </a:defRPr>
-              </a:lvl4pPr>
-              <a:lvl5pPr marL="2057400" indent="-228600" eaLnBrk="0" hangingPunct="0">
-                <a:defRPr sz="2400">
-                  <a:solidFill>
-                    <a:schemeClr val="tx1"/>
-                  </a:solidFill>
-                  <a:latin typeface="Arial" charset="0"/>
-                  <a:ea typeface="ＭＳ Ｐゴシック" charset="0"/>
-                </a:defRPr>
-              </a:lvl5pPr>
-              <a:lvl6pPr marL="2514600" indent="-228600" eaLnBrk="0" fontAlgn="base" hangingPunct="0">
-                <a:spcBef>
-                  <a:spcPct val="0"/>
-                </a:spcBef>
-                <a:spcAft>
-                  <a:spcPct val="0"/>
-                </a:spcAft>
-                <a:defRPr sz="2400">
-                  <a:solidFill>
-                    <a:schemeClr val="tx1"/>
-                  </a:solidFill>
-                  <a:latin typeface="Arial" charset="0"/>
-                  <a:ea typeface="ＭＳ Ｐゴシック" charset="0"/>
-                </a:defRPr>
-              </a:lvl6pPr>
-              <a:lvl7pPr marL="2971800" indent="-228600" eaLnBrk="0" fontAlgn="base" hangingPunct="0">
-                <a:spcBef>
-                  <a:spcPct val="0"/>
-                </a:spcBef>
-                <a:spcAft>
-                  <a:spcPct val="0"/>
-                </a:spcAft>
-                <a:defRPr sz="2400">
-                  <a:solidFill>
-                    <a:schemeClr val="tx1"/>
-                  </a:solidFill>
-                  <a:latin typeface="Arial" charset="0"/>
-                  <a:ea typeface="ＭＳ Ｐゴシック" charset="0"/>
-                </a:defRPr>
-              </a:lvl7pPr>
-              <a:lvl8pPr marL="3429000" indent="-228600" eaLnBrk="0" fontAlgn="base" hangingPunct="0">
-                <a:spcBef>
-                  <a:spcPct val="0"/>
-                </a:spcBef>
-                <a:spcAft>
-                  <a:spcPct val="0"/>
-                </a:spcAft>
-                <a:defRPr sz="2400">
-                  <a:solidFill>
-                    <a:schemeClr val="tx1"/>
-                  </a:solidFill>
-                  <a:latin typeface="Arial" charset="0"/>
-                  <a:ea typeface="ＭＳ Ｐゴシック" charset="0"/>
-                </a:defRPr>
-              </a:lvl8pPr>
-              <a:lvl9pPr marL="3886200" indent="-228600" eaLnBrk="0" fontAlgn="base" hangingPunct="0">
-                <a:spcBef>
-                  <a:spcPct val="0"/>
-                </a:spcBef>
-                <a:spcAft>
-                  <a:spcPct val="0"/>
-                </a:spcAft>
-                <a:defRPr sz="2400">
-                  <a:solidFill>
-                    <a:schemeClr val="tx1"/>
-                  </a:solidFill>
-                  <a:latin typeface="Arial" charset="0"/>
-                  <a:ea typeface="ＭＳ Ｐゴシック" charset="0"/>
-                </a:defRPr>
-              </a:lvl9pPr>
-            </a:lstStyle>
-            <a:p>
-              <a:pPr eaLnBrk="1" hangingPunct="1"/>
-              <a:r>
-                <a:rPr lang="en-US" sz="1800">
-                  <a:latin typeface="Calibri" charset="0"/>
-                </a:rPr>
-                <a:t>Thursday</a:t>
-              </a:r>
-            </a:p>
-          </p:txBody>
-        </p:sp>
-        <p:sp>
-          <p:nvSpPr>
-            <p:cNvPr id="22560" name="TextBox 16"/>
-            <p:cNvSpPr txBox="1">
-              <a:spLocks noChangeArrowheads="1"/>
-            </p:cNvSpPr>
-            <p:nvPr/>
-          </p:nvSpPr>
-          <p:spPr bwMode="auto">
-            <a:xfrm>
-              <a:off x="7206818" y="6372092"/>
-              <a:ext cx="756224" cy="369332"/>
-            </a:xfrm>
-            <a:prstGeom prst="rect">
-              <a:avLst/>
-            </a:prstGeom>
-            <a:noFill/>
-            <a:ln>
-              <a:noFill/>
-            </a:ln>
-            <a:extLst>
-              <a:ext uri="{909E8E84-426E-40dd-AFC4-6F175D3DCCD1}">
-                <a14:hiddenFill xmlns:a14="http://schemas.microsoft.com/office/drawing/2010/main">
-                  <a:solidFill>
-                    <a:srgbClr val="FFFFFF"/>
-                  </a:solidFill>
-                </a14:hiddenFill>
-              </a:ext>
-              <a:ext uri="{91240B29-F687-4f45-9708-019B960494DF}">
-                <a14:hiddenLine xmlns:a14="http://schemas.microsoft.com/office/drawing/2010/main" w="9525">
-                  <a:solidFill>
-                    <a:srgbClr val="000000"/>
-                  </a:solidFill>
-                  <a:miter lim="800000"/>
-                  <a:headEnd/>
-                  <a:tailEnd/>
-                </a14:hiddenLine>
-              </a:ext>
-            </a:extLst>
-          </p:spPr>
-          <p:txBody>
-            <a:bodyPr wrap="none">
-              <a:spAutoFit/>
-            </a:bodyPr>
-            <a:lstStyle>
-              <a:lvl1pPr eaLnBrk="0" hangingPunct="0">
-                <a:defRPr sz="2400">
-                  <a:solidFill>
-                    <a:schemeClr val="tx1"/>
-                  </a:solidFill>
-                  <a:latin typeface="Arial" charset="0"/>
-                  <a:ea typeface="ＭＳ Ｐゴシック" charset="0"/>
-                  <a:cs typeface="ＭＳ Ｐゴシック" charset="0"/>
-                </a:defRPr>
-              </a:lvl1pPr>
-              <a:lvl2pPr marL="742950" indent="-285750" eaLnBrk="0" hangingPunct="0">
-                <a:defRPr sz="2400">
-                  <a:solidFill>
-                    <a:schemeClr val="tx1"/>
-                  </a:solidFill>
-                  <a:latin typeface="Arial" charset="0"/>
-                  <a:ea typeface="ＭＳ Ｐゴシック" charset="0"/>
-                </a:defRPr>
-              </a:lvl2pPr>
-              <a:lvl3pPr marL="1143000" indent="-228600" eaLnBrk="0" hangingPunct="0">
-                <a:defRPr sz="2400">
-                  <a:solidFill>
-                    <a:schemeClr val="tx1"/>
-                  </a:solidFill>
-                  <a:latin typeface="Arial" charset="0"/>
-                  <a:ea typeface="ＭＳ Ｐゴシック" charset="0"/>
-                </a:defRPr>
-              </a:lvl3pPr>
-              <a:lvl4pPr marL="1600200" indent="-228600" eaLnBrk="0" hangingPunct="0">
-                <a:defRPr sz="2400">
-                  <a:solidFill>
-                    <a:schemeClr val="tx1"/>
-                  </a:solidFill>
-                  <a:latin typeface="Arial" charset="0"/>
-                  <a:ea typeface="ＭＳ Ｐゴシック" charset="0"/>
-                </a:defRPr>
-              </a:lvl4pPr>
-              <a:lvl5pPr marL="2057400" indent="-228600" eaLnBrk="0" hangingPunct="0">
-                <a:defRPr sz="2400">
-                  <a:solidFill>
-                    <a:schemeClr val="tx1"/>
-                  </a:solidFill>
-                  <a:latin typeface="Arial" charset="0"/>
-                  <a:ea typeface="ＭＳ Ｐゴシック" charset="0"/>
-                </a:defRPr>
-              </a:lvl5pPr>
-              <a:lvl6pPr marL="2514600" indent="-228600" eaLnBrk="0" fontAlgn="base" hangingPunct="0">
-                <a:spcBef>
-                  <a:spcPct val="0"/>
-                </a:spcBef>
-                <a:spcAft>
-                  <a:spcPct val="0"/>
-                </a:spcAft>
-                <a:defRPr sz="2400">
-                  <a:solidFill>
-                    <a:schemeClr val="tx1"/>
-                  </a:solidFill>
-                  <a:latin typeface="Arial" charset="0"/>
-                  <a:ea typeface="ＭＳ Ｐゴシック" charset="0"/>
-                </a:defRPr>
-              </a:lvl6pPr>
-              <a:lvl7pPr marL="2971800" indent="-228600" eaLnBrk="0" fontAlgn="base" hangingPunct="0">
-                <a:spcBef>
-                  <a:spcPct val="0"/>
-                </a:spcBef>
-                <a:spcAft>
-                  <a:spcPct val="0"/>
-                </a:spcAft>
-                <a:defRPr sz="2400">
-                  <a:solidFill>
-                    <a:schemeClr val="tx1"/>
-                  </a:solidFill>
-                  <a:latin typeface="Arial" charset="0"/>
-                  <a:ea typeface="ＭＳ Ｐゴシック" charset="0"/>
-                </a:defRPr>
-              </a:lvl7pPr>
-              <a:lvl8pPr marL="3429000" indent="-228600" eaLnBrk="0" fontAlgn="base" hangingPunct="0">
-                <a:spcBef>
-                  <a:spcPct val="0"/>
-                </a:spcBef>
-                <a:spcAft>
-                  <a:spcPct val="0"/>
-                </a:spcAft>
-                <a:defRPr sz="2400">
-                  <a:solidFill>
-                    <a:schemeClr val="tx1"/>
-                  </a:solidFill>
-                  <a:latin typeface="Arial" charset="0"/>
-                  <a:ea typeface="ＭＳ Ｐゴシック" charset="0"/>
-                </a:defRPr>
-              </a:lvl8pPr>
-              <a:lvl9pPr marL="3886200" indent="-228600" eaLnBrk="0" fontAlgn="base" hangingPunct="0">
-                <a:spcBef>
-                  <a:spcPct val="0"/>
-                </a:spcBef>
-                <a:spcAft>
-                  <a:spcPct val="0"/>
-                </a:spcAft>
-                <a:defRPr sz="2400">
-                  <a:solidFill>
-                    <a:schemeClr val="tx1"/>
-                  </a:solidFill>
-                  <a:latin typeface="Arial" charset="0"/>
-                  <a:ea typeface="ＭＳ Ｐゴシック" charset="0"/>
-                </a:defRPr>
-              </a:lvl9pPr>
-            </a:lstStyle>
-            <a:p>
-              <a:pPr eaLnBrk="1" hangingPunct="1"/>
-              <a:r>
-                <a:rPr lang="en-US" sz="1800">
-                  <a:latin typeface="Calibri" charset="0"/>
-                </a:rPr>
-                <a:t>Friday</a:t>
-              </a:r>
-            </a:p>
-          </p:txBody>
-        </p:sp>
-      </p:grpSp>
-      <p:sp>
-        <p:nvSpPr>
-          <p:cNvPr id="25" name="Rounded Rectangle 24"/>
-          <p:cNvSpPr/>
-          <p:nvPr/>
-        </p:nvSpPr>
-        <p:spPr>
-          <a:xfrm>
-            <a:off x="652463" y="1417638"/>
-            <a:ext cx="5394325" cy="808037"/>
-          </a:xfrm>
-          <a:prstGeom prst="roundRect">
-            <a:avLst/>
-          </a:prstGeom>
-          <a:solidFill>
-            <a:schemeClr val="accent6"/>
-          </a:solidFill>
-        </p:spPr>
-        <p:style>
-          <a:lnRef idx="1">
-            <a:schemeClr val="accent1"/>
-          </a:lnRef>
-          <a:fillRef idx="3">
-            <a:schemeClr val="accent1"/>
-          </a:fillRef>
-          <a:effectRef idx="2">
-            <a:schemeClr val="accent1"/>
-          </a:effectRef>
-          <a:fontRef idx="minor">
-            <a:schemeClr val="lt1"/>
-          </a:fontRef>
-        </p:style>
-        <p:txBody>
-          <a:bodyPr anchor="ctr"/>
-          <a:lstStyle/>
-          <a:p>
-            <a:pPr algn="ctr" fontAlgn="auto">
-              <a:spcBef>
-                <a:spcPts val="0"/>
-              </a:spcBef>
-              <a:spcAft>
-                <a:spcPts val="0"/>
-              </a:spcAft>
-              <a:defRPr/>
-            </a:pPr>
-            <a:r>
-              <a:rPr lang="en-US" sz="2100" dirty="0"/>
-              <a:t>Order by </a:t>
-            </a:r>
-            <a:r>
-              <a:rPr lang="en-US" sz="2100" dirty="0"/>
-              <a:t>decreasing weight</a:t>
-            </a:r>
-            <a:endParaRPr lang="en-US" sz="2100" dirty="0"/>
-          </a:p>
-        </p:txBody>
-      </p:sp>
-      <p:grpSp>
-        <p:nvGrpSpPr>
-          <p:cNvPr id="3" name="Group 34"/>
-          <p:cNvGrpSpPr>
-            <a:grpSpLocks/>
-          </p:cNvGrpSpPr>
-          <p:nvPr/>
-        </p:nvGrpSpPr>
-        <p:grpSpPr bwMode="auto">
-          <a:xfrm>
-            <a:off x="652463" y="5600700"/>
-            <a:ext cx="7031037" cy="401638"/>
-            <a:chOff x="652463" y="5600700"/>
-            <a:chExt cx="7031037" cy="401638"/>
-          </a:xfrm>
-        </p:grpSpPr>
-        <p:sp>
-          <p:nvSpPr>
-            <p:cNvPr id="19" name="Rectangle 18"/>
-            <p:cNvSpPr/>
-            <p:nvPr/>
-          </p:nvSpPr>
-          <p:spPr>
-            <a:xfrm>
-              <a:off x="652463" y="5600700"/>
-              <a:ext cx="7031037" cy="401638"/>
-            </a:xfrm>
-            <a:prstGeom prst="rect">
-              <a:avLst/>
-            </a:prstGeom>
-            <a:solidFill>
-              <a:srgbClr val="FF0000"/>
-            </a:solidFill>
-          </p:spPr>
-          <p:style>
-            <a:lnRef idx="1">
-              <a:schemeClr val="accent1"/>
-            </a:lnRef>
-            <a:fillRef idx="3">
-              <a:schemeClr val="accent1"/>
-            </a:fillRef>
-            <a:effectRef idx="2">
-              <a:schemeClr val="accent1"/>
-            </a:effectRef>
-            <a:fontRef idx="minor">
-              <a:schemeClr val="lt1"/>
-            </a:fontRef>
-          </p:style>
-          <p:txBody>
-            <a:bodyPr anchor="ctr"/>
-            <a:lstStyle/>
-            <a:p>
-              <a:pPr algn="ctr" fontAlgn="auto">
-                <a:spcBef>
-                  <a:spcPts val="0"/>
-                </a:spcBef>
-                <a:spcAft>
-                  <a:spcPts val="0"/>
-                </a:spcAft>
-                <a:defRPr/>
-              </a:pPr>
-              <a:r>
-                <a:rPr lang="en-US" dirty="0"/>
-                <a:t>Project</a:t>
-              </a:r>
-            </a:p>
-          </p:txBody>
-        </p:sp>
-        <p:sp>
-          <p:nvSpPr>
-            <p:cNvPr id="22549" name="TextBox 25"/>
-            <p:cNvSpPr txBox="1">
-              <a:spLocks noChangeArrowheads="1"/>
-            </p:cNvSpPr>
-            <p:nvPr/>
-          </p:nvSpPr>
-          <p:spPr bwMode="auto">
-            <a:xfrm>
-              <a:off x="5632673" y="5633006"/>
-              <a:ext cx="558642" cy="369332"/>
-            </a:xfrm>
-            <a:prstGeom prst="rect">
-              <a:avLst/>
-            </a:prstGeom>
-            <a:noFill/>
-            <a:ln>
-              <a:noFill/>
-            </a:ln>
-            <a:extLst>
-              <a:ext uri="{909E8E84-426E-40dd-AFC4-6F175D3DCCD1}">
-                <a14:hiddenFill xmlns:a14="http://schemas.microsoft.com/office/drawing/2010/main">
-                  <a:solidFill>
-                    <a:srgbClr val="FFFFFF"/>
-                  </a:solidFill>
-                </a14:hiddenFill>
-              </a:ext>
-              <a:ext uri="{91240B29-F687-4f45-9708-019B960494DF}">
-                <a14:hiddenLine xmlns:a14="http://schemas.microsoft.com/office/drawing/2010/main" w="9525">
-                  <a:solidFill>
-                    <a:srgbClr val="000000"/>
-                  </a:solidFill>
-                  <a:miter lim="800000"/>
-                  <a:headEnd/>
-                  <a:tailEnd/>
-                </a14:hiddenLine>
-              </a:ext>
-            </a:extLst>
-          </p:spPr>
-          <p:txBody>
-            <a:bodyPr wrap="none">
-              <a:spAutoFit/>
-            </a:bodyPr>
-            <a:lstStyle>
-              <a:lvl1pPr eaLnBrk="0" hangingPunct="0">
-                <a:defRPr sz="2400">
-                  <a:solidFill>
-                    <a:schemeClr val="tx1"/>
-                  </a:solidFill>
-                  <a:latin typeface="Arial" charset="0"/>
-                  <a:ea typeface="ＭＳ Ｐゴシック" charset="0"/>
-                  <a:cs typeface="ＭＳ Ｐゴシック" charset="0"/>
-                </a:defRPr>
-              </a:lvl1pPr>
-              <a:lvl2pPr marL="742950" indent="-285750" eaLnBrk="0" hangingPunct="0">
-                <a:defRPr sz="2400">
-                  <a:solidFill>
-                    <a:schemeClr val="tx1"/>
-                  </a:solidFill>
-                  <a:latin typeface="Arial" charset="0"/>
-                  <a:ea typeface="ＭＳ Ｐゴシック" charset="0"/>
-                </a:defRPr>
-              </a:lvl2pPr>
-              <a:lvl3pPr marL="1143000" indent="-228600" eaLnBrk="0" hangingPunct="0">
-                <a:defRPr sz="2400">
-                  <a:solidFill>
-                    <a:schemeClr val="tx1"/>
-                  </a:solidFill>
-                  <a:latin typeface="Arial" charset="0"/>
-                  <a:ea typeface="ＭＳ Ｐゴシック" charset="0"/>
-                </a:defRPr>
-              </a:lvl3pPr>
-              <a:lvl4pPr marL="1600200" indent="-228600" eaLnBrk="0" hangingPunct="0">
-                <a:defRPr sz="2400">
-                  <a:solidFill>
-                    <a:schemeClr val="tx1"/>
-                  </a:solidFill>
-                  <a:latin typeface="Arial" charset="0"/>
-                  <a:ea typeface="ＭＳ Ｐゴシック" charset="0"/>
-                </a:defRPr>
-              </a:lvl4pPr>
-              <a:lvl5pPr marL="2057400" indent="-228600" eaLnBrk="0" hangingPunct="0">
-                <a:defRPr sz="2400">
-                  <a:solidFill>
-                    <a:schemeClr val="tx1"/>
-                  </a:solidFill>
-                  <a:latin typeface="Arial" charset="0"/>
-                  <a:ea typeface="ＭＳ Ｐゴシック" charset="0"/>
-                </a:defRPr>
-              </a:lvl5pPr>
-              <a:lvl6pPr marL="2514600" indent="-228600" eaLnBrk="0" fontAlgn="base" hangingPunct="0">
-                <a:spcBef>
-                  <a:spcPct val="0"/>
-                </a:spcBef>
-                <a:spcAft>
-                  <a:spcPct val="0"/>
-                </a:spcAft>
-                <a:defRPr sz="2400">
-                  <a:solidFill>
-                    <a:schemeClr val="tx1"/>
-                  </a:solidFill>
-                  <a:latin typeface="Arial" charset="0"/>
-                  <a:ea typeface="ＭＳ Ｐゴシック" charset="0"/>
-                </a:defRPr>
-              </a:lvl6pPr>
-              <a:lvl7pPr marL="2971800" indent="-228600" eaLnBrk="0" fontAlgn="base" hangingPunct="0">
-                <a:spcBef>
-                  <a:spcPct val="0"/>
-                </a:spcBef>
-                <a:spcAft>
-                  <a:spcPct val="0"/>
-                </a:spcAft>
-                <a:defRPr sz="2400">
-                  <a:solidFill>
-                    <a:schemeClr val="tx1"/>
-                  </a:solidFill>
-                  <a:latin typeface="Arial" charset="0"/>
-                  <a:ea typeface="ＭＳ Ｐゴシック" charset="0"/>
-                </a:defRPr>
-              </a:lvl7pPr>
-              <a:lvl8pPr marL="3429000" indent="-228600" eaLnBrk="0" fontAlgn="base" hangingPunct="0">
-                <a:spcBef>
-                  <a:spcPct val="0"/>
-                </a:spcBef>
-                <a:spcAft>
-                  <a:spcPct val="0"/>
-                </a:spcAft>
-                <a:defRPr sz="2400">
-                  <a:solidFill>
-                    <a:schemeClr val="tx1"/>
-                  </a:solidFill>
-                  <a:latin typeface="Arial" charset="0"/>
-                  <a:ea typeface="ＭＳ Ｐゴシック" charset="0"/>
-                </a:defRPr>
-              </a:lvl8pPr>
-              <a:lvl9pPr marL="3886200" indent="-228600" eaLnBrk="0" fontAlgn="base" hangingPunct="0">
-                <a:spcBef>
-                  <a:spcPct val="0"/>
-                </a:spcBef>
-                <a:spcAft>
-                  <a:spcPct val="0"/>
-                </a:spcAft>
-                <a:defRPr sz="2400">
-                  <a:solidFill>
-                    <a:schemeClr val="tx1"/>
-                  </a:solidFill>
-                  <a:latin typeface="Arial" charset="0"/>
-                  <a:ea typeface="ＭＳ Ｐゴシック" charset="0"/>
-                </a:defRPr>
-              </a:lvl9pPr>
-            </a:lstStyle>
-            <a:p>
-              <a:pPr eaLnBrk="1" hangingPunct="1"/>
-              <a:r>
-                <a:rPr lang="en-US" sz="1800">
-                  <a:solidFill>
-                    <a:schemeClr val="bg1"/>
-                  </a:solidFill>
-                  <a:latin typeface="Calibri" charset="0"/>
-                </a:rPr>
-                <a:t>(30)</a:t>
-              </a:r>
-            </a:p>
-          </p:txBody>
-        </p:sp>
-      </p:grpSp>
-      <p:grpSp>
-        <p:nvGrpSpPr>
-          <p:cNvPr id="21510" name="Group 33"/>
-          <p:cNvGrpSpPr>
-            <a:grpSpLocks/>
-          </p:cNvGrpSpPr>
-          <p:nvPr/>
-        </p:nvGrpSpPr>
-        <p:grpSpPr bwMode="auto">
-          <a:xfrm>
-            <a:off x="5840413" y="4895850"/>
-            <a:ext cx="1925637" cy="423863"/>
-            <a:chOff x="5840413" y="4895850"/>
-            <a:chExt cx="1925435" cy="423863"/>
-          </a:xfrm>
-        </p:grpSpPr>
-        <p:sp>
-          <p:nvSpPr>
-            <p:cNvPr id="21" name="Rectangle 20"/>
-            <p:cNvSpPr/>
-            <p:nvPr/>
-          </p:nvSpPr>
-          <p:spPr>
-            <a:xfrm>
-              <a:off x="5840413" y="4895850"/>
-              <a:ext cx="1842894" cy="423863"/>
-            </a:xfrm>
-            <a:prstGeom prst="rect">
-              <a:avLst/>
-            </a:prstGeom>
-            <a:solidFill>
-              <a:srgbClr val="4F6228"/>
-            </a:solidFill>
-          </p:spPr>
-          <p:style>
-            <a:lnRef idx="1">
-              <a:schemeClr val="accent1"/>
-            </a:lnRef>
-            <a:fillRef idx="3">
-              <a:schemeClr val="accent1"/>
-            </a:fillRef>
-            <a:effectRef idx="2">
-              <a:schemeClr val="accent1"/>
-            </a:effectRef>
-            <a:fontRef idx="minor">
-              <a:schemeClr val="lt1"/>
-            </a:fontRef>
-          </p:style>
-          <p:txBody>
-            <a:bodyPr anchor="ctr"/>
-            <a:lstStyle/>
-            <a:p>
-              <a:pPr algn="ctr" fontAlgn="auto">
-                <a:spcBef>
-                  <a:spcPts val="0"/>
-                </a:spcBef>
-                <a:spcAft>
-                  <a:spcPts val="0"/>
-                </a:spcAft>
-                <a:defRPr/>
-              </a:pPr>
-              <a:r>
-                <a:rPr lang="en-US" dirty="0"/>
-                <a:t>331  HW</a:t>
-              </a:r>
-            </a:p>
-          </p:txBody>
-        </p:sp>
-        <p:sp>
-          <p:nvSpPr>
-            <p:cNvPr id="22547" name="TextBox 26"/>
-            <p:cNvSpPr txBox="1">
-              <a:spLocks noChangeArrowheads="1"/>
-            </p:cNvSpPr>
-            <p:nvPr/>
-          </p:nvSpPr>
-          <p:spPr bwMode="auto">
-            <a:xfrm>
-              <a:off x="7207206" y="4895850"/>
-              <a:ext cx="558642" cy="369332"/>
-            </a:xfrm>
-            <a:prstGeom prst="rect">
-              <a:avLst/>
-            </a:prstGeom>
-            <a:noFill/>
-            <a:ln>
-              <a:noFill/>
-            </a:ln>
-            <a:extLst>
-              <a:ext uri="{909E8E84-426E-40dd-AFC4-6F175D3DCCD1}">
-                <a14:hiddenFill xmlns:a14="http://schemas.microsoft.com/office/drawing/2010/main">
-                  <a:solidFill>
-                    <a:srgbClr val="FFFFFF"/>
-                  </a:solidFill>
-                </a14:hiddenFill>
-              </a:ext>
-              <a:ext uri="{91240B29-F687-4f45-9708-019B960494DF}">
-                <a14:hiddenLine xmlns:a14="http://schemas.microsoft.com/office/drawing/2010/main" w="9525">
-                  <a:solidFill>
-                    <a:srgbClr val="000000"/>
-                  </a:solidFill>
-                  <a:miter lim="800000"/>
-                  <a:headEnd/>
-                  <a:tailEnd/>
-                </a14:hiddenLine>
-              </a:ext>
-            </a:extLst>
-          </p:spPr>
-          <p:txBody>
-            <a:bodyPr wrap="none">
-              <a:spAutoFit/>
-            </a:bodyPr>
-            <a:lstStyle>
-              <a:lvl1pPr eaLnBrk="0" hangingPunct="0">
-                <a:defRPr sz="2400">
-                  <a:solidFill>
-                    <a:schemeClr val="tx1"/>
-                  </a:solidFill>
-                  <a:latin typeface="Arial" charset="0"/>
-                  <a:ea typeface="ＭＳ Ｐゴシック" charset="0"/>
-                  <a:cs typeface="ＭＳ Ｐゴシック" charset="0"/>
-                </a:defRPr>
-              </a:lvl1pPr>
-              <a:lvl2pPr marL="742950" indent="-285750" eaLnBrk="0" hangingPunct="0">
-                <a:defRPr sz="2400">
-                  <a:solidFill>
-                    <a:schemeClr val="tx1"/>
-                  </a:solidFill>
-                  <a:latin typeface="Arial" charset="0"/>
-                  <a:ea typeface="ＭＳ Ｐゴシック" charset="0"/>
-                </a:defRPr>
-              </a:lvl2pPr>
-              <a:lvl3pPr marL="1143000" indent="-228600" eaLnBrk="0" hangingPunct="0">
-                <a:defRPr sz="2400">
-                  <a:solidFill>
-                    <a:schemeClr val="tx1"/>
-                  </a:solidFill>
-                  <a:latin typeface="Arial" charset="0"/>
-                  <a:ea typeface="ＭＳ Ｐゴシック" charset="0"/>
-                </a:defRPr>
-              </a:lvl3pPr>
-              <a:lvl4pPr marL="1600200" indent="-228600" eaLnBrk="0" hangingPunct="0">
-                <a:defRPr sz="2400">
-                  <a:solidFill>
-                    <a:schemeClr val="tx1"/>
-                  </a:solidFill>
-                  <a:latin typeface="Arial" charset="0"/>
-                  <a:ea typeface="ＭＳ Ｐゴシック" charset="0"/>
-                </a:defRPr>
-              </a:lvl4pPr>
-              <a:lvl5pPr marL="2057400" indent="-228600" eaLnBrk="0" hangingPunct="0">
-                <a:defRPr sz="2400">
-                  <a:solidFill>
-                    <a:schemeClr val="tx1"/>
-                  </a:solidFill>
-                  <a:latin typeface="Arial" charset="0"/>
-                  <a:ea typeface="ＭＳ Ｐゴシック" charset="0"/>
-                </a:defRPr>
-              </a:lvl5pPr>
-              <a:lvl6pPr marL="2514600" indent="-228600" eaLnBrk="0" fontAlgn="base" hangingPunct="0">
-                <a:spcBef>
-                  <a:spcPct val="0"/>
-                </a:spcBef>
-                <a:spcAft>
-                  <a:spcPct val="0"/>
-                </a:spcAft>
-                <a:defRPr sz="2400">
-                  <a:solidFill>
-                    <a:schemeClr val="tx1"/>
-                  </a:solidFill>
-                  <a:latin typeface="Arial" charset="0"/>
-                  <a:ea typeface="ＭＳ Ｐゴシック" charset="0"/>
-                </a:defRPr>
-              </a:lvl6pPr>
-              <a:lvl7pPr marL="2971800" indent="-228600" eaLnBrk="0" fontAlgn="base" hangingPunct="0">
-                <a:spcBef>
-                  <a:spcPct val="0"/>
-                </a:spcBef>
-                <a:spcAft>
-                  <a:spcPct val="0"/>
-                </a:spcAft>
-                <a:defRPr sz="2400">
-                  <a:solidFill>
-                    <a:schemeClr val="tx1"/>
-                  </a:solidFill>
-                  <a:latin typeface="Arial" charset="0"/>
-                  <a:ea typeface="ＭＳ Ｐゴシック" charset="0"/>
-                </a:defRPr>
-              </a:lvl7pPr>
-              <a:lvl8pPr marL="3429000" indent="-228600" eaLnBrk="0" fontAlgn="base" hangingPunct="0">
-                <a:spcBef>
-                  <a:spcPct val="0"/>
-                </a:spcBef>
-                <a:spcAft>
-                  <a:spcPct val="0"/>
-                </a:spcAft>
-                <a:defRPr sz="2400">
-                  <a:solidFill>
-                    <a:schemeClr val="tx1"/>
-                  </a:solidFill>
-                  <a:latin typeface="Arial" charset="0"/>
-                  <a:ea typeface="ＭＳ Ｐゴシック" charset="0"/>
-                </a:defRPr>
-              </a:lvl8pPr>
-              <a:lvl9pPr marL="3886200" indent="-228600" eaLnBrk="0" fontAlgn="base" hangingPunct="0">
-                <a:spcBef>
-                  <a:spcPct val="0"/>
-                </a:spcBef>
-                <a:spcAft>
-                  <a:spcPct val="0"/>
-                </a:spcAft>
-                <a:defRPr sz="2400">
-                  <a:solidFill>
-                    <a:schemeClr val="tx1"/>
-                  </a:solidFill>
-                  <a:latin typeface="Arial" charset="0"/>
-                  <a:ea typeface="ＭＳ Ｐゴシック" charset="0"/>
-                </a:defRPr>
-              </a:lvl9pPr>
-            </a:lstStyle>
-            <a:p>
-              <a:pPr eaLnBrk="1" hangingPunct="1"/>
-              <a:r>
-                <a:rPr lang="en-US" sz="1800">
-                  <a:solidFill>
-                    <a:schemeClr val="bg1"/>
-                  </a:solidFill>
-                  <a:latin typeface="Calibri" charset="0"/>
-                </a:rPr>
-                <a:t>(10)</a:t>
-              </a:r>
-            </a:p>
-          </p:txBody>
-        </p:sp>
-      </p:grpSp>
-      <p:grpSp>
-        <p:nvGrpSpPr>
-          <p:cNvPr id="21511" name="Group 31"/>
-          <p:cNvGrpSpPr>
-            <a:grpSpLocks/>
-          </p:cNvGrpSpPr>
-          <p:nvPr/>
-        </p:nvGrpSpPr>
-        <p:grpSpPr bwMode="auto">
-          <a:xfrm>
-            <a:off x="4114800" y="4298950"/>
-            <a:ext cx="1804988" cy="412750"/>
-            <a:chOff x="4114800" y="4298950"/>
-            <a:chExt cx="1805456" cy="412750"/>
-          </a:xfrm>
-        </p:grpSpPr>
-        <p:sp>
-          <p:nvSpPr>
-            <p:cNvPr id="23" name="Rectangle 22"/>
-            <p:cNvSpPr/>
-            <p:nvPr/>
-          </p:nvSpPr>
-          <p:spPr>
-            <a:xfrm>
-              <a:off x="4114800" y="4298950"/>
-              <a:ext cx="1726060" cy="412750"/>
-            </a:xfrm>
-            <a:prstGeom prst="rect">
-              <a:avLst/>
-            </a:prstGeom>
-            <a:solidFill>
-              <a:schemeClr val="accent4">
-                <a:lumMod val="75000"/>
-              </a:schemeClr>
-            </a:solidFill>
-          </p:spPr>
-          <p:style>
-            <a:lnRef idx="1">
-              <a:schemeClr val="accent1"/>
-            </a:lnRef>
-            <a:fillRef idx="3">
-              <a:schemeClr val="accent1"/>
-            </a:fillRef>
-            <a:effectRef idx="2">
-              <a:schemeClr val="accent1"/>
-            </a:effectRef>
-            <a:fontRef idx="minor">
-              <a:schemeClr val="lt1"/>
-            </a:fontRef>
-          </p:style>
-          <p:txBody>
-            <a:bodyPr anchor="ctr"/>
-            <a:lstStyle/>
-            <a:p>
-              <a:pPr algn="ctr" fontAlgn="auto">
-                <a:spcBef>
-                  <a:spcPts val="0"/>
-                </a:spcBef>
-                <a:spcAft>
-                  <a:spcPts val="0"/>
-                </a:spcAft>
-                <a:defRPr/>
-              </a:pPr>
-              <a:r>
-                <a:rPr lang="en-US" dirty="0"/>
-                <a:t>Party!</a:t>
-              </a:r>
-            </a:p>
-          </p:txBody>
-        </p:sp>
-        <p:sp>
-          <p:nvSpPr>
-            <p:cNvPr id="22545" name="TextBox 27"/>
-            <p:cNvSpPr txBox="1">
-              <a:spLocks noChangeArrowheads="1"/>
-            </p:cNvSpPr>
-            <p:nvPr/>
-          </p:nvSpPr>
-          <p:spPr bwMode="auto">
-            <a:xfrm>
-              <a:off x="5361614" y="4342368"/>
-              <a:ext cx="558642" cy="369332"/>
-            </a:xfrm>
-            <a:prstGeom prst="rect">
-              <a:avLst/>
-            </a:prstGeom>
-            <a:noFill/>
-            <a:ln>
-              <a:noFill/>
-            </a:ln>
-            <a:extLst>
-              <a:ext uri="{909E8E84-426E-40dd-AFC4-6F175D3DCCD1}">
-                <a14:hiddenFill xmlns:a14="http://schemas.microsoft.com/office/drawing/2010/main">
-                  <a:solidFill>
-                    <a:srgbClr val="FFFFFF"/>
-                  </a:solidFill>
-                </a14:hiddenFill>
-              </a:ext>
-              <a:ext uri="{91240B29-F687-4f45-9708-019B960494DF}">
-                <a14:hiddenLine xmlns:a14="http://schemas.microsoft.com/office/drawing/2010/main" w="9525">
-                  <a:solidFill>
-                    <a:srgbClr val="000000"/>
-                  </a:solidFill>
-                  <a:miter lim="800000"/>
-                  <a:headEnd/>
-                  <a:tailEnd/>
-                </a14:hiddenLine>
-              </a:ext>
-            </a:extLst>
-          </p:spPr>
-          <p:txBody>
-            <a:bodyPr wrap="none">
-              <a:spAutoFit/>
-            </a:bodyPr>
-            <a:lstStyle>
-              <a:lvl1pPr eaLnBrk="0" hangingPunct="0">
-                <a:defRPr sz="2400">
-                  <a:solidFill>
-                    <a:schemeClr val="tx1"/>
-                  </a:solidFill>
-                  <a:latin typeface="Arial" charset="0"/>
-                  <a:ea typeface="ＭＳ Ｐゴシック" charset="0"/>
-                  <a:cs typeface="ＭＳ Ｐゴシック" charset="0"/>
-                </a:defRPr>
-              </a:lvl1pPr>
-              <a:lvl2pPr marL="742950" indent="-285750" eaLnBrk="0" hangingPunct="0">
-                <a:defRPr sz="2400">
-                  <a:solidFill>
-                    <a:schemeClr val="tx1"/>
-                  </a:solidFill>
-                  <a:latin typeface="Arial" charset="0"/>
-                  <a:ea typeface="ＭＳ Ｐゴシック" charset="0"/>
-                </a:defRPr>
-              </a:lvl2pPr>
-              <a:lvl3pPr marL="1143000" indent="-228600" eaLnBrk="0" hangingPunct="0">
-                <a:defRPr sz="2400">
-                  <a:solidFill>
-                    <a:schemeClr val="tx1"/>
-                  </a:solidFill>
-                  <a:latin typeface="Arial" charset="0"/>
-                  <a:ea typeface="ＭＳ Ｐゴシック" charset="0"/>
-                </a:defRPr>
-              </a:lvl3pPr>
-              <a:lvl4pPr marL="1600200" indent="-228600" eaLnBrk="0" hangingPunct="0">
-                <a:defRPr sz="2400">
-                  <a:solidFill>
-                    <a:schemeClr val="tx1"/>
-                  </a:solidFill>
-                  <a:latin typeface="Arial" charset="0"/>
-                  <a:ea typeface="ＭＳ Ｐゴシック" charset="0"/>
-                </a:defRPr>
-              </a:lvl4pPr>
-              <a:lvl5pPr marL="2057400" indent="-228600" eaLnBrk="0" hangingPunct="0">
-                <a:defRPr sz="2400">
-                  <a:solidFill>
-                    <a:schemeClr val="tx1"/>
-                  </a:solidFill>
-                  <a:latin typeface="Arial" charset="0"/>
-                  <a:ea typeface="ＭＳ Ｐゴシック" charset="0"/>
-                </a:defRPr>
-              </a:lvl5pPr>
-              <a:lvl6pPr marL="2514600" indent="-228600" eaLnBrk="0" fontAlgn="base" hangingPunct="0">
-                <a:spcBef>
-                  <a:spcPct val="0"/>
-                </a:spcBef>
-                <a:spcAft>
-                  <a:spcPct val="0"/>
-                </a:spcAft>
-                <a:defRPr sz="2400">
-                  <a:solidFill>
-                    <a:schemeClr val="tx1"/>
-                  </a:solidFill>
-                  <a:latin typeface="Arial" charset="0"/>
-                  <a:ea typeface="ＭＳ Ｐゴシック" charset="0"/>
-                </a:defRPr>
-              </a:lvl6pPr>
-              <a:lvl7pPr marL="2971800" indent="-228600" eaLnBrk="0" fontAlgn="base" hangingPunct="0">
-                <a:spcBef>
-                  <a:spcPct val="0"/>
-                </a:spcBef>
-                <a:spcAft>
-                  <a:spcPct val="0"/>
-                </a:spcAft>
-                <a:defRPr sz="2400">
-                  <a:solidFill>
-                    <a:schemeClr val="tx1"/>
-                  </a:solidFill>
-                  <a:latin typeface="Arial" charset="0"/>
-                  <a:ea typeface="ＭＳ Ｐゴシック" charset="0"/>
-                </a:defRPr>
-              </a:lvl7pPr>
-              <a:lvl8pPr marL="3429000" indent="-228600" eaLnBrk="0" fontAlgn="base" hangingPunct="0">
-                <a:spcBef>
-                  <a:spcPct val="0"/>
-                </a:spcBef>
-                <a:spcAft>
-                  <a:spcPct val="0"/>
-                </a:spcAft>
-                <a:defRPr sz="2400">
-                  <a:solidFill>
-                    <a:schemeClr val="tx1"/>
-                  </a:solidFill>
-                  <a:latin typeface="Arial" charset="0"/>
-                  <a:ea typeface="ＭＳ Ｐゴシック" charset="0"/>
-                </a:defRPr>
-              </a:lvl8pPr>
-              <a:lvl9pPr marL="3886200" indent="-228600" eaLnBrk="0" fontAlgn="base" hangingPunct="0">
-                <a:spcBef>
-                  <a:spcPct val="0"/>
-                </a:spcBef>
-                <a:spcAft>
-                  <a:spcPct val="0"/>
-                </a:spcAft>
-                <a:defRPr sz="2400">
-                  <a:solidFill>
-                    <a:schemeClr val="tx1"/>
-                  </a:solidFill>
-                  <a:latin typeface="Arial" charset="0"/>
-                  <a:ea typeface="ＭＳ Ｐゴシック" charset="0"/>
-                </a:defRPr>
-              </a:lvl9pPr>
-            </a:lstStyle>
-            <a:p>
-              <a:pPr eaLnBrk="1" hangingPunct="1"/>
-              <a:r>
-                <a:rPr lang="en-US" sz="1800">
-                  <a:solidFill>
-                    <a:schemeClr val="bg1"/>
-                  </a:solidFill>
-                  <a:latin typeface="Calibri" charset="0"/>
-                </a:rPr>
-                <a:t>(15)</a:t>
-              </a:r>
-            </a:p>
-          </p:txBody>
-        </p:sp>
-      </p:grpSp>
-      <p:grpSp>
-        <p:nvGrpSpPr>
-          <p:cNvPr id="8" name="Group 32"/>
-          <p:cNvGrpSpPr>
-            <a:grpSpLocks/>
-          </p:cNvGrpSpPr>
-          <p:nvPr/>
-        </p:nvGrpSpPr>
-        <p:grpSpPr bwMode="auto">
-          <a:xfrm>
-            <a:off x="2181225" y="4873625"/>
-            <a:ext cx="1935163" cy="434975"/>
-            <a:chOff x="2181225" y="4873625"/>
-            <a:chExt cx="1935163" cy="434975"/>
-          </a:xfrm>
-        </p:grpSpPr>
-        <p:sp>
-          <p:nvSpPr>
-            <p:cNvPr id="22" name="Rectangle 21"/>
-            <p:cNvSpPr/>
-            <p:nvPr/>
-          </p:nvSpPr>
-          <p:spPr>
-            <a:xfrm>
-              <a:off x="2181225" y="4873625"/>
-              <a:ext cx="1935163" cy="434975"/>
-            </a:xfrm>
-            <a:prstGeom prst="rect">
-              <a:avLst/>
-            </a:prstGeom>
-            <a:solidFill>
-              <a:schemeClr val="tx2"/>
-            </a:solidFill>
-          </p:spPr>
-          <p:style>
-            <a:lnRef idx="1">
-              <a:schemeClr val="accent1"/>
-            </a:lnRef>
-            <a:fillRef idx="3">
-              <a:schemeClr val="accent1"/>
-            </a:fillRef>
-            <a:effectRef idx="2">
-              <a:schemeClr val="accent1"/>
-            </a:effectRef>
-            <a:fontRef idx="minor">
-              <a:schemeClr val="lt1"/>
-            </a:fontRef>
-          </p:style>
-          <p:txBody>
-            <a:bodyPr anchor="ctr"/>
-            <a:lstStyle/>
-            <a:p>
-              <a:pPr algn="ctr" fontAlgn="auto">
-                <a:spcBef>
-                  <a:spcPts val="0"/>
-                </a:spcBef>
-                <a:spcAft>
-                  <a:spcPts val="0"/>
-                </a:spcAft>
-                <a:defRPr/>
-              </a:pPr>
-              <a:r>
-                <a:rPr lang="en-US" dirty="0"/>
-                <a:t>Exam study</a:t>
-              </a:r>
-            </a:p>
-          </p:txBody>
-        </p:sp>
-        <p:sp>
-          <p:nvSpPr>
-            <p:cNvPr id="22543" name="TextBox 28"/>
-            <p:cNvSpPr txBox="1">
-              <a:spLocks noChangeArrowheads="1"/>
-            </p:cNvSpPr>
-            <p:nvPr/>
-          </p:nvSpPr>
-          <p:spPr bwMode="auto">
-            <a:xfrm>
-              <a:off x="3674741" y="4895850"/>
-              <a:ext cx="441647" cy="369332"/>
-            </a:xfrm>
-            <a:prstGeom prst="rect">
-              <a:avLst/>
-            </a:prstGeom>
-            <a:noFill/>
-            <a:ln>
-              <a:noFill/>
-            </a:ln>
-            <a:extLst>
-              <a:ext uri="{909E8E84-426E-40dd-AFC4-6F175D3DCCD1}">
-                <a14:hiddenFill xmlns:a14="http://schemas.microsoft.com/office/drawing/2010/main">
-                  <a:solidFill>
-                    <a:srgbClr val="FFFFFF"/>
-                  </a:solidFill>
-                </a14:hiddenFill>
-              </a:ext>
-              <a:ext uri="{91240B29-F687-4f45-9708-019B960494DF}">
-                <a14:hiddenLine xmlns:a14="http://schemas.microsoft.com/office/drawing/2010/main" w="9525">
-                  <a:solidFill>
-                    <a:srgbClr val="000000"/>
-                  </a:solidFill>
-                  <a:miter lim="800000"/>
-                  <a:headEnd/>
-                  <a:tailEnd/>
-                </a14:hiddenLine>
-              </a:ext>
-            </a:extLst>
-          </p:spPr>
-          <p:txBody>
-            <a:bodyPr wrap="none">
-              <a:spAutoFit/>
-            </a:bodyPr>
-            <a:lstStyle>
-              <a:lvl1pPr eaLnBrk="0" hangingPunct="0">
-                <a:defRPr sz="2400">
-                  <a:solidFill>
-                    <a:schemeClr val="tx1"/>
-                  </a:solidFill>
-                  <a:latin typeface="Arial" charset="0"/>
-                  <a:ea typeface="ＭＳ Ｐゴシック" charset="0"/>
-                  <a:cs typeface="ＭＳ Ｐゴシック" charset="0"/>
-                </a:defRPr>
-              </a:lvl1pPr>
-              <a:lvl2pPr marL="742950" indent="-285750" eaLnBrk="0" hangingPunct="0">
-                <a:defRPr sz="2400">
-                  <a:solidFill>
-                    <a:schemeClr val="tx1"/>
-                  </a:solidFill>
-                  <a:latin typeface="Arial" charset="0"/>
-                  <a:ea typeface="ＭＳ Ｐゴシック" charset="0"/>
-                </a:defRPr>
-              </a:lvl2pPr>
-              <a:lvl3pPr marL="1143000" indent="-228600" eaLnBrk="0" hangingPunct="0">
-                <a:defRPr sz="2400">
-                  <a:solidFill>
-                    <a:schemeClr val="tx1"/>
-                  </a:solidFill>
-                  <a:latin typeface="Arial" charset="0"/>
-                  <a:ea typeface="ＭＳ Ｐゴシック" charset="0"/>
-                </a:defRPr>
-              </a:lvl3pPr>
-              <a:lvl4pPr marL="1600200" indent="-228600" eaLnBrk="0" hangingPunct="0">
-                <a:defRPr sz="2400">
-                  <a:solidFill>
-                    <a:schemeClr val="tx1"/>
-                  </a:solidFill>
-                  <a:latin typeface="Arial" charset="0"/>
-                  <a:ea typeface="ＭＳ Ｐゴシック" charset="0"/>
-                </a:defRPr>
-              </a:lvl4pPr>
-              <a:lvl5pPr marL="2057400" indent="-228600" eaLnBrk="0" hangingPunct="0">
-                <a:defRPr sz="2400">
-                  <a:solidFill>
-                    <a:schemeClr val="tx1"/>
-                  </a:solidFill>
-                  <a:latin typeface="Arial" charset="0"/>
-                  <a:ea typeface="ＭＳ Ｐゴシック" charset="0"/>
-                </a:defRPr>
-              </a:lvl5pPr>
-              <a:lvl6pPr marL="2514600" indent="-228600" eaLnBrk="0" fontAlgn="base" hangingPunct="0">
-                <a:spcBef>
-                  <a:spcPct val="0"/>
-                </a:spcBef>
-                <a:spcAft>
-                  <a:spcPct val="0"/>
-                </a:spcAft>
-                <a:defRPr sz="2400">
-                  <a:solidFill>
-                    <a:schemeClr val="tx1"/>
-                  </a:solidFill>
-                  <a:latin typeface="Arial" charset="0"/>
-                  <a:ea typeface="ＭＳ Ｐゴシック" charset="0"/>
-                </a:defRPr>
-              </a:lvl6pPr>
-              <a:lvl7pPr marL="2971800" indent="-228600" eaLnBrk="0" fontAlgn="base" hangingPunct="0">
-                <a:spcBef>
-                  <a:spcPct val="0"/>
-                </a:spcBef>
-                <a:spcAft>
-                  <a:spcPct val="0"/>
-                </a:spcAft>
-                <a:defRPr sz="2400">
-                  <a:solidFill>
-                    <a:schemeClr val="tx1"/>
-                  </a:solidFill>
-                  <a:latin typeface="Arial" charset="0"/>
-                  <a:ea typeface="ＭＳ Ｐゴシック" charset="0"/>
-                </a:defRPr>
-              </a:lvl7pPr>
-              <a:lvl8pPr marL="3429000" indent="-228600" eaLnBrk="0" fontAlgn="base" hangingPunct="0">
-                <a:spcBef>
-                  <a:spcPct val="0"/>
-                </a:spcBef>
-                <a:spcAft>
-                  <a:spcPct val="0"/>
-                </a:spcAft>
-                <a:defRPr sz="2400">
-                  <a:solidFill>
-                    <a:schemeClr val="tx1"/>
-                  </a:solidFill>
-                  <a:latin typeface="Arial" charset="0"/>
-                  <a:ea typeface="ＭＳ Ｐゴシック" charset="0"/>
-                </a:defRPr>
-              </a:lvl8pPr>
-              <a:lvl9pPr marL="3886200" indent="-228600" eaLnBrk="0" fontAlgn="base" hangingPunct="0">
-                <a:spcBef>
-                  <a:spcPct val="0"/>
-                </a:spcBef>
-                <a:spcAft>
-                  <a:spcPct val="0"/>
-                </a:spcAft>
-                <a:defRPr sz="2400">
-                  <a:solidFill>
-                    <a:schemeClr val="tx1"/>
-                  </a:solidFill>
-                  <a:latin typeface="Arial" charset="0"/>
-                  <a:ea typeface="ＭＳ Ｐゴシック" charset="0"/>
-                </a:defRPr>
-              </a:lvl9pPr>
-            </a:lstStyle>
-            <a:p>
-              <a:pPr eaLnBrk="1" hangingPunct="1"/>
-              <a:r>
-                <a:rPr lang="en-US" sz="1800">
-                  <a:solidFill>
-                    <a:schemeClr val="bg1"/>
-                  </a:solidFill>
-                  <a:latin typeface="Calibri" charset="0"/>
-                </a:rPr>
-                <a:t>(2)</a:t>
-              </a:r>
-            </a:p>
-          </p:txBody>
-        </p:sp>
-      </p:grpSp>
-      <p:grpSp>
-        <p:nvGrpSpPr>
-          <p:cNvPr id="13" name="Group 30"/>
-          <p:cNvGrpSpPr>
-            <a:grpSpLocks/>
-          </p:cNvGrpSpPr>
-          <p:nvPr/>
-        </p:nvGrpSpPr>
-        <p:grpSpPr bwMode="auto">
-          <a:xfrm>
-            <a:off x="652463" y="3592513"/>
-            <a:ext cx="5187950" cy="434975"/>
-            <a:chOff x="652463" y="3592513"/>
-            <a:chExt cx="5187950" cy="434975"/>
-          </a:xfrm>
-        </p:grpSpPr>
-        <p:sp>
-          <p:nvSpPr>
-            <p:cNvPr id="24" name="Rectangle 23"/>
-            <p:cNvSpPr/>
-            <p:nvPr/>
-          </p:nvSpPr>
-          <p:spPr>
-            <a:xfrm>
-              <a:off x="652463" y="3592513"/>
-              <a:ext cx="5187950" cy="434975"/>
-            </a:xfrm>
-            <a:prstGeom prst="rect">
-              <a:avLst/>
-            </a:prstGeom>
-            <a:solidFill>
-              <a:schemeClr val="bg2">
-                <a:lumMod val="25000"/>
-              </a:schemeClr>
-            </a:solidFill>
-          </p:spPr>
-          <p:style>
-            <a:lnRef idx="1">
-              <a:schemeClr val="accent1"/>
-            </a:lnRef>
-            <a:fillRef idx="3">
-              <a:schemeClr val="accent1"/>
-            </a:fillRef>
-            <a:effectRef idx="2">
-              <a:schemeClr val="accent1"/>
-            </a:effectRef>
-            <a:fontRef idx="minor">
-              <a:schemeClr val="lt1"/>
-            </a:fontRef>
-          </p:style>
-          <p:txBody>
-            <a:bodyPr anchor="ctr"/>
-            <a:lstStyle/>
-            <a:p>
-              <a:pPr algn="ctr" fontAlgn="auto">
-                <a:spcBef>
-                  <a:spcPts val="0"/>
-                </a:spcBef>
-                <a:spcAft>
-                  <a:spcPts val="0"/>
-                </a:spcAft>
-                <a:defRPr/>
-              </a:pPr>
-              <a:r>
-                <a:rPr lang="en-US" dirty="0"/>
-                <a:t>Write up a term paper</a:t>
-              </a:r>
-            </a:p>
-          </p:txBody>
-        </p:sp>
-        <p:sp>
-          <p:nvSpPr>
-            <p:cNvPr id="22541" name="TextBox 29"/>
-            <p:cNvSpPr txBox="1">
-              <a:spLocks noChangeArrowheads="1"/>
-            </p:cNvSpPr>
-            <p:nvPr/>
-          </p:nvSpPr>
-          <p:spPr bwMode="auto">
-            <a:xfrm>
-              <a:off x="4692534" y="3592513"/>
-              <a:ext cx="558642" cy="369332"/>
-            </a:xfrm>
-            <a:prstGeom prst="rect">
-              <a:avLst/>
-            </a:prstGeom>
-            <a:noFill/>
-            <a:ln>
-              <a:noFill/>
-            </a:ln>
-            <a:extLst>
-              <a:ext uri="{909E8E84-426E-40dd-AFC4-6F175D3DCCD1}">
-                <a14:hiddenFill xmlns:a14="http://schemas.microsoft.com/office/drawing/2010/main">
-                  <a:solidFill>
-                    <a:srgbClr val="FFFFFF"/>
-                  </a:solidFill>
-                </a14:hiddenFill>
-              </a:ext>
-              <a:ext uri="{91240B29-F687-4f45-9708-019B960494DF}">
-                <a14:hiddenLine xmlns:a14="http://schemas.microsoft.com/office/drawing/2010/main" w="9525">
-                  <a:solidFill>
-                    <a:srgbClr val="000000"/>
-                  </a:solidFill>
-                  <a:miter lim="800000"/>
-                  <a:headEnd/>
-                  <a:tailEnd/>
-                </a14:hiddenLine>
-              </a:ext>
-            </a:extLst>
-          </p:spPr>
-          <p:txBody>
-            <a:bodyPr wrap="none">
-              <a:spAutoFit/>
-            </a:bodyPr>
-            <a:lstStyle>
-              <a:lvl1pPr eaLnBrk="0" hangingPunct="0">
-                <a:defRPr sz="2400">
-                  <a:solidFill>
-                    <a:schemeClr val="tx1"/>
-                  </a:solidFill>
-                  <a:latin typeface="Arial" charset="0"/>
-                  <a:ea typeface="ＭＳ Ｐゴシック" charset="0"/>
-                  <a:cs typeface="ＭＳ Ｐゴシック" charset="0"/>
-                </a:defRPr>
-              </a:lvl1pPr>
-              <a:lvl2pPr marL="742950" indent="-285750" eaLnBrk="0" hangingPunct="0">
-                <a:defRPr sz="2400">
-                  <a:solidFill>
-                    <a:schemeClr val="tx1"/>
-                  </a:solidFill>
-                  <a:latin typeface="Arial" charset="0"/>
-                  <a:ea typeface="ＭＳ Ｐゴシック" charset="0"/>
-                </a:defRPr>
-              </a:lvl2pPr>
-              <a:lvl3pPr marL="1143000" indent="-228600" eaLnBrk="0" hangingPunct="0">
-                <a:defRPr sz="2400">
-                  <a:solidFill>
-                    <a:schemeClr val="tx1"/>
-                  </a:solidFill>
-                  <a:latin typeface="Arial" charset="0"/>
-                  <a:ea typeface="ＭＳ Ｐゴシック" charset="0"/>
-                </a:defRPr>
-              </a:lvl3pPr>
-              <a:lvl4pPr marL="1600200" indent="-228600" eaLnBrk="0" hangingPunct="0">
-                <a:defRPr sz="2400">
-                  <a:solidFill>
-                    <a:schemeClr val="tx1"/>
-                  </a:solidFill>
-                  <a:latin typeface="Arial" charset="0"/>
-                  <a:ea typeface="ＭＳ Ｐゴシック" charset="0"/>
-                </a:defRPr>
-              </a:lvl4pPr>
-              <a:lvl5pPr marL="2057400" indent="-228600" eaLnBrk="0" hangingPunct="0">
-                <a:defRPr sz="2400">
-                  <a:solidFill>
-                    <a:schemeClr val="tx1"/>
-                  </a:solidFill>
-                  <a:latin typeface="Arial" charset="0"/>
-                  <a:ea typeface="ＭＳ Ｐゴシック" charset="0"/>
-                </a:defRPr>
-              </a:lvl5pPr>
-              <a:lvl6pPr marL="2514600" indent="-228600" eaLnBrk="0" fontAlgn="base" hangingPunct="0">
-                <a:spcBef>
-                  <a:spcPct val="0"/>
-                </a:spcBef>
-                <a:spcAft>
-                  <a:spcPct val="0"/>
-                </a:spcAft>
-                <a:defRPr sz="2400">
-                  <a:solidFill>
-                    <a:schemeClr val="tx1"/>
-                  </a:solidFill>
-                  <a:latin typeface="Arial" charset="0"/>
-                  <a:ea typeface="ＭＳ Ｐゴシック" charset="0"/>
-                </a:defRPr>
-              </a:lvl6pPr>
-              <a:lvl7pPr marL="2971800" indent="-228600" eaLnBrk="0" fontAlgn="base" hangingPunct="0">
-                <a:spcBef>
-                  <a:spcPct val="0"/>
-                </a:spcBef>
-                <a:spcAft>
-                  <a:spcPct val="0"/>
-                </a:spcAft>
-                <a:defRPr sz="2400">
-                  <a:solidFill>
-                    <a:schemeClr val="tx1"/>
-                  </a:solidFill>
-                  <a:latin typeface="Arial" charset="0"/>
-                  <a:ea typeface="ＭＳ Ｐゴシック" charset="0"/>
-                </a:defRPr>
-              </a:lvl7pPr>
-              <a:lvl8pPr marL="3429000" indent="-228600" eaLnBrk="0" fontAlgn="base" hangingPunct="0">
-                <a:spcBef>
-                  <a:spcPct val="0"/>
-                </a:spcBef>
-                <a:spcAft>
-                  <a:spcPct val="0"/>
-                </a:spcAft>
-                <a:defRPr sz="2400">
-                  <a:solidFill>
-                    <a:schemeClr val="tx1"/>
-                  </a:solidFill>
-                  <a:latin typeface="Arial" charset="0"/>
-                  <a:ea typeface="ＭＳ Ｐゴシック" charset="0"/>
-                </a:defRPr>
-              </a:lvl8pPr>
-              <a:lvl9pPr marL="3886200" indent="-228600" eaLnBrk="0" fontAlgn="base" hangingPunct="0">
-                <a:spcBef>
-                  <a:spcPct val="0"/>
-                </a:spcBef>
-                <a:spcAft>
-                  <a:spcPct val="0"/>
-                </a:spcAft>
-                <a:defRPr sz="2400">
-                  <a:solidFill>
-                    <a:schemeClr val="tx1"/>
-                  </a:solidFill>
-                  <a:latin typeface="Arial" charset="0"/>
-                  <a:ea typeface="ＭＳ Ｐゴシック" charset="0"/>
-                </a:defRPr>
-              </a:lvl9pPr>
-            </a:lstStyle>
-            <a:p>
-              <a:pPr eaLnBrk="1" hangingPunct="1"/>
-              <a:r>
-                <a:rPr lang="en-US" sz="1800">
-                  <a:solidFill>
-                    <a:schemeClr val="bg1"/>
-                  </a:solidFill>
-                  <a:latin typeface="Calibri" charset="0"/>
-                </a:rPr>
-                <a:t>(25)</a:t>
-              </a:r>
-            </a:p>
-          </p:txBody>
-        </p:sp>
-      </p:grpSp>
-      <p:sp>
-        <p:nvSpPr>
-          <p:cNvPr id="36" name="Cloud Callout 35"/>
-          <p:cNvSpPr/>
-          <p:nvPr/>
-        </p:nvSpPr>
-        <p:spPr>
-          <a:xfrm>
-            <a:off x="1241425" y="2408238"/>
-            <a:ext cx="4479925" cy="1009650"/>
-          </a:xfrm>
-          <a:prstGeom prst="cloudCallout">
-            <a:avLst>
-              <a:gd name="adj1" fmla="val 19413"/>
-              <a:gd name="adj2" fmla="val 58488"/>
-            </a:avLst>
-          </a:prstGeom>
-        </p:spPr>
-        <p:style>
-          <a:lnRef idx="1">
-            <a:schemeClr val="accent1"/>
-          </a:lnRef>
-          <a:fillRef idx="3">
-            <a:schemeClr val="accent1"/>
-          </a:fillRef>
-          <a:effectRef idx="2">
-            <a:schemeClr val="accent1"/>
-          </a:effectRef>
-          <a:fontRef idx="minor">
-            <a:schemeClr val="lt1"/>
-          </a:fontRef>
-        </p:style>
-        <p:txBody>
-          <a:bodyPr anchor="ctr"/>
-          <a:lstStyle/>
-          <a:p>
-            <a:pPr algn="ctr" fontAlgn="auto">
-              <a:spcBef>
-                <a:spcPts val="0"/>
-              </a:spcBef>
-              <a:spcAft>
-                <a:spcPts val="0"/>
-              </a:spcAft>
-              <a:defRPr/>
-            </a:pPr>
-            <a:r>
-              <a:rPr lang="en-US" dirty="0"/>
-              <a:t>OPT = 35</a:t>
-            </a:r>
-            <a:endParaRPr lang="en-US" dirty="0"/>
-          </a:p>
-        </p:txBody>
-      </p:sp>
-      <p:sp>
-        <p:nvSpPr>
-          <p:cNvPr id="37" name="Rounded Rectangular Callout 36"/>
-          <p:cNvSpPr/>
-          <p:nvPr/>
-        </p:nvSpPr>
-        <p:spPr>
-          <a:xfrm>
-            <a:off x="7593013" y="3643313"/>
-            <a:ext cx="1541462" cy="911225"/>
-          </a:xfrm>
-          <a:prstGeom prst="wedgeRoundRectCallout">
-            <a:avLst>
-              <a:gd name="adj1" fmla="val -37008"/>
-              <a:gd name="adj2" fmla="val 169244"/>
-              <a:gd name="adj3" fmla="val 16667"/>
-            </a:avLst>
-          </a:prstGeom>
-        </p:spPr>
-        <p:style>
-          <a:lnRef idx="1">
-            <a:schemeClr val="accent1"/>
-          </a:lnRef>
-          <a:fillRef idx="3">
-            <a:schemeClr val="accent1"/>
-          </a:fillRef>
-          <a:effectRef idx="2">
-            <a:schemeClr val="accent1"/>
-          </a:effectRef>
-          <a:fontRef idx="minor">
-            <a:schemeClr val="lt1"/>
-          </a:fontRef>
-        </p:style>
-        <p:txBody>
-          <a:bodyPr anchor="ctr"/>
-          <a:lstStyle/>
-          <a:p>
-            <a:pPr algn="ctr" fontAlgn="auto">
-              <a:spcBef>
-                <a:spcPts val="0"/>
-              </a:spcBef>
-              <a:spcAft>
-                <a:spcPts val="0"/>
-              </a:spcAft>
-              <a:defRPr/>
-            </a:pPr>
-            <a:r>
-              <a:rPr lang="en-US" dirty="0"/>
-              <a:t>Greedy = 30</a:t>
-            </a:r>
-            <a:endParaRPr lang="en-US" dirty="0"/>
-          </a:p>
-        </p:txBody>
-      </p:sp>
-    </p:spTree>
-    <p:extLst>
-      <p:ext uri="{BB962C8B-B14F-4D97-AF65-F5344CB8AC3E}">
-        <p14:creationId xmlns:p14="http://schemas.microsoft.com/office/powerpoint/2010/main" val="1826427703"/>
-      </p:ext>
-    </p:extLst>
-  </p:cSld>
-  <p:clrMapOvr>
-    <a:masterClrMapping/>
-  </p:clrMapOvr>
-  <p:timing>
-    <p:tnLst>
-      <p:par>
-        <p:cTn xmlns:p14="http://schemas.microsoft.com/office/powerpoint/2010/main" id="1" dur="indefinite" restart="never" nodeType="tmRoot">
-          <p:childTnLst>
-            <p:seq concurrent="1" nextAc="seek">
-              <p:cTn id="2" dur="indefinite" nodeType="mainSeq">
-                <p:childTnLst>
-                  <p:par>
-                    <p:cTn id="3" fill="hold" nodeType="clickPar">
-                      <p:stCondLst>
-                        <p:cond delay="indefinite"/>
-                      </p:stCondLst>
-                      <p:childTnLst>
-                        <p:par>
-                          <p:cTn id="4" fill="hold" nodeType="withGroup">
-                            <p:stCondLst>
-                              <p:cond delay="0"/>
-                            </p:stCondLst>
-                            <p:childTnLst>
-                              <p:par>
-                                <p:cTn id="5" presetID="35" presetClass="emph" presetSubtype="0" fill="hold" nodeType="clickEffect">
-                                  <p:stCondLst>
-                                    <p:cond delay="0"/>
-                                  </p:stCondLst>
-                                  <p:childTnLst>
-                                    <p:anim calcmode="discrete" valueType="str">
-                                      <p:cBhvr>
-                                        <p:cTn id="6" dur="1000" fill="hold"/>
-                                        <p:tgtEl>
-                                          <p:spTgt spid="3"/>
-                                        </p:tgtEl>
-                                        <p:attrNameLst>
-                                          <p:attrName>style.visibility</p:attrName>
-                                        </p:attrNameLst>
-                                      </p:cBhvr>
-                                      <p:tavLst>
-                                        <p:tav tm="0">
-                                          <p:val>
-                                            <p:strVal val="hidden"/>
-                                          </p:val>
-                                        </p:tav>
-                                        <p:tav tm="50000">
-                                          <p:val>
-                                            <p:strVal val="visible"/>
-                                          </p:val>
-                                        </p:tav>
-                                      </p:tavLst>
-                                    </p:anim>
-                                  </p:childTnLst>
-                                </p:cTn>
-                              </p:par>
-                            </p:childTnLst>
-                          </p:cTn>
-                        </p:par>
-                      </p:childTnLst>
-                    </p:cTn>
-                  </p:par>
-                  <p:par>
-                    <p:cTn id="7" fill="hold" nodeType="clickPar">
-                      <p:stCondLst>
-                        <p:cond delay="indefinite"/>
-                      </p:stCondLst>
-                      <p:childTnLst>
-                        <p:par>
-                          <p:cTn id="8" fill="hold" nodeType="withGroup">
-                            <p:stCondLst>
-                              <p:cond delay="0"/>
-                            </p:stCondLst>
-                            <p:childTnLst>
-                              <p:par>
-                                <p:cTn id="9" presetID="1" presetClass="exit" presetSubtype="0" fill="hold" nodeType="clickEffect">
-                                  <p:stCondLst>
-                                    <p:cond delay="0"/>
-                                  </p:stCondLst>
-                                  <p:childTnLst>
-                                    <p:set>
-                                      <p:cBhvr>
-                                        <p:cTn id="10" dur="1" fill="hold">
-                                          <p:stCondLst>
-                                            <p:cond delay="0"/>
-                                          </p:stCondLst>
-                                        </p:cTn>
-                                        <p:tgtEl>
-                                          <p:spTgt spid="13"/>
-                                        </p:tgtEl>
-                                        <p:attrNameLst>
-                                          <p:attrName>style.visibility</p:attrName>
-                                        </p:attrNameLst>
-                                      </p:cBhvr>
-                                      <p:to>
-                                        <p:strVal val="hidden"/>
-                                      </p:to>
-                                    </p:set>
-                                  </p:childTnLst>
-                                </p:cTn>
-                              </p:par>
-                              <p:par>
-                                <p:cTn id="11" presetID="1" presetClass="exit" presetSubtype="0" fill="hold" nodeType="withEffect">
-                                  <p:stCondLst>
-                                    <p:cond delay="0"/>
-                                  </p:stCondLst>
-                                  <p:childTnLst>
-                                    <p:set>
-                                      <p:cBhvr>
-                                        <p:cTn id="12" dur="1" fill="hold">
-                                          <p:stCondLst>
-                                            <p:cond delay="0"/>
-                                          </p:stCondLst>
-                                        </p:cTn>
-                                        <p:tgtEl>
-                                          <p:spTgt spid="8"/>
-                                        </p:tgtEl>
-                                        <p:attrNameLst>
-                                          <p:attrName>style.visibility</p:attrName>
-                                        </p:attrNameLst>
-                                      </p:cBhvr>
-                                      <p:to>
-                                        <p:strVal val="hidden"/>
-                                      </p:to>
-                                    </p:set>
-                                  </p:childTnLst>
-                                </p:cTn>
-                              </p:par>
-                              <p:par>
-                                <p:cTn id="13" presetID="1" presetClass="exit" presetSubtype="0" fill="hold" nodeType="withEffect">
-                                  <p:stCondLst>
-                                    <p:cond delay="0"/>
-                                  </p:stCondLst>
-                                  <p:childTnLst>
-                                    <p:set>
-                                      <p:cBhvr>
-                                        <p:cTn id="14" dur="1" fill="hold">
-                                          <p:stCondLst>
-                                            <p:cond delay="0"/>
-                                          </p:stCondLst>
-                                        </p:cTn>
-                                        <p:tgtEl>
-                                          <p:spTgt spid="21511"/>
-                                        </p:tgtEl>
-                                        <p:attrNameLst>
-                                          <p:attrName>style.visibility</p:attrName>
-                                        </p:attrNameLst>
-                                      </p:cBhvr>
-                                      <p:to>
-                                        <p:strVal val="hidden"/>
-                                      </p:to>
-                                    </p:set>
-                                  </p:childTnLst>
-                                </p:cTn>
-                              </p:par>
-                              <p:par>
-                                <p:cTn id="15" presetID="1" presetClass="exit" presetSubtype="0" fill="hold" nodeType="withEffect">
-                                  <p:stCondLst>
-                                    <p:cond delay="0"/>
-                                  </p:stCondLst>
-                                  <p:childTnLst>
-                                    <p:set>
-                                      <p:cBhvr>
-                                        <p:cTn id="16" dur="1" fill="hold">
-                                          <p:stCondLst>
-                                            <p:cond delay="0"/>
-                                          </p:stCondLst>
-                                        </p:cTn>
-                                        <p:tgtEl>
-                                          <p:spTgt spid="21510"/>
-                                        </p:tgtEl>
-                                        <p:attrNameLst>
-                                          <p:attrName>style.visibility</p:attrName>
-                                        </p:attrNameLst>
-                                      </p:cBhvr>
-                                      <p:to>
-                                        <p:strVal val="hidden"/>
-                                      </p:to>
-                                    </p:set>
-                                  </p:childTnLst>
-                                </p:cTn>
-                              </p:par>
-                            </p:childTnLst>
-                          </p:cTn>
-                        </p:par>
-                      </p:childTnLst>
-                    </p:cTn>
-                  </p:par>
-                  <p:par>
-                    <p:cTn id="17" fill="hold" nodeType="clickPar">
-                      <p:stCondLst>
-                        <p:cond delay="indefinite"/>
-                      </p:stCondLst>
-                      <p:childTnLst>
-                        <p:par>
-                          <p:cTn id="18" fill="hold" nodeType="withGroup">
-                            <p:stCondLst>
-                              <p:cond delay="0"/>
-                            </p:stCondLst>
-                            <p:childTnLst>
-                              <p:par>
-                                <p:cTn id="19" presetID="1" presetClass="entr" presetSubtype="0" fill="hold" grpId="0" nodeType="clickEffect">
-                                  <p:stCondLst>
-                                    <p:cond delay="0"/>
-                                  </p:stCondLst>
-                                  <p:childTnLst>
-                                    <p:set>
-                                      <p:cBhvr>
-                                        <p:cTn id="20" dur="1" fill="hold">
-                                          <p:stCondLst>
-                                            <p:cond delay="0"/>
-                                          </p:stCondLst>
-                                        </p:cTn>
-                                        <p:tgtEl>
-                                          <p:spTgt spid="37"/>
-                                        </p:tgtEl>
-                                        <p:attrNameLst>
-                                          <p:attrName>style.visibility</p:attrName>
-                                        </p:attrNameLst>
-                                      </p:cBhvr>
-                                      <p:to>
-                                        <p:strVal val="visible"/>
-                                      </p:to>
-                                    </p:set>
-                                  </p:childTnLst>
-                                </p:cTn>
-                              </p:par>
-                            </p:childTnLst>
-                          </p:cTn>
-                        </p:par>
-                      </p:childTnLst>
-                    </p:cTn>
-                  </p:par>
-                  <p:par>
-                    <p:cTn id="21" fill="hold" nodeType="clickPar">
-                      <p:stCondLst>
-                        <p:cond delay="indefinite"/>
-                      </p:stCondLst>
-                      <p:childTnLst>
-                        <p:par>
-                          <p:cTn id="22" fill="hold" nodeType="withGroup">
-                            <p:stCondLst>
-                              <p:cond delay="0"/>
-                            </p:stCondLst>
-                            <p:childTnLst>
-                              <p:par>
-                                <p:cTn id="23" presetID="1" presetClass="entr" presetSubtype="0" fill="hold" nodeType="clickEffect">
-                                  <p:stCondLst>
-                                    <p:cond delay="0"/>
-                                  </p:stCondLst>
-                                  <p:childTnLst>
-                                    <p:set>
-                                      <p:cBhvr>
-                                        <p:cTn id="24" dur="1" fill="hold">
-                                          <p:stCondLst>
-                                            <p:cond delay="0"/>
-                                          </p:stCondLst>
-                                        </p:cTn>
-                                        <p:tgtEl>
-                                          <p:spTgt spid="21510"/>
-                                        </p:tgtEl>
-                                        <p:attrNameLst>
-                                          <p:attrName>style.visibility</p:attrName>
-                                        </p:attrNameLst>
-                                      </p:cBhvr>
-                                      <p:to>
-                                        <p:strVal val="visible"/>
-                                      </p:to>
-                                    </p:set>
-                                  </p:childTnLst>
-                                </p:cTn>
-                              </p:par>
-                              <p:par>
-                                <p:cTn id="25" presetID="1" presetClass="entr" presetSubtype="0" fill="hold" nodeType="withEffect">
-                                  <p:stCondLst>
-                                    <p:cond delay="0"/>
-                                  </p:stCondLst>
-                                  <p:childTnLst>
-                                    <p:set>
-                                      <p:cBhvr>
-                                        <p:cTn id="26" dur="1" fill="hold">
-                                          <p:stCondLst>
-                                            <p:cond delay="0"/>
-                                          </p:stCondLst>
-                                        </p:cTn>
-                                        <p:tgtEl>
-                                          <p:spTgt spid="13"/>
-                                        </p:tgtEl>
-                                        <p:attrNameLst>
-                                          <p:attrName>style.visibility</p:attrName>
-                                        </p:attrNameLst>
-                                      </p:cBhvr>
-                                      <p:to>
-                                        <p:strVal val="visible"/>
-                                      </p:to>
-                                    </p:set>
-                                  </p:childTnLst>
-                                </p:cTn>
-                              </p:par>
-                            </p:childTnLst>
-                          </p:cTn>
-                        </p:par>
-                      </p:childTnLst>
-                    </p:cTn>
-                  </p:par>
-                  <p:par>
-                    <p:cTn id="27" fill="hold" nodeType="clickPar">
-                      <p:stCondLst>
-                        <p:cond delay="indefinite"/>
-                      </p:stCondLst>
-                      <p:childTnLst>
-                        <p:par>
-                          <p:cTn id="28" fill="hold" nodeType="withGroup">
-                            <p:stCondLst>
-                              <p:cond delay="0"/>
-                            </p:stCondLst>
-                            <p:childTnLst>
-                              <p:par>
-                                <p:cTn id="29" presetID="1" presetClass="entr" presetSubtype="0" fill="hold" grpId="0" nodeType="clickEffect">
-                                  <p:stCondLst>
-                                    <p:cond delay="0"/>
-                                  </p:stCondLst>
-                                  <p:childTnLst>
-                                    <p:set>
-                                      <p:cBhvr>
-                                        <p:cTn id="30" dur="1" fill="hold">
-                                          <p:stCondLst>
-                                            <p:cond delay="0"/>
-                                          </p:stCondLst>
-                                        </p:cTn>
-                                        <p:tgtEl>
-                                          <p:spTgt spid="36"/>
-                                        </p:tgtEl>
-                                        <p:attrNameLst>
-                                          <p:attrName>style.visibility</p:attrName>
-                                        </p:attrNameLst>
-                                      </p:cBhvr>
-                                      <p:to>
-                                        <p:strVal val="visible"/>
-                                      </p:to>
-                                    </p:set>
-                                  </p:childTnLst>
-                                </p:cTn>
-                              </p:par>
-                            </p:childTnLst>
-                          </p:cTn>
-                        </p:par>
-                      </p:childTnLst>
-                    </p:cTn>
-                  </p:par>
-                </p:childTnLst>
-              </p:cTn>
-              <p:prevCondLst>
-                <p:cond evt="onPrev" delay="0">
-                  <p:tgtEl>
-                    <p:sldTgt/>
-                  </p:tgtEl>
-                </p:cond>
-              </p:prevCondLst>
-              <p:nextCondLst>
-                <p:cond evt="onNext" delay="0">
-                  <p:tgtEl>
-                    <p:sldTgt/>
-                  </p:tgtEl>
-                </p:cond>
-              </p:nextCondLst>
-            </p:seq>
-          </p:childTnLst>
-        </p:cTn>
-      </p:par>
-    </p:tnLst>
-    <p:bldLst>
-      <p:bldP spid="36" grpId="0" animBg="1"/>
-      <p:bldP spid="37" grpId="0" animBg="1"/>
-    </p:bldLst>
-  </p:timing>
-</p:sld>
-</file>
-
-<file path=ppt/slides/slide9.xml><?xml version="1.0" encoding="utf-8"?>
-<p:sld xmlns:a="http://schemas.openxmlformats.org/drawingml/2006/main" xmlns:r="http://schemas.openxmlformats.org/officeDocument/2006/relationships" xmlns:p="http://schemas.openxmlformats.org/presentationml/2006/main">
-  <p:cSld>
-    <p:spTree>
-      <p:nvGrpSpPr>
-        <p:cNvPr id="1" name=""/>
-        <p:cNvGrpSpPr/>
-        <p:nvPr/>
-      </p:nvGrpSpPr>
-      <p:grpSpPr>
-        <a:xfrm>
-          <a:off x="0" y="0"/>
-          <a:ext cx="0" cy="0"/>
-          <a:chOff x="0" y="0"/>
-          <a:chExt cx="0" cy="0"/>
-        </a:xfrm>
-      </p:grpSpPr>
-      <p:sp>
-        <p:nvSpPr>
-          <p:cNvPr id="23553" name="Title 1"/>
-          <p:cNvSpPr>
-            <a:spLocks noGrp="1"/>
-          </p:cNvSpPr>
-          <p:nvPr>
-            <p:ph type="title"/>
-          </p:nvPr>
-        </p:nvSpPr>
-        <p:spPr/>
-        <p:txBody>
-          <a:bodyPr/>
-          <a:lstStyle/>
-          <a:p>
-            <a:pPr eaLnBrk="1" hangingPunct="1"/>
-            <a:r>
-              <a:rPr lang="en-US">
-                <a:latin typeface="Calibri" charset="0"/>
-                <a:ea typeface="ＭＳ Ｐゴシック" charset="0"/>
-                <a:cs typeface="ＭＳ Ｐゴシック" charset="0"/>
-              </a:rPr>
-              <a:t>Today</a:t>
-            </a:r>
-            <a:r>
-              <a:rPr lang="ja-JP" altLang="en-US">
-                <a:latin typeface="Calibri" charset="0"/>
-                <a:ea typeface="ＭＳ Ｐゴシック" charset="0"/>
-                <a:cs typeface="ＭＳ Ｐゴシック" charset="0"/>
-              </a:rPr>
-              <a:t>’</a:t>
-            </a:r>
-            <a:r>
-              <a:rPr lang="en-US" altLang="ja-JP">
-                <a:latin typeface="Calibri" charset="0"/>
-                <a:ea typeface="ＭＳ Ｐゴシック" charset="0"/>
-                <a:cs typeface="ＭＳ Ｐゴシック" charset="0"/>
-              </a:rPr>
-              <a:t>s agenda</a:t>
-            </a:r>
-            <a:endParaRPr lang="en-US">
-              <a:latin typeface="Calibri" charset="0"/>
-              <a:ea typeface="ＭＳ Ｐゴシック" charset="0"/>
-              <a:cs typeface="ＭＳ Ｐゴシック" charset="0"/>
-            </a:endParaRPr>
-          </a:p>
-        </p:txBody>
-      </p:sp>
-      <p:sp>
-        <p:nvSpPr>
-          <p:cNvPr id="23554" name="TextBox 2"/>
-          <p:cNvSpPr txBox="1">
-            <a:spLocks noChangeArrowheads="1"/>
-          </p:cNvSpPr>
-          <p:nvPr/>
-        </p:nvSpPr>
-        <p:spPr bwMode="auto">
-          <a:xfrm>
-            <a:off x="1106488" y="1397000"/>
-            <a:ext cx="3248025" cy="369888"/>
-          </a:xfrm>
-          <a:prstGeom prst="rect">
-            <a:avLst/>
-          </a:prstGeom>
-          <a:noFill/>
-          <a:ln>
-            <a:noFill/>
-          </a:ln>
-          <a:extLst>
-            <a:ext uri="{909E8E84-426E-40dd-AFC4-6F175D3DCCD1}">
-              <a14:hiddenFill xmlns:a14="http://schemas.microsoft.com/office/drawing/2010/main">
-                <a:solidFill>
-                  <a:srgbClr val="FFFFFF"/>
-                </a:solidFill>
-              </a14:hiddenFill>
-            </a:ext>
-            <a:ext uri="{91240B29-F687-4f45-9708-019B960494DF}">
-              <a14:hiddenLine xmlns:a14="http://schemas.microsoft.com/office/drawing/2010/main" w="9525">
-                <a:solidFill>
-                  <a:srgbClr val="000000"/>
-                </a:solidFill>
-                <a:miter lim="800000"/>
-                <a:headEnd/>
-                <a:tailEnd/>
-              </a14:hiddenLine>
-            </a:ext>
-          </a:extLst>
-        </p:spPr>
-        <p:txBody>
-          <a:bodyPr wrap="none">
-            <a:spAutoFit/>
-          </a:bodyPr>
-          <a:lstStyle>
-            <a:lvl1pPr eaLnBrk="0" hangingPunct="0">
-              <a:defRPr sz="2400">
-                <a:solidFill>
-                  <a:schemeClr val="tx1"/>
-                </a:solidFill>
-                <a:latin typeface="Arial" charset="0"/>
-                <a:ea typeface="ＭＳ Ｐゴシック" charset="0"/>
-                <a:cs typeface="ＭＳ Ｐゴシック" charset="0"/>
-              </a:defRPr>
-            </a:lvl1pPr>
-            <a:lvl2pPr marL="742950" indent="-285750" eaLnBrk="0" hangingPunct="0">
-              <a:defRPr sz="2400">
-                <a:solidFill>
-                  <a:schemeClr val="tx1"/>
-                </a:solidFill>
-                <a:latin typeface="Arial" charset="0"/>
-                <a:ea typeface="ＭＳ Ｐゴシック" charset="0"/>
-              </a:defRPr>
-            </a:lvl2pPr>
-            <a:lvl3pPr marL="1143000" indent="-228600" eaLnBrk="0" hangingPunct="0">
-              <a:defRPr sz="2400">
-                <a:solidFill>
-                  <a:schemeClr val="tx1"/>
-                </a:solidFill>
-                <a:latin typeface="Arial" charset="0"/>
-                <a:ea typeface="ＭＳ Ｐゴシック" charset="0"/>
-              </a:defRPr>
-            </a:lvl3pPr>
-            <a:lvl4pPr marL="1600200" indent="-228600" eaLnBrk="0" hangingPunct="0">
-              <a:defRPr sz="2400">
-                <a:solidFill>
-                  <a:schemeClr val="tx1"/>
-                </a:solidFill>
-                <a:latin typeface="Arial" charset="0"/>
-                <a:ea typeface="ＭＳ Ｐゴシック" charset="0"/>
-              </a:defRPr>
-            </a:lvl4pPr>
-            <a:lvl5pPr marL="2057400" indent="-228600" eaLnBrk="0" hangingPunct="0">
-              <a:defRPr sz="2400">
-                <a:solidFill>
-                  <a:schemeClr val="tx1"/>
-                </a:solidFill>
-                <a:latin typeface="Arial" charset="0"/>
-                <a:ea typeface="ＭＳ Ｐゴシック" charset="0"/>
-              </a:defRPr>
-            </a:lvl5pPr>
-            <a:lvl6pPr marL="2514600" indent="-228600" eaLnBrk="0" fontAlgn="base" hangingPunct="0">
-              <a:spcBef>
-                <a:spcPct val="0"/>
-              </a:spcBef>
-              <a:spcAft>
-                <a:spcPct val="0"/>
-              </a:spcAft>
-              <a:defRPr sz="2400">
-                <a:solidFill>
-                  <a:schemeClr val="tx1"/>
-                </a:solidFill>
-                <a:latin typeface="Arial" charset="0"/>
-                <a:ea typeface="ＭＳ Ｐゴシック" charset="0"/>
-              </a:defRPr>
-            </a:lvl6pPr>
-            <a:lvl7pPr marL="2971800" indent="-228600" eaLnBrk="0" fontAlgn="base" hangingPunct="0">
-              <a:spcBef>
-                <a:spcPct val="0"/>
-              </a:spcBef>
-              <a:spcAft>
-                <a:spcPct val="0"/>
-              </a:spcAft>
-              <a:defRPr sz="2400">
-                <a:solidFill>
-                  <a:schemeClr val="tx1"/>
-                </a:solidFill>
-                <a:latin typeface="Arial" charset="0"/>
-                <a:ea typeface="ＭＳ Ｐゴシック" charset="0"/>
-              </a:defRPr>
-            </a:lvl7pPr>
-            <a:lvl8pPr marL="3429000" indent="-228600" eaLnBrk="0" fontAlgn="base" hangingPunct="0">
-              <a:spcBef>
-                <a:spcPct val="0"/>
-              </a:spcBef>
-              <a:spcAft>
-                <a:spcPct val="0"/>
-              </a:spcAft>
-              <a:defRPr sz="2400">
-                <a:solidFill>
-                  <a:schemeClr val="tx1"/>
-                </a:solidFill>
-                <a:latin typeface="Arial" charset="0"/>
-                <a:ea typeface="ＭＳ Ｐゴシック" charset="0"/>
-              </a:defRPr>
-            </a:lvl8pPr>
-            <a:lvl9pPr marL="3886200" indent="-228600" eaLnBrk="0" fontAlgn="base" hangingPunct="0">
-              <a:spcBef>
-                <a:spcPct val="0"/>
-              </a:spcBef>
-              <a:spcAft>
-                <a:spcPct val="0"/>
-              </a:spcAft>
-              <a:defRPr sz="2400">
-                <a:solidFill>
-                  <a:schemeClr val="tx1"/>
-                </a:solidFill>
-                <a:latin typeface="Arial" charset="0"/>
-                <a:ea typeface="ＭＳ Ｐゴシック" charset="0"/>
-              </a:defRPr>
-            </a:lvl9pPr>
-          </a:lstStyle>
-          <a:p>
-            <a:pPr eaLnBrk="1" hangingPunct="1"/>
-            <a:r>
-              <a:rPr lang="en-US" sz="1800">
-                <a:latin typeface="Calibri" charset="0"/>
-              </a:rPr>
-              <a:t>Formal definition of the problem</a:t>
-            </a:r>
-          </a:p>
-        </p:txBody>
-      </p:sp>
-      <p:sp>
-        <p:nvSpPr>
-          <p:cNvPr id="23555" name="TextBox 3"/>
-          <p:cNvSpPr txBox="1">
-            <a:spLocks noChangeArrowheads="1"/>
-          </p:cNvSpPr>
-          <p:nvPr/>
-        </p:nvSpPr>
-        <p:spPr bwMode="auto">
-          <a:xfrm>
-            <a:off x="1106488" y="1889125"/>
-            <a:ext cx="5133975" cy="369888"/>
-          </a:xfrm>
-          <a:prstGeom prst="rect">
-            <a:avLst/>
-          </a:prstGeom>
-          <a:noFill/>
-          <a:ln>
-            <a:noFill/>
-          </a:ln>
-          <a:extLst>
-            <a:ext uri="{909E8E84-426E-40dd-AFC4-6F175D3DCCD1}">
-              <a14:hiddenFill xmlns:a14="http://schemas.microsoft.com/office/drawing/2010/main">
-                <a:solidFill>
-                  <a:srgbClr val="FFFFFF"/>
-                </a:solidFill>
-              </a14:hiddenFill>
-            </a:ext>
-            <a:ext uri="{91240B29-F687-4f45-9708-019B960494DF}">
-              <a14:hiddenLine xmlns:a14="http://schemas.microsoft.com/office/drawing/2010/main" w="9525">
-                <a:solidFill>
-                  <a:srgbClr val="000000"/>
-                </a:solidFill>
-                <a:miter lim="800000"/>
-                <a:headEnd/>
-                <a:tailEnd/>
-              </a14:hiddenLine>
-            </a:ext>
-          </a:extLst>
-        </p:spPr>
-        <p:txBody>
-          <a:bodyPr wrap="none">
-            <a:spAutoFit/>
-          </a:bodyPr>
-          <a:lstStyle>
-            <a:lvl1pPr eaLnBrk="0" hangingPunct="0">
-              <a:defRPr sz="2400">
-                <a:solidFill>
-                  <a:schemeClr val="tx1"/>
-                </a:solidFill>
-                <a:latin typeface="Arial" charset="0"/>
-                <a:ea typeface="ＭＳ Ｐゴシック" charset="0"/>
-                <a:cs typeface="ＭＳ Ｐゴシック" charset="0"/>
-              </a:defRPr>
-            </a:lvl1pPr>
-            <a:lvl2pPr marL="742950" indent="-285750" eaLnBrk="0" hangingPunct="0">
-              <a:defRPr sz="2400">
-                <a:solidFill>
-                  <a:schemeClr val="tx1"/>
-                </a:solidFill>
-                <a:latin typeface="Arial" charset="0"/>
-                <a:ea typeface="ＭＳ Ｐゴシック" charset="0"/>
-              </a:defRPr>
-            </a:lvl2pPr>
-            <a:lvl3pPr marL="1143000" indent="-228600" eaLnBrk="0" hangingPunct="0">
-              <a:defRPr sz="2400">
-                <a:solidFill>
-                  <a:schemeClr val="tx1"/>
-                </a:solidFill>
-                <a:latin typeface="Arial" charset="0"/>
-                <a:ea typeface="ＭＳ Ｐゴシック" charset="0"/>
-              </a:defRPr>
-            </a:lvl3pPr>
-            <a:lvl4pPr marL="1600200" indent="-228600" eaLnBrk="0" hangingPunct="0">
-              <a:defRPr sz="2400">
-                <a:solidFill>
-                  <a:schemeClr val="tx1"/>
-                </a:solidFill>
-                <a:latin typeface="Arial" charset="0"/>
-                <a:ea typeface="ＭＳ Ｐゴシック" charset="0"/>
-              </a:defRPr>
-            </a:lvl4pPr>
-            <a:lvl5pPr marL="2057400" indent="-228600" eaLnBrk="0" hangingPunct="0">
-              <a:defRPr sz="2400">
-                <a:solidFill>
-                  <a:schemeClr val="tx1"/>
-                </a:solidFill>
-                <a:latin typeface="Arial" charset="0"/>
-                <a:ea typeface="ＭＳ Ｐゴシック" charset="0"/>
-              </a:defRPr>
-            </a:lvl5pPr>
-            <a:lvl6pPr marL="2514600" indent="-228600" eaLnBrk="0" fontAlgn="base" hangingPunct="0">
-              <a:spcBef>
-                <a:spcPct val="0"/>
-              </a:spcBef>
-              <a:spcAft>
-                <a:spcPct val="0"/>
-              </a:spcAft>
-              <a:defRPr sz="2400">
-                <a:solidFill>
-                  <a:schemeClr val="tx1"/>
-                </a:solidFill>
-                <a:latin typeface="Arial" charset="0"/>
-                <a:ea typeface="ＭＳ Ｐゴシック" charset="0"/>
-              </a:defRPr>
-            </a:lvl6pPr>
-            <a:lvl7pPr marL="2971800" indent="-228600" eaLnBrk="0" fontAlgn="base" hangingPunct="0">
-              <a:spcBef>
-                <a:spcPct val="0"/>
-              </a:spcBef>
-              <a:spcAft>
-                <a:spcPct val="0"/>
-              </a:spcAft>
-              <a:defRPr sz="2400">
-                <a:solidFill>
-                  <a:schemeClr val="tx1"/>
-                </a:solidFill>
-                <a:latin typeface="Arial" charset="0"/>
-                <a:ea typeface="ＭＳ Ｐゴシック" charset="0"/>
-              </a:defRPr>
-            </a:lvl7pPr>
-            <a:lvl8pPr marL="3429000" indent="-228600" eaLnBrk="0" fontAlgn="base" hangingPunct="0">
-              <a:spcBef>
-                <a:spcPct val="0"/>
-              </a:spcBef>
-              <a:spcAft>
-                <a:spcPct val="0"/>
-              </a:spcAft>
-              <a:defRPr sz="2400">
-                <a:solidFill>
-                  <a:schemeClr val="tx1"/>
-                </a:solidFill>
-                <a:latin typeface="Arial" charset="0"/>
-                <a:ea typeface="ＭＳ Ｐゴシック" charset="0"/>
-              </a:defRPr>
-            </a:lvl8pPr>
-            <a:lvl9pPr marL="3886200" indent="-228600" eaLnBrk="0" fontAlgn="base" hangingPunct="0">
-              <a:spcBef>
-                <a:spcPct val="0"/>
-              </a:spcBef>
-              <a:spcAft>
-                <a:spcPct val="0"/>
-              </a:spcAft>
-              <a:defRPr sz="2400">
-                <a:solidFill>
-                  <a:schemeClr val="tx1"/>
-                </a:solidFill>
-                <a:latin typeface="Arial" charset="0"/>
-                <a:ea typeface="ＭＳ Ｐゴシック" charset="0"/>
-              </a:defRPr>
-            </a:lvl9pPr>
-          </a:lstStyle>
-          <a:p>
-            <a:pPr eaLnBrk="1" hangingPunct="1"/>
-            <a:r>
-              <a:rPr lang="en-US" sz="1800">
-                <a:latin typeface="Calibri" charset="0"/>
-              </a:rPr>
-              <a:t>Start designing a recursive algorithm for the problem</a:t>
-            </a:r>
-          </a:p>
-        </p:txBody>
-      </p:sp>
-      <p:pic>
-        <p:nvPicPr>
-          <p:cNvPr id="23556" name="Picture 2" descr="recursionagain.jpg"/>
-          <p:cNvPicPr>
-            <a:picLocks noChangeAspect="1"/>
-          </p:cNvPicPr>
-          <p:nvPr/>
-        </p:nvPicPr>
-        <p:blipFill>
-          <a:blip r:embed="rId2">
-            <a:extLst>
-              <a:ext uri="{28A0092B-C50C-407E-A947-70E740481C1C}">
-                <a14:useLocalDpi xmlns:a14="http://schemas.microsoft.com/office/drawing/2010/main" val="0"/>
-              </a:ext>
-            </a:extLst>
-          </a:blip>
-          <a:srcRect/>
-          <a:stretch>
-            <a:fillRect/>
-          </a:stretch>
-        </p:blipFill>
-        <p:spPr bwMode="auto">
-          <a:xfrm>
-            <a:off x="1730375" y="2416175"/>
-            <a:ext cx="5248275" cy="4197350"/>
-          </a:xfrm>
-          <a:prstGeom prst="rect">
-            <a:avLst/>
-          </a:prstGeom>
-          <a:noFill/>
-          <a:ln>
-            <a:noFill/>
-          </a:ln>
-          <a:extLst>
-            <a:ext uri="{909E8E84-426E-40dd-AFC4-6F175D3DCCD1}">
-              <a14:hiddenFill xmlns:a14="http://schemas.microsoft.com/office/drawing/2010/main">
-                <a:solidFill>
-                  <a:srgbClr val="FFFFFF"/>
-                </a:solidFill>
-              </a14:hiddenFill>
-            </a:ext>
-            <a:ext uri="{91240B29-F687-4f45-9708-019B960494DF}">
-              <a14:hiddenLine xmlns:a14="http://schemas.microsoft.com/office/drawing/2010/main" w="9525">
-                <a:solidFill>
-                  <a:srgbClr val="000000"/>
-                </a:solidFill>
-                <a:miter lim="800000"/>
-                <a:headEnd/>
-                <a:tailEnd/>
-              </a14:hiddenLine>
-            </a:ext>
-          </a:extLst>
-        </p:spPr>
-      </p:pic>
-    </p:spTree>
-    <p:extLst>
-      <p:ext uri="{BB962C8B-B14F-4D97-AF65-F5344CB8AC3E}">
-        <p14:creationId xmlns:p14="http://schemas.microsoft.com/office/powerpoint/2010/main" val="2045952981"/>
-      </p:ext>
-    </p:extLst>
-  </p:cSld>
-  <p:clrMapOvr>
-    <a:masterClrMapping/>
-  </p:clrMapOvr>
-  <p:timing>
-    <p:tnLst>
-      <p:par>
-        <p:cTn xmlns:p14="http://schemas.microsoft.com/office/powerpoint/2010/main" id="1" dur="indefinite" restart="never" nodeType="tmRoot"/>
-      </p:par>
-    </p:tnLst>
   </p:timing>
 </p:sld>
 </file>
